--- a/Documentation/Rendering Architecture.pptx
+++ b/Documentation/Rendering Architecture.pptx
@@ -11227,7 +11227,7 @@
           <a:p>
             <a:fld id="{07B9C430-E1D8-403E-B8DC-FA88E62CE512}" type="datetimeFigureOut">
               <a:rPr lang="pl-PL" smtClean="0"/>
-              <a:t>07.01.2024</a:t>
+              <a:t>16.01.2024</a:t>
             </a:fld>
             <a:endParaRPr lang="pl-PL"/>
           </a:p>
@@ -11425,7 +11425,7 @@
           <a:p>
             <a:fld id="{07B9C430-E1D8-403E-B8DC-FA88E62CE512}" type="datetimeFigureOut">
               <a:rPr lang="pl-PL" smtClean="0"/>
-              <a:t>07.01.2024</a:t>
+              <a:t>16.01.2024</a:t>
             </a:fld>
             <a:endParaRPr lang="pl-PL"/>
           </a:p>
@@ -11633,7 +11633,7 @@
           <a:p>
             <a:fld id="{07B9C430-E1D8-403E-B8DC-FA88E62CE512}" type="datetimeFigureOut">
               <a:rPr lang="pl-PL" smtClean="0"/>
-              <a:t>07.01.2024</a:t>
+              <a:t>16.01.2024</a:t>
             </a:fld>
             <a:endParaRPr lang="pl-PL"/>
           </a:p>
@@ -11831,7 +11831,7 @@
           <a:p>
             <a:fld id="{07B9C430-E1D8-403E-B8DC-FA88E62CE512}" type="datetimeFigureOut">
               <a:rPr lang="pl-PL" smtClean="0"/>
-              <a:t>07.01.2024</a:t>
+              <a:t>16.01.2024</a:t>
             </a:fld>
             <a:endParaRPr lang="pl-PL"/>
           </a:p>
@@ -12106,7 +12106,7 @@
           <a:p>
             <a:fld id="{07B9C430-E1D8-403E-B8DC-FA88E62CE512}" type="datetimeFigureOut">
               <a:rPr lang="pl-PL" smtClean="0"/>
-              <a:t>07.01.2024</a:t>
+              <a:t>16.01.2024</a:t>
             </a:fld>
             <a:endParaRPr lang="pl-PL"/>
           </a:p>
@@ -12371,7 +12371,7 @@
           <a:p>
             <a:fld id="{07B9C430-E1D8-403E-B8DC-FA88E62CE512}" type="datetimeFigureOut">
               <a:rPr lang="pl-PL" smtClean="0"/>
-              <a:t>07.01.2024</a:t>
+              <a:t>16.01.2024</a:t>
             </a:fld>
             <a:endParaRPr lang="pl-PL"/>
           </a:p>
@@ -12783,7 +12783,7 @@
           <a:p>
             <a:fld id="{07B9C430-E1D8-403E-B8DC-FA88E62CE512}" type="datetimeFigureOut">
               <a:rPr lang="pl-PL" smtClean="0"/>
-              <a:t>07.01.2024</a:t>
+              <a:t>16.01.2024</a:t>
             </a:fld>
             <a:endParaRPr lang="pl-PL"/>
           </a:p>
@@ -12924,7 +12924,7 @@
           <a:p>
             <a:fld id="{07B9C430-E1D8-403E-B8DC-FA88E62CE512}" type="datetimeFigureOut">
               <a:rPr lang="pl-PL" smtClean="0"/>
-              <a:t>07.01.2024</a:t>
+              <a:t>16.01.2024</a:t>
             </a:fld>
             <a:endParaRPr lang="pl-PL"/>
           </a:p>
@@ -13037,7 +13037,7 @@
           <a:p>
             <a:fld id="{07B9C430-E1D8-403E-B8DC-FA88E62CE512}" type="datetimeFigureOut">
               <a:rPr lang="pl-PL" smtClean="0"/>
-              <a:t>07.01.2024</a:t>
+              <a:t>16.01.2024</a:t>
             </a:fld>
             <a:endParaRPr lang="pl-PL"/>
           </a:p>
@@ -13348,7 +13348,7 @@
           <a:p>
             <a:fld id="{07B9C430-E1D8-403E-B8DC-FA88E62CE512}" type="datetimeFigureOut">
               <a:rPr lang="pl-PL" smtClean="0"/>
-              <a:t>07.01.2024</a:t>
+              <a:t>16.01.2024</a:t>
             </a:fld>
             <a:endParaRPr lang="pl-PL"/>
           </a:p>
@@ -13636,7 +13636,7 @@
           <a:p>
             <a:fld id="{07B9C430-E1D8-403E-B8DC-FA88E62CE512}" type="datetimeFigureOut">
               <a:rPr lang="pl-PL" smtClean="0"/>
-              <a:t>07.01.2024</a:t>
+              <a:t>16.01.2024</a:t>
             </a:fld>
             <a:endParaRPr lang="pl-PL"/>
           </a:p>
@@ -13877,7 +13877,7 @@
           <a:p>
             <a:fld id="{07B9C430-E1D8-403E-B8DC-FA88E62CE512}" type="datetimeFigureOut">
               <a:rPr lang="pl-PL" smtClean="0"/>
-              <a:t>07.01.2024</a:t>
+              <a:t>16.01.2024</a:t>
             </a:fld>
             <a:endParaRPr lang="pl-PL"/>
           </a:p>
@@ -14522,8 +14522,8 @@
           <a:chExt cx="0" cy="0"/>
         </a:xfrm>
       </p:grpSpPr>
-      <mc:AlternateContent xmlns:mc="http://schemas.openxmlformats.org/markup-compatibility/2006">
-        <mc:Choice xmlns:a14="http://schemas.microsoft.com/office/drawing/2010/main" Requires="a14">
+      <mc:AlternateContent xmlns:mc="http://schemas.openxmlformats.org/markup-compatibility/2006" xmlns:a14="http://schemas.microsoft.com/office/drawing/2010/main">
+        <mc:Choice Requires="a14">
           <p:sp>
             <p:nvSpPr>
               <p:cNvPr id="10" name="TextBox 9">
@@ -16855,7 +16855,7 @@
             </p:txBody>
           </p:sp>
         </mc:Choice>
-        <mc:Fallback>
+        <mc:Fallback xmlns="">
           <p:sp>
             <p:nvSpPr>
               <p:cNvPr id="10" name="TextBox 9">
@@ -17118,8 +17118,8 @@
           </a:p>
         </p:txBody>
       </p:sp>
-      <mc:AlternateContent xmlns:mc="http://schemas.openxmlformats.org/markup-compatibility/2006">
-        <mc:Choice xmlns:a14="http://schemas.microsoft.com/office/drawing/2010/main" Requires="a14">
+      <mc:AlternateContent xmlns:mc="http://schemas.openxmlformats.org/markup-compatibility/2006" xmlns:a14="http://schemas.microsoft.com/office/drawing/2010/main">
+        <mc:Choice Requires="a14">
           <p:sp>
             <p:nvSpPr>
               <p:cNvPr id="16" name="TextBox 15">
@@ -17135,7 +17135,7 @@
             <p:spPr>
               <a:xfrm>
                 <a:off x="668217" y="841715"/>
-                <a:ext cx="4606690" cy="5150834"/>
+                <a:ext cx="4606690" cy="4107535"/>
               </a:xfrm>
               <a:prstGeom prst="rect">
                 <a:avLst/>
@@ -18811,58 +18811,6 @@
                               </m:ctrlPr>
                             </m:dPr>
                             <m:e>
-                              <m:r>
-                                <a:rPr lang="en-US" sz="1100" i="1" smtClean="0">
-                                  <a:solidFill>
-                                    <a:prstClr val="black"/>
-                                  </a:solidFill>
-                                  <a:latin typeface="Cambria Math" panose="02040503050406030204" pitchFamily="18" charset="0"/>
-                                </a:rPr>
-                                <m:t>(1−</m:t>
-                              </m:r>
-                              <m:sSub>
-                                <m:sSubPr>
-                                  <m:ctrlPr>
-                                    <a:rPr lang="en-US" sz="1100" i="1" smtClean="0">
-                                      <a:solidFill>
-                                        <a:prstClr val="black"/>
-                                      </a:solidFill>
-                                      <a:latin typeface="Cambria Math" panose="02040503050406030204" pitchFamily="18" charset="0"/>
-                                    </a:rPr>
-                                  </m:ctrlPr>
-                                </m:sSubPr>
-                                <m:e>
-                                  <m:r>
-                                    <a:rPr lang="en-US" sz="1100" i="1" smtClean="0">
-                                      <a:solidFill>
-                                        <a:prstClr val="black"/>
-                                      </a:solidFill>
-                                      <a:latin typeface="Cambria Math" panose="02040503050406030204" pitchFamily="18" charset="0"/>
-                                    </a:rPr>
-                                    <m:t>𝐹</m:t>
-                                  </m:r>
-                                </m:e>
-                                <m:sub>
-                                  <m:r>
-                                    <a:rPr lang="en-US" sz="1100" i="1" smtClean="0">
-                                      <a:solidFill>
-                                        <a:prstClr val="black"/>
-                                      </a:solidFill>
-                                      <a:latin typeface="Cambria Math" panose="02040503050406030204" pitchFamily="18" charset="0"/>
-                                    </a:rPr>
-                                    <m:t>0</m:t>
-                                  </m:r>
-                                </m:sub>
-                              </m:sSub>
-                              <m:r>
-                                <a:rPr lang="en-US" sz="1100" i="1" smtClean="0">
-                                  <a:solidFill>
-                                    <a:prstClr val="black"/>
-                                  </a:solidFill>
-                                  <a:latin typeface="Cambria Math" panose="02040503050406030204" pitchFamily="18" charset="0"/>
-                                </a:rPr>
-                                <m:t>)+</m:t>
-                              </m:r>
                               <m:d>
                                 <m:dPr>
                                   <m:ctrlPr>
@@ -18875,6 +18823,15 @@
                                   </m:ctrlPr>
                                 </m:dPr>
                                 <m:e>
+                                  <m:r>
+                                    <a:rPr lang="en-US" sz="1100" i="1" smtClean="0">
+                                      <a:solidFill>
+                                        <a:prstClr val="black"/>
+                                      </a:solidFill>
+                                      <a:latin typeface="Cambria Math" panose="02040503050406030204" pitchFamily="18" charset="0"/>
+                                    </a:rPr>
+                                    <m:t>1−</m:t>
+                                  </m:r>
                                   <m:sSub>
                                     <m:sSubPr>
                                       <m:ctrlPr>
@@ -18909,15 +18866,72 @@
                                       </m:r>
                                     </m:sub>
                                   </m:sSub>
-                                  <m:r>
+                                </m:e>
+                              </m:d>
+                              <m:r>
+                                <a:rPr lang="pl-PL" sz="1100" b="0" i="1" smtClean="0">
+                                  <a:solidFill>
+                                    <a:prstClr val="black"/>
+                                  </a:solidFill>
+                                  <a:latin typeface="Cambria Math" panose="02040503050406030204" pitchFamily="18" charset="0"/>
+                                </a:rPr>
+                                <m:t>−</m:t>
+                              </m:r>
+                              <m:d>
+                                <m:dPr>
+                                  <m:ctrlPr>
                                     <a:rPr lang="en-US" sz="1100" i="1" smtClean="0">
                                       <a:solidFill>
                                         <a:prstClr val="black"/>
                                       </a:solidFill>
                                       <a:latin typeface="Cambria Math" panose="02040503050406030204" pitchFamily="18" charset="0"/>
                                     </a:rPr>
-                                    <m:t>−1</m:t>
+                                  </m:ctrlPr>
+                                </m:dPr>
+                                <m:e>
+                                  <m:r>
+                                    <a:rPr lang="en-US" sz="1100" i="1">
+                                      <a:solidFill>
+                                        <a:prstClr val="black"/>
+                                      </a:solidFill>
+                                      <a:latin typeface="Cambria Math" panose="02040503050406030204" pitchFamily="18" charset="0"/>
+                                    </a:rPr>
+                                    <m:t>1−</m:t>
                                   </m:r>
+                                  <m:sSub>
+                                    <m:sSubPr>
+                                      <m:ctrlPr>
+                                        <a:rPr lang="en-US" sz="1100" i="1">
+                                          <a:solidFill>
+                                            <a:prstClr val="black"/>
+                                          </a:solidFill>
+                                          <a:latin typeface="Cambria Math" panose="02040503050406030204" pitchFamily="18" charset="0"/>
+                                        </a:rPr>
+                                      </m:ctrlPr>
+                                    </m:sSubPr>
+                                    <m:e>
+                                      <m:r>
+                                        <a:rPr lang="en-US" sz="1100" i="1">
+                                          <a:solidFill>
+                                            <a:prstClr val="black"/>
+                                          </a:solidFill>
+                                          <a:latin typeface="Cambria Math" panose="02040503050406030204" pitchFamily="18" charset="0"/>
+                                        </a:rPr>
+                                        <m:t>𝐹</m:t>
+                                      </m:r>
+                                    </m:e>
+                                    <m:sub>
+                                      <m:r>
+                                        <a:rPr lang="en-US" sz="1100" i="1">
+                                          <a:solidFill>
+                                            <a:prstClr val="black"/>
+                                          </a:solidFill>
+                                          <a:latin typeface="Cambria Math" panose="02040503050406030204" pitchFamily="18" charset="0"/>
+                                        </a:rPr>
+                                        <m:t>0</m:t>
+                                      </m:r>
+                                    </m:sub>
+                                  </m:sSub>
                                 </m:e>
                               </m:d>
                               <m:sSub>
@@ -19071,7 +19085,7 @@
                     </m:oMath>
                     <m:oMath xmlns:m="http://schemas.openxmlformats.org/officeDocument/2006/math">
                       <m:r>
-                        <a:rPr lang="en-US" sz="1100" smtClean="0">
+                        <a:rPr lang="pl-PL" sz="1100" b="0" i="1" smtClean="0">
                           <a:solidFill>
                             <a:prstClr val="black"/>
                           </a:solidFill>
@@ -19079,19 +19093,10 @@
                         </a:rPr>
                         <m:t>=</m:t>
                       </m:r>
-                      <m:r>
-                        <a:rPr lang="en-US" sz="1100" i="1" smtClean="0">
-                          <a:solidFill>
-                            <a:prstClr val="black"/>
-                          </a:solidFill>
-                          <a:latin typeface="Cambria Math" panose="02040503050406030204" pitchFamily="18" charset="0"/>
-                        </a:rPr>
-                        <m:t> </m:t>
-                      </m:r>
                       <m:d>
                         <m:dPr>
                           <m:ctrlPr>
-                            <a:rPr lang="en-US" sz="1100" i="1" smtClean="0">
+                            <a:rPr lang="en-US" sz="1100" i="1">
                               <a:solidFill>
                                 <a:prstClr val="black"/>
                               </a:solidFill>
@@ -19101,7 +19106,7 @@
                         </m:dPr>
                         <m:e>
                           <m:r>
-                            <a:rPr lang="en-US" sz="1100" i="1" smtClean="0">
+                            <a:rPr lang="en-US" sz="1100" i="1">
                               <a:solidFill>
                                 <a:prstClr val="black"/>
                               </a:solidFill>
@@ -19110,7 +19115,7 @@
                             <m:t>1−</m:t>
                           </m:r>
                           <m:r>
-                            <a:rPr lang="en-US" sz="1100" i="1" smtClean="0">
+                            <a:rPr lang="en-US" sz="1100" i="1">
                               <a:solidFill>
                                 <a:prstClr val="black"/>
                               </a:solidFill>
@@ -19123,7 +19128,7 @@
                       <m:f>
                         <m:fPr>
                           <m:ctrlPr>
-                            <a:rPr lang="en-US" sz="1100" i="1" smtClean="0">
+                            <a:rPr lang="en-US" sz="1100" i="1">
                               <a:solidFill>
                                 <a:prstClr val="black"/>
                               </a:solidFill>
@@ -19133,7 +19138,7 @@
                         </m:fPr>
                         <m:num>
                           <m:r>
-                            <a:rPr lang="en-US" sz="1100" i="1" smtClean="0">
+                            <a:rPr lang="en-US" sz="1100" i="1">
                               <a:solidFill>
                                 <a:prstClr val="black"/>
                               </a:solidFill>
@@ -19144,7 +19149,7 @@
                         </m:num>
                         <m:den>
                           <m:r>
-                            <a:rPr lang="en-US" sz="1100" i="1" smtClean="0">
+                            <a:rPr lang="en-US" sz="1100" i="1">
                               <a:solidFill>
                                 <a:prstClr val="black"/>
                               </a:solidFill>
@@ -19160,7 +19165,7 @@
                           <m:chr m:val="∑"/>
                           <m:supHide m:val="on"/>
                           <m:ctrlPr>
-                            <a:rPr lang="en-US" sz="1100" i="1" smtClean="0">
+                            <a:rPr lang="en-US" sz="1100" i="1">
                               <a:solidFill>
                                 <a:prstClr val="black"/>
                               </a:solidFill>
@@ -19173,7 +19178,7 @@
                             <m:rPr>
                               <m:brk m:alnAt="7"/>
                             </m:rPr>
-                            <a:rPr lang="en-US" sz="1100" i="1" smtClean="0">
+                            <a:rPr lang="en-US" sz="1100" i="1">
                               <a:solidFill>
                                 <a:prstClr val="black"/>
                               </a:solidFill>
@@ -19196,96 +19201,10 @@
                               </m:ctrlPr>
                             </m:dPr>
                             <m:e>
-                              <m:r>
-                                <a:rPr lang="en-US" sz="1100" i="1" smtClean="0">
-                                  <a:solidFill>
-                                    <a:prstClr val="black"/>
-                                  </a:solidFill>
-                                  <a:latin typeface="Cambria Math" panose="02040503050406030204" pitchFamily="18" charset="0"/>
-                                </a:rPr>
-                                <m:t>(1−</m:t>
-                              </m:r>
-                              <m:sSub>
-                                <m:sSubPr>
-                                  <m:ctrlPr>
-                                    <a:rPr lang="en-US" sz="1100" i="1" smtClean="0">
-                                      <a:solidFill>
-                                        <a:prstClr val="black"/>
-                                      </a:solidFill>
-                                      <a:latin typeface="Cambria Math" panose="02040503050406030204" pitchFamily="18" charset="0"/>
-                                    </a:rPr>
-                                  </m:ctrlPr>
-                                </m:sSubPr>
-                                <m:e>
-                                  <m:r>
-                                    <a:rPr lang="en-US" sz="1100" i="1" smtClean="0">
-                                      <a:solidFill>
-                                        <a:prstClr val="black"/>
-                                      </a:solidFill>
-                                      <a:latin typeface="Cambria Math" panose="02040503050406030204" pitchFamily="18" charset="0"/>
-                                    </a:rPr>
-                                    <m:t>𝐹</m:t>
-                                  </m:r>
-                                </m:e>
-                                <m:sub>
-                                  <m:r>
-                                    <a:rPr lang="en-US" sz="1100" i="1" smtClean="0">
-                                      <a:solidFill>
-                                        <a:prstClr val="black"/>
-                                      </a:solidFill>
-                                      <a:latin typeface="Cambria Math" panose="02040503050406030204" pitchFamily="18" charset="0"/>
-                                    </a:rPr>
-                                    <m:t>0</m:t>
-                                  </m:r>
-                                </m:sub>
-                              </m:sSub>
-                              <m:r>
-                                <a:rPr lang="en-US" sz="1100" i="1" smtClean="0">
-                                  <a:solidFill>
-                                    <a:prstClr val="black"/>
-                                  </a:solidFill>
-                                  <a:latin typeface="Cambria Math" panose="02040503050406030204" pitchFamily="18" charset="0"/>
-                                </a:rPr>
-                                <m:t>)</m:t>
-                              </m:r>
-                              <m:sSub>
-                                <m:sSubPr>
-                                  <m:ctrlPr>
-                                    <a:rPr lang="en-US" sz="1100" i="1" smtClean="0">
-                                      <a:solidFill>
-                                        <a:srgbClr val="836967"/>
-                                      </a:solidFill>
-                                      <a:latin typeface="Cambria Math" panose="02040503050406030204" pitchFamily="18" charset="0"/>
-                                    </a:rPr>
-                                  </m:ctrlPr>
-                                </m:sSubPr>
-                                <m:e>
-                                  <m:r>
-                                    <a:rPr lang="en-US" sz="1100" i="1" smtClean="0">
-                                      <a:solidFill>
-                                        <a:prstClr val="black"/>
-                                      </a:solidFill>
-                                      <a:latin typeface="Cambria Math" panose="02040503050406030204" pitchFamily="18" charset="0"/>
-                                    </a:rPr>
-                                    <m:t>𝐿</m:t>
-                                  </m:r>
-                                </m:e>
-                                <m:sub>
-                                  <m:r>
-                                    <a:rPr lang="en-US" sz="1100" i="1" smtClean="0">
-                                      <a:solidFill>
-                                        <a:prstClr val="black"/>
-                                      </a:solidFill>
-                                      <a:latin typeface="Cambria Math" panose="02040503050406030204" pitchFamily="18" charset="0"/>
-                                    </a:rPr>
-                                    <m:t>𝑖</m:t>
-                                  </m:r>
-                                </m:sub>
-                              </m:sSub>
                               <m:d>
                                 <m:dPr>
                                   <m:ctrlPr>
-                                    <a:rPr lang="en-US" sz="1100" i="1" smtClean="0">
+                                    <a:rPr lang="en-US" sz="1100" i="1">
                                       <a:solidFill>
                                         <a:prstClr val="black"/>
                                       </a:solidFill>
@@ -19295,85 +19214,18 @@
                                 </m:dPr>
                                 <m:e>
                                   <m:r>
-                                    <a:rPr lang="en-US" sz="1100" i="1" smtClean="0">
+                                    <a:rPr lang="en-US" sz="1100" i="1">
                                       <a:solidFill>
                                         <a:prstClr val="black"/>
                                       </a:solidFill>
                                       <a:latin typeface="Cambria Math" panose="02040503050406030204" pitchFamily="18" charset="0"/>
                                     </a:rPr>
-                                    <m:t>𝑛</m:t>
-                                  </m:r>
-                                  <m:r>
-                                    <a:rPr lang="en-US" sz="1100" i="1" smtClean="0">
-                                      <a:solidFill>
-                                        <a:prstClr val="black"/>
-                                      </a:solidFill>
-                                      <a:latin typeface="Cambria Math" panose="02040503050406030204" pitchFamily="18" charset="0"/>
-                                      <a:ea typeface="Cambria Math" panose="02040503050406030204" pitchFamily="18" charset="0"/>
-                                    </a:rPr>
-                                    <m:t>∙</m:t>
+                                    <m:t>1−</m:t>
                                   </m:r>
                                   <m:sSub>
                                     <m:sSubPr>
                                       <m:ctrlPr>
-                                        <a:rPr lang="en-US" sz="1100" i="1" smtClean="0">
-                                          <a:solidFill>
-                                            <a:srgbClr val="836967"/>
-                                          </a:solidFill>
-                                          <a:latin typeface="Cambria Math" panose="02040503050406030204" pitchFamily="18" charset="0"/>
-                                        </a:rPr>
-                                      </m:ctrlPr>
-                                    </m:sSubPr>
-                                    <m:e>
-                                      <m:r>
-                                        <a:rPr lang="en-US" sz="1100" i="1" smtClean="0">
-                                          <a:solidFill>
-                                            <a:prstClr val="black"/>
-                                          </a:solidFill>
-                                          <a:latin typeface="Cambria Math" panose="02040503050406030204" pitchFamily="18" charset="0"/>
-                                        </a:rPr>
-                                        <m:t>𝜔</m:t>
-                                      </m:r>
-                                    </m:e>
-                                    <m:sub>
-                                      <m:r>
-                                        <a:rPr lang="en-US" sz="1100" i="1" smtClean="0">
-                                          <a:solidFill>
-                                            <a:prstClr val="black"/>
-                                          </a:solidFill>
-                                          <a:latin typeface="Cambria Math" panose="02040503050406030204" pitchFamily="18" charset="0"/>
-                                        </a:rPr>
-                                        <m:t>𝑖</m:t>
-                                      </m:r>
-                                    </m:sub>
-                                  </m:sSub>
-                                </m:e>
-                              </m:d>
-                              <m:r>
-                                <a:rPr lang="en-US" sz="1100" i="1" smtClean="0">
-                                  <a:solidFill>
-                                    <a:prstClr val="black"/>
-                                  </a:solidFill>
-                                  <a:latin typeface="Cambria Math" panose="02040503050406030204" pitchFamily="18" charset="0"/>
-                                </a:rPr>
-                                <m:t>+</m:t>
-                              </m:r>
-                              <m:d>
-                                <m:dPr>
-                                  <m:ctrlPr>
-                                    <a:rPr lang="en-US" sz="1100" i="1" smtClean="0">
-                                      <a:solidFill>
-                                        <a:prstClr val="black"/>
-                                      </a:solidFill>
-                                      <a:latin typeface="Cambria Math" panose="02040503050406030204" pitchFamily="18" charset="0"/>
-                                    </a:rPr>
-                                  </m:ctrlPr>
-                                </m:dPr>
-                                <m:e>
-                                  <m:sSub>
-                                    <m:sSubPr>
-                                      <m:ctrlPr>
-                                        <a:rPr lang="en-US" sz="1100" i="1" smtClean="0">
+                                        <a:rPr lang="en-US" sz="1100" i="1">
                                           <a:solidFill>
                                             <a:prstClr val="black"/>
                                           </a:solidFill>
@@ -19383,7 +19235,7 @@
                                     </m:sSubPr>
                                     <m:e>
                                       <m:r>
-                                        <a:rPr lang="en-US" sz="1100" i="1" smtClean="0">
+                                        <a:rPr lang="en-US" sz="1100" i="1">
                                           <a:solidFill>
                                             <a:prstClr val="black"/>
                                           </a:solidFill>
@@ -19394,7 +19246,7 @@
                                     </m:e>
                                     <m:sub>
                                       <m:r>
-                                        <a:rPr lang="en-US" sz="1100" i="1" smtClean="0">
+                                        <a:rPr lang="en-US" sz="1100" i="1">
                                           <a:solidFill>
                                             <a:prstClr val="black"/>
                                           </a:solidFill>
@@ -19404,89 +19256,12 @@
                                       </m:r>
                                     </m:sub>
                                   </m:sSub>
-                                  <m:r>
-                                    <a:rPr lang="en-US" sz="1100" i="1" smtClean="0">
-                                      <a:solidFill>
-                                        <a:prstClr val="black"/>
-                                      </a:solidFill>
-                                      <a:latin typeface="Cambria Math" panose="02040503050406030204" pitchFamily="18" charset="0"/>
-                                    </a:rPr>
-                                    <m:t>−1</m:t>
-                                  </m:r>
                                 </m:e>
                               </m:d>
-                              <m:sSub>
-                                <m:sSubPr>
-                                  <m:ctrlPr>
-                                    <a:rPr lang="en-US" sz="1100" i="1" smtClean="0">
-                                      <a:solidFill>
-                                        <a:prstClr val="black"/>
-                                      </a:solidFill>
-                                      <a:latin typeface="Cambria Math" panose="02040503050406030204" pitchFamily="18" charset="0"/>
-                                    </a:rPr>
-                                  </m:ctrlPr>
-                                </m:sSubPr>
-                                <m:e>
-                                  <m:r>
-                                    <a:rPr lang="en-US" sz="1100" i="1" smtClean="0">
-                                      <a:solidFill>
-                                        <a:prstClr val="black"/>
-                                      </a:solidFill>
-                                      <a:latin typeface="Cambria Math" panose="02040503050406030204" pitchFamily="18" charset="0"/>
-                                    </a:rPr>
-                                    <m:t>𝑃</m:t>
-                                  </m:r>
-                                </m:e>
-                                <m:sub>
-                                  <m:r>
-                                    <a:rPr lang="en-US" sz="1100" i="1" smtClean="0">
-                                      <a:solidFill>
-                                        <a:prstClr val="black"/>
-                                      </a:solidFill>
-                                      <a:latin typeface="Cambria Math" panose="02040503050406030204" pitchFamily="18" charset="0"/>
-                                    </a:rPr>
-                                    <m:t>𝑖</m:t>
-                                  </m:r>
-                                </m:sub>
-                              </m:sSub>
-                              <m:sSub>
-                                <m:sSubPr>
-                                  <m:ctrlPr>
-                                    <a:rPr lang="en-US" sz="1100" i="1" smtClean="0">
-                                      <a:solidFill>
-                                        <a:srgbClr val="836967"/>
-                                      </a:solidFill>
-                                      <a:latin typeface="Cambria Math" panose="02040503050406030204" pitchFamily="18" charset="0"/>
-                                    </a:rPr>
-                                  </m:ctrlPr>
-                                </m:sSubPr>
-                                <m:e>
-                                  <m:r>
-                                    <a:rPr lang="en-US" sz="1100" i="1" smtClean="0">
-                                      <a:solidFill>
-                                        <a:prstClr val="black"/>
-                                      </a:solidFill>
-                                      <a:latin typeface="Cambria Math" panose="02040503050406030204" pitchFamily="18" charset="0"/>
-                                    </a:rPr>
-                                    <m:t>𝐿</m:t>
-                                  </m:r>
-                                </m:e>
-                                <m:sub>
-                                  <m:r>
-                                    <a:rPr lang="en-US" sz="1100" i="1" smtClean="0">
-                                      <a:solidFill>
-                                        <a:prstClr val="black"/>
-                                      </a:solidFill>
-                                      <a:latin typeface="Cambria Math" panose="02040503050406030204" pitchFamily="18" charset="0"/>
-                                    </a:rPr>
-                                    <m:t>𝑖</m:t>
-                                  </m:r>
-                                </m:sub>
-                              </m:sSub>
                               <m:d>
                                 <m:dPr>
                                   <m:ctrlPr>
-                                    <a:rPr lang="en-US" sz="1100" i="1" smtClean="0">
+                                    <a:rPr lang="en-US" sz="1100" i="1">
                                       <a:solidFill>
                                         <a:prstClr val="black"/>
                                       </a:solidFill>
@@ -19496,30 +19271,20 @@
                                 </m:dPr>
                                 <m:e>
                                   <m:r>
-                                    <a:rPr lang="en-US" sz="1100" i="1" smtClean="0">
+                                    <a:rPr lang="pl-PL" sz="1100" i="1">
                                       <a:solidFill>
                                         <a:prstClr val="black"/>
                                       </a:solidFill>
                                       <a:latin typeface="Cambria Math" panose="02040503050406030204" pitchFamily="18" charset="0"/>
                                     </a:rPr>
-                                    <m:t>𝑛</m:t>
-                                  </m:r>
-                                  <m:r>
-                                    <a:rPr lang="en-US" sz="1100" i="1" smtClean="0">
-                                      <a:solidFill>
-                                        <a:prstClr val="black"/>
-                                      </a:solidFill>
-                                      <a:latin typeface="Cambria Math" panose="02040503050406030204" pitchFamily="18" charset="0"/>
-                                      <a:ea typeface="Cambria Math" panose="02040503050406030204" pitchFamily="18" charset="0"/>
-                                    </a:rPr>
-                                    <m:t>∙</m:t>
+                                    <m:t>1−</m:t>
                                   </m:r>
                                   <m:sSub>
                                     <m:sSubPr>
                                       <m:ctrlPr>
-                                        <a:rPr lang="en-US" sz="1100" i="1" smtClean="0">
+                                        <a:rPr lang="en-US" sz="1100" i="1">
                                           <a:solidFill>
-                                            <a:srgbClr val="836967"/>
+                                            <a:prstClr val="black"/>
                                           </a:solidFill>
                                           <a:latin typeface="Cambria Math" panose="02040503050406030204" pitchFamily="18" charset="0"/>
                                         </a:rPr>
@@ -19527,18 +19292,18 @@
                                     </m:sSubPr>
                                     <m:e>
                                       <m:r>
-                                        <a:rPr lang="en-US" sz="1100" i="1" smtClean="0">
+                                        <a:rPr lang="en-US" sz="1100" i="1">
                                           <a:solidFill>
                                             <a:prstClr val="black"/>
                                           </a:solidFill>
                                           <a:latin typeface="Cambria Math" panose="02040503050406030204" pitchFamily="18" charset="0"/>
                                         </a:rPr>
-                                        <m:t>𝜔</m:t>
+                                        <m:t>𝑃</m:t>
                                       </m:r>
                                     </m:e>
                                     <m:sub>
                                       <m:r>
-                                        <a:rPr lang="en-US" sz="1100" i="1" smtClean="0">
+                                        <a:rPr lang="en-US" sz="1100" i="1">
                                           <a:solidFill>
                                             <a:prstClr val="black"/>
                                           </a:solidFill>
@@ -19552,168 +19317,75 @@
                               </m:d>
                             </m:e>
                           </m:d>
-                        </m:e>
-                      </m:nary>
-                      <m:r>
-                        <a:rPr lang="en-US" sz="1100" i="1" smtClean="0">
-                          <a:solidFill>
-                            <a:prstClr val="black"/>
-                          </a:solidFill>
-                          <a:latin typeface="Cambria Math" panose="02040503050406030204" pitchFamily="18" charset="0"/>
-                        </a:rPr>
-                        <m:t>=</m:t>
-                      </m:r>
-                    </m:oMath>
-                    <m:oMath xmlns:m="http://schemas.openxmlformats.org/officeDocument/2006/math">
-                      <m:r>
-                        <a:rPr lang="en-US" sz="1100" smtClean="0">
-                          <a:latin typeface="Cambria Math" panose="02040503050406030204" pitchFamily="18" charset="0"/>
-                        </a:rPr>
-                        <m:t>=</m:t>
-                      </m:r>
-                      <m:r>
-                        <a:rPr lang="en-US" sz="1100" i="1" smtClean="0">
-                          <a:latin typeface="Cambria Math" panose="02040503050406030204" pitchFamily="18" charset="0"/>
-                        </a:rPr>
-                        <m:t> </m:t>
-                      </m:r>
-                      <m:d>
-                        <m:dPr>
-                          <m:ctrlPr>
-                            <a:rPr lang="en-US" sz="1100" i="1" smtClean="0">
-                              <a:latin typeface="Cambria Math" panose="02040503050406030204" pitchFamily="18" charset="0"/>
-                            </a:rPr>
-                          </m:ctrlPr>
-                        </m:dPr>
-                        <m:e>
-                          <m:r>
-                            <a:rPr lang="en-US" sz="1100" i="1" smtClean="0">
-                              <a:latin typeface="Cambria Math" panose="02040503050406030204" pitchFamily="18" charset="0"/>
-                            </a:rPr>
-                            <m:t>1−</m:t>
-                          </m:r>
-                          <m:r>
-                            <a:rPr lang="en-US" sz="1100" i="1" smtClean="0">
-                              <a:latin typeface="Cambria Math" panose="02040503050406030204" pitchFamily="18" charset="0"/>
-                            </a:rPr>
-                            <m:t>𝑚</m:t>
-                          </m:r>
-                        </m:e>
-                      </m:d>
-                      <m:f>
-                        <m:fPr>
-                          <m:ctrlPr>
-                            <a:rPr lang="en-US" sz="1100" i="1" smtClean="0">
-                              <a:latin typeface="Cambria Math" panose="02040503050406030204" pitchFamily="18" charset="0"/>
-                            </a:rPr>
-                          </m:ctrlPr>
-                        </m:fPr>
-                        <m:num>
-                          <m:r>
-                            <a:rPr lang="en-US" sz="1100" i="1" smtClean="0">
-                              <a:latin typeface="Cambria Math" panose="02040503050406030204" pitchFamily="18" charset="0"/>
-                            </a:rPr>
-                            <m:t>𝑐</m:t>
-                          </m:r>
-                        </m:num>
-                        <m:den>
-                          <m:r>
-                            <a:rPr lang="en-US" sz="1100" i="1" smtClean="0">
-                              <a:latin typeface="Cambria Math" panose="02040503050406030204" pitchFamily="18" charset="0"/>
-                              <a:ea typeface="Cambria Math" panose="02040503050406030204" pitchFamily="18" charset="0"/>
-                            </a:rPr>
-                            <m:t>𝜋</m:t>
-                          </m:r>
-                        </m:den>
-                      </m:f>
-                      <m:d>
-                        <m:dPr>
-                          <m:ctrlPr>
-                            <a:rPr lang="en-US" sz="1100" i="1" smtClean="0">
-                              <a:latin typeface="Cambria Math" panose="02040503050406030204" pitchFamily="18" charset="0"/>
-                              <a:ea typeface="Cambria Math" panose="02040503050406030204" pitchFamily="18" charset="0"/>
-                            </a:rPr>
-                          </m:ctrlPr>
-                        </m:dPr>
-                        <m:e>
-                          <m:nary>
-                            <m:naryPr>
-                              <m:chr m:val="∑"/>
-                              <m:supHide m:val="on"/>
+                          <m:sSub>
+                            <m:sSubPr>
                               <m:ctrlPr>
-                                <a:rPr lang="en-US" sz="1100" i="1" smtClean="0">
+                                <a:rPr lang="en-US" sz="1100" i="1">
+                                  <a:solidFill>
+                                    <a:srgbClr val="836967"/>
+                                  </a:solidFill>
                                   <a:latin typeface="Cambria Math" panose="02040503050406030204" pitchFamily="18" charset="0"/>
                                 </a:rPr>
                               </m:ctrlPr>
-                            </m:naryPr>
+                            </m:sSubPr>
+                            <m:e>
+                              <m:r>
+                                <a:rPr lang="en-US" sz="1100" i="1">
+                                  <a:solidFill>
+                                    <a:prstClr val="black"/>
+                                  </a:solidFill>
+                                  <a:latin typeface="Cambria Math" panose="02040503050406030204" pitchFamily="18" charset="0"/>
+                                </a:rPr>
+                                <m:t>𝐿</m:t>
+                              </m:r>
+                            </m:e>
                             <m:sub>
                               <m:r>
-                                <m:rPr>
-                                  <m:brk m:alnAt="7"/>
-                                </m:rPr>
-                                <a:rPr lang="en-US" sz="1100" i="1" smtClean="0">
+                                <a:rPr lang="en-US" sz="1100" i="1">
+                                  <a:solidFill>
+                                    <a:prstClr val="black"/>
+                                  </a:solidFill>
                                   <a:latin typeface="Cambria Math" panose="02040503050406030204" pitchFamily="18" charset="0"/>
                                 </a:rPr>
                                 <m:t>𝑖</m:t>
                               </m:r>
                             </m:sub>
-                            <m:sup/>
+                          </m:sSub>
+                          <m:d>
+                            <m:dPr>
+                              <m:ctrlPr>
+                                <a:rPr lang="en-US" sz="1100" i="1">
+                                  <a:solidFill>
+                                    <a:prstClr val="black"/>
+                                  </a:solidFill>
+                                  <a:latin typeface="Cambria Math" panose="02040503050406030204" pitchFamily="18" charset="0"/>
+                                </a:rPr>
+                              </m:ctrlPr>
+                            </m:dPr>
                             <m:e>
-                              <m:d>
-                                <m:dPr>
-                                  <m:ctrlPr>
-                                    <a:rPr lang="en-US" sz="1100" i="1" smtClean="0">
-                                      <a:latin typeface="Cambria Math" panose="02040503050406030204" pitchFamily="18" charset="0"/>
-                                    </a:rPr>
-                                  </m:ctrlPr>
-                                </m:dPr>
-                                <m:e>
-                                  <m:r>
-                                    <a:rPr lang="en-US" sz="1100" i="1" smtClean="0">
-                                      <a:latin typeface="Cambria Math" panose="02040503050406030204" pitchFamily="18" charset="0"/>
-                                    </a:rPr>
-                                    <m:t>1−</m:t>
-                                  </m:r>
-                                  <m:sSub>
-                                    <m:sSubPr>
-                                      <m:ctrlPr>
-                                        <a:rPr lang="en-US" sz="1100" i="1" smtClean="0">
-                                          <a:solidFill>
-                                            <a:prstClr val="black"/>
-                                          </a:solidFill>
-                                          <a:latin typeface="Cambria Math" panose="02040503050406030204" pitchFamily="18" charset="0"/>
-                                        </a:rPr>
-                                      </m:ctrlPr>
-                                    </m:sSubPr>
-                                    <m:e>
-                                      <m:r>
-                                        <a:rPr lang="en-US" sz="1100" i="1" smtClean="0">
-                                          <a:solidFill>
-                                            <a:prstClr val="black"/>
-                                          </a:solidFill>
-                                          <a:latin typeface="Cambria Math" panose="02040503050406030204" pitchFamily="18" charset="0"/>
-                                        </a:rPr>
-                                        <m:t>𝐹</m:t>
-                                      </m:r>
-                                    </m:e>
-                                    <m:sub>
-                                      <m:r>
-                                        <a:rPr lang="en-US" sz="1100" i="1" smtClean="0">
-                                          <a:solidFill>
-                                            <a:prstClr val="black"/>
-                                          </a:solidFill>
-                                          <a:latin typeface="Cambria Math" panose="02040503050406030204" pitchFamily="18" charset="0"/>
-                                        </a:rPr>
-                                        <m:t>0</m:t>
-                                      </m:r>
-                                    </m:sub>
-                                  </m:sSub>
-                                </m:e>
-                              </m:d>
+                              <m:r>
+                                <a:rPr lang="en-US" sz="1100" i="1">
+                                  <a:solidFill>
+                                    <a:prstClr val="black"/>
+                                  </a:solidFill>
+                                  <a:latin typeface="Cambria Math" panose="02040503050406030204" pitchFamily="18" charset="0"/>
+                                </a:rPr>
+                                <m:t>𝑛</m:t>
+                              </m:r>
+                              <m:r>
+                                <a:rPr lang="en-US" sz="1100" i="1">
+                                  <a:solidFill>
+                                    <a:prstClr val="black"/>
+                                  </a:solidFill>
+                                  <a:latin typeface="Cambria Math" panose="02040503050406030204" pitchFamily="18" charset="0"/>
+                                  <a:ea typeface="Cambria Math" panose="02040503050406030204" pitchFamily="18" charset="0"/>
+                                </a:rPr>
+                                <m:t>∙</m:t>
+                              </m:r>
                               <m:sSub>
                                 <m:sSubPr>
                                   <m:ctrlPr>
-                                    <a:rPr lang="en-US" sz="1100" i="1" smtClean="0">
+                                    <a:rPr lang="en-US" sz="1100" i="1">
                                       <a:solidFill>
                                         <a:srgbClr val="836967"/>
                                       </a:solidFill>
@@ -19723,159 +19395,245 @@
                                 </m:sSubPr>
                                 <m:e>
                                   <m:r>
-                                    <a:rPr lang="en-US" sz="1100" i="1" smtClean="0">
+                                    <a:rPr lang="en-US" sz="1100" i="1">
+                                      <a:solidFill>
+                                        <a:prstClr val="black"/>
+                                      </a:solidFill>
                                       <a:latin typeface="Cambria Math" panose="02040503050406030204" pitchFamily="18" charset="0"/>
                                     </a:rPr>
-                                    <m:t>𝐿</m:t>
+                                    <m:t>𝜔</m:t>
                                   </m:r>
                                 </m:e>
                                 <m:sub>
                                   <m:r>
-                                    <a:rPr lang="en-US" sz="1100" i="1" smtClean="0">
+                                    <a:rPr lang="en-US" sz="1100" i="1">
+                                      <a:solidFill>
+                                        <a:prstClr val="black"/>
+                                      </a:solidFill>
                                       <a:latin typeface="Cambria Math" panose="02040503050406030204" pitchFamily="18" charset="0"/>
                                     </a:rPr>
                                     <m:t>𝑖</m:t>
                                   </m:r>
                                 </m:sub>
                               </m:sSub>
-                              <m:d>
-                                <m:dPr>
-                                  <m:ctrlPr>
-                                    <a:rPr lang="en-US" sz="1100" i="1" smtClean="0">
-                                      <a:latin typeface="Cambria Math" panose="02040503050406030204" pitchFamily="18" charset="0"/>
-                                    </a:rPr>
-                                  </m:ctrlPr>
-                                </m:dPr>
-                                <m:e>
-                                  <m:r>
-                                    <a:rPr lang="en-US" sz="1100" i="1" smtClean="0">
-                                      <a:latin typeface="Cambria Math" panose="02040503050406030204" pitchFamily="18" charset="0"/>
-                                    </a:rPr>
-                                    <m:t>𝑛</m:t>
-                                  </m:r>
-                                  <m:r>
-                                    <a:rPr lang="en-US" sz="1100" i="1" smtClean="0">
-                                      <a:latin typeface="Cambria Math" panose="02040503050406030204" pitchFamily="18" charset="0"/>
-                                      <a:ea typeface="Cambria Math" panose="02040503050406030204" pitchFamily="18" charset="0"/>
-                                    </a:rPr>
-                                    <m:t>∙</m:t>
-                                  </m:r>
-                                  <m:sSub>
-                                    <m:sSubPr>
-                                      <m:ctrlPr>
-                                        <a:rPr lang="en-US" sz="1100" i="1" smtClean="0">
-                                          <a:solidFill>
-                                            <a:srgbClr val="836967"/>
-                                          </a:solidFill>
-                                          <a:latin typeface="Cambria Math" panose="02040503050406030204" pitchFamily="18" charset="0"/>
-                                        </a:rPr>
-                                      </m:ctrlPr>
-                                    </m:sSubPr>
-                                    <m:e>
-                                      <m:r>
-                                        <a:rPr lang="en-US" sz="1100" i="1" smtClean="0">
-                                          <a:latin typeface="Cambria Math" panose="02040503050406030204" pitchFamily="18" charset="0"/>
-                                        </a:rPr>
-                                        <m:t>𝜔</m:t>
-                                      </m:r>
-                                    </m:e>
-                                    <m:sub>
-                                      <m:r>
-                                        <a:rPr lang="en-US" sz="1100" i="1" smtClean="0">
-                                          <a:latin typeface="Cambria Math" panose="02040503050406030204" pitchFamily="18" charset="0"/>
-                                        </a:rPr>
-                                        <m:t>𝑖</m:t>
-                                      </m:r>
-                                    </m:sub>
-                                  </m:sSub>
-                                </m:e>
-                              </m:d>
                             </m:e>
-                          </m:nary>
+                          </m:d>
+                        </m:e>
+                      </m:nary>
+                      <m:r>
+                        <a:rPr lang="en-US" sz="1100" i="1">
+                          <a:solidFill>
+                            <a:prstClr val="black"/>
+                          </a:solidFill>
+                          <a:latin typeface="Cambria Math" panose="02040503050406030204" pitchFamily="18" charset="0"/>
+                        </a:rPr>
+                        <m:t>=</m:t>
+                      </m:r>
+                    </m:oMath>
+                  </m:oMathPara>
+                </a14:m>
+                <a:endParaRPr lang="pl-PL" sz="1100" i="1" dirty="0">
+                  <a:solidFill>
+                    <a:prstClr val="black"/>
+                  </a:solidFill>
+                  <a:latin typeface="Cambria Math" panose="02040503050406030204" pitchFamily="18" charset="0"/>
+                </a:endParaRPr>
+              </a:p>
+              <a:p>
+                <a:pPr/>
+                <a14:m>
+                  <m:oMathPara xmlns:m="http://schemas.openxmlformats.org/officeDocument/2006/math">
+                    <m:oMathParaPr>
+                      <m:jc m:val="left"/>
+                    </m:oMathParaPr>
+                    <m:oMath xmlns:m="http://schemas.openxmlformats.org/officeDocument/2006/math">
+                      <m:r>
+                        <a:rPr lang="pl-PL" sz="1100" b="0" i="1" smtClean="0">
+                          <a:solidFill>
+                            <a:prstClr val="black"/>
+                          </a:solidFill>
+                          <a:latin typeface="Cambria Math" panose="02040503050406030204" pitchFamily="18" charset="0"/>
+                        </a:rPr>
+                        <m:t>=</m:t>
+                      </m:r>
+                      <m:d>
+                        <m:dPr>
+                          <m:ctrlPr>
+                            <a:rPr lang="en-US" sz="1100" i="1">
+                              <a:solidFill>
+                                <a:prstClr val="black"/>
+                              </a:solidFill>
+                              <a:latin typeface="Cambria Math" panose="02040503050406030204" pitchFamily="18" charset="0"/>
+                            </a:rPr>
+                          </m:ctrlPr>
+                        </m:dPr>
+                        <m:e>
                           <m:r>
-                            <a:rPr lang="en-US" sz="1100" i="1" smtClean="0">
-                              <a:latin typeface="Cambria Math" panose="02040503050406030204" pitchFamily="18" charset="0"/>
-                            </a:rPr>
-                            <m:t>+</m:t>
+                            <a:rPr lang="en-US" sz="1100" i="1">
+                              <a:solidFill>
+                                <a:prstClr val="black"/>
+                              </a:solidFill>
+                              <a:latin typeface="Cambria Math" panose="02040503050406030204" pitchFamily="18" charset="0"/>
+                            </a:rPr>
+                            <m:t>1−</m:t>
                           </m:r>
-                          <m:nary>
-                            <m:naryPr>
-                              <m:chr m:val="∑"/>
-                              <m:supHide m:val="on"/>
+                          <m:r>
+                            <a:rPr lang="en-US" sz="1100" i="1">
+                              <a:solidFill>
+                                <a:prstClr val="black"/>
+                              </a:solidFill>
+                              <a:latin typeface="Cambria Math" panose="02040503050406030204" pitchFamily="18" charset="0"/>
+                            </a:rPr>
+                            <m:t>𝑚</m:t>
+                          </m:r>
+                        </m:e>
+                      </m:d>
+                      <m:f>
+                        <m:fPr>
+                          <m:ctrlPr>
+                            <a:rPr lang="en-US" sz="1100" i="1">
+                              <a:solidFill>
+                                <a:prstClr val="black"/>
+                              </a:solidFill>
+                              <a:latin typeface="Cambria Math" panose="02040503050406030204" pitchFamily="18" charset="0"/>
+                            </a:rPr>
+                          </m:ctrlPr>
+                        </m:fPr>
+                        <m:num>
+                          <m:r>
+                            <a:rPr lang="en-US" sz="1100" i="1">
+                              <a:solidFill>
+                                <a:prstClr val="black"/>
+                              </a:solidFill>
+                              <a:latin typeface="Cambria Math" panose="02040503050406030204" pitchFamily="18" charset="0"/>
+                            </a:rPr>
+                            <m:t>𝑐</m:t>
+                          </m:r>
+                        </m:num>
+                        <m:den>
+                          <m:r>
+                            <a:rPr lang="en-US" sz="1100" i="1">
+                              <a:solidFill>
+                                <a:prstClr val="black"/>
+                              </a:solidFill>
+                              <a:latin typeface="Cambria Math" panose="02040503050406030204" pitchFamily="18" charset="0"/>
+                              <a:ea typeface="Cambria Math" panose="02040503050406030204" pitchFamily="18" charset="0"/>
+                            </a:rPr>
+                            <m:t>𝜋</m:t>
+                          </m:r>
+                        </m:den>
+                      </m:f>
+                      <m:d>
+                        <m:dPr>
+                          <m:ctrlPr>
+                            <a:rPr lang="en-US" sz="1100" i="1">
+                              <a:solidFill>
+                                <a:prstClr val="black"/>
+                              </a:solidFill>
+                              <a:latin typeface="Cambria Math" panose="02040503050406030204" pitchFamily="18" charset="0"/>
+                            </a:rPr>
+                          </m:ctrlPr>
+                        </m:dPr>
+                        <m:e>
+                          <m:r>
+                            <a:rPr lang="en-US" sz="1100" i="1">
+                              <a:solidFill>
+                                <a:prstClr val="black"/>
+                              </a:solidFill>
+                              <a:latin typeface="Cambria Math" panose="02040503050406030204" pitchFamily="18" charset="0"/>
+                            </a:rPr>
+                            <m:t>1−</m:t>
+                          </m:r>
+                          <m:sSub>
+                            <m:sSubPr>
                               <m:ctrlPr>
-                                <a:rPr lang="en-US" sz="1100" i="1" smtClean="0">
+                                <a:rPr lang="en-US" sz="1100" i="1">
+                                  <a:solidFill>
+                                    <a:prstClr val="black"/>
+                                  </a:solidFill>
                                   <a:latin typeface="Cambria Math" panose="02040503050406030204" pitchFamily="18" charset="0"/>
                                 </a:rPr>
                               </m:ctrlPr>
-                            </m:naryPr>
+                            </m:sSubPr>
+                            <m:e>
+                              <m:r>
+                                <a:rPr lang="en-US" sz="1100" i="1">
+                                  <a:solidFill>
+                                    <a:prstClr val="black"/>
+                                  </a:solidFill>
+                                  <a:latin typeface="Cambria Math" panose="02040503050406030204" pitchFamily="18" charset="0"/>
+                                </a:rPr>
+                                <m:t>𝐹</m:t>
+                              </m:r>
+                            </m:e>
                             <m:sub>
                               <m:r>
-                                <m:rPr>
-                                  <m:brk m:alnAt="7"/>
-                                </m:rPr>
-                                <a:rPr lang="en-US" sz="1100" i="1" smtClean="0">
-                                  <a:latin typeface="Cambria Math" panose="02040503050406030204" pitchFamily="18" charset="0"/>
-                                </a:rPr>
-                                <m:t>𝑖</m:t>
+                                <a:rPr lang="en-US" sz="1100" i="1">
+                                  <a:solidFill>
+                                    <a:prstClr val="black"/>
+                                  </a:solidFill>
+                                  <a:latin typeface="Cambria Math" panose="02040503050406030204" pitchFamily="18" charset="0"/>
+                                </a:rPr>
+                                <m:t>0</m:t>
                               </m:r>
                             </m:sub>
-                            <m:sup/>
+                          </m:sSub>
+                        </m:e>
+                      </m:d>
+                      <m:nary>
+                        <m:naryPr>
+                          <m:chr m:val="∑"/>
+                          <m:supHide m:val="on"/>
+                          <m:ctrlPr>
+                            <a:rPr lang="en-US" sz="1100" i="1">
+                              <a:solidFill>
+                                <a:prstClr val="black"/>
+                              </a:solidFill>
+                              <a:latin typeface="Cambria Math" panose="02040503050406030204" pitchFamily="18" charset="0"/>
+                            </a:rPr>
+                          </m:ctrlPr>
+                        </m:naryPr>
+                        <m:sub>
+                          <m:r>
+                            <m:rPr>
+                              <m:brk m:alnAt="7"/>
+                            </m:rPr>
+                            <a:rPr lang="en-US" sz="1100" i="1">
+                              <a:solidFill>
+                                <a:prstClr val="black"/>
+                              </a:solidFill>
+                              <a:latin typeface="Cambria Math" panose="02040503050406030204" pitchFamily="18" charset="0"/>
+                            </a:rPr>
+                            <m:t>𝑖</m:t>
+                          </m:r>
+                        </m:sub>
+                        <m:sup/>
+                        <m:e>
+                          <m:d>
+                            <m:dPr>
+                              <m:ctrlPr>
+                                <a:rPr lang="en-US" sz="1100" i="1">
+                                  <a:solidFill>
+                                    <a:prstClr val="black"/>
+                                  </a:solidFill>
+                                  <a:latin typeface="Cambria Math" panose="02040503050406030204" pitchFamily="18" charset="0"/>
+                                </a:rPr>
+                              </m:ctrlPr>
+                            </m:dPr>
                             <m:e>
-                              <m:d>
-                                <m:dPr>
-                                  <m:ctrlPr>
-                                    <a:rPr lang="en-US" sz="1100" i="1" smtClean="0">
-                                      <a:latin typeface="Cambria Math" panose="02040503050406030204" pitchFamily="18" charset="0"/>
-                                    </a:rPr>
-                                  </m:ctrlPr>
-                                </m:dPr>
-                                <m:e>
-                                  <m:sSub>
-                                    <m:sSubPr>
-                                      <m:ctrlPr>
-                                        <a:rPr lang="en-US" sz="1100" i="1" smtClean="0">
-                                          <a:solidFill>
-                                            <a:prstClr val="black"/>
-                                          </a:solidFill>
-                                          <a:latin typeface="Cambria Math" panose="02040503050406030204" pitchFamily="18" charset="0"/>
-                                        </a:rPr>
-                                      </m:ctrlPr>
-                                    </m:sSubPr>
-                                    <m:e>
-                                      <m:r>
-                                        <a:rPr lang="en-US" sz="1100" i="1" smtClean="0">
-                                          <a:solidFill>
-                                            <a:prstClr val="black"/>
-                                          </a:solidFill>
-                                          <a:latin typeface="Cambria Math" panose="02040503050406030204" pitchFamily="18" charset="0"/>
-                                        </a:rPr>
-                                        <m:t>𝐹</m:t>
-                                      </m:r>
-                                    </m:e>
-                                    <m:sub>
-                                      <m:r>
-                                        <a:rPr lang="en-US" sz="1100" i="1" smtClean="0">
-                                          <a:solidFill>
-                                            <a:prstClr val="black"/>
-                                          </a:solidFill>
-                                          <a:latin typeface="Cambria Math" panose="02040503050406030204" pitchFamily="18" charset="0"/>
-                                        </a:rPr>
-                                        <m:t>0</m:t>
-                                      </m:r>
-                                    </m:sub>
-                                  </m:sSub>
-                                  <m:r>
-                                    <a:rPr lang="en-US" sz="1100" i="1" smtClean="0">
-                                      <a:latin typeface="Cambria Math" panose="02040503050406030204" pitchFamily="18" charset="0"/>
-                                    </a:rPr>
-                                    <m:t>−1</m:t>
-                                  </m:r>
-                                </m:e>
-                              </m:d>
+                              <m:r>
+                                <a:rPr lang="pl-PL" sz="1100" i="1">
+                                  <a:solidFill>
+                                    <a:prstClr val="black"/>
+                                  </a:solidFill>
+                                  <a:latin typeface="Cambria Math" panose="02040503050406030204" pitchFamily="18" charset="0"/>
+                                </a:rPr>
+                                <m:t>1−</m:t>
+                              </m:r>
                               <m:sSub>
                                 <m:sSubPr>
                                   <m:ctrlPr>
-                                    <a:rPr lang="en-US" sz="1100" i="1" smtClean="0">
+                                    <a:rPr lang="en-US" sz="1100" i="1">
                                       <a:solidFill>
                                         <a:prstClr val="black"/>
                                       </a:solidFill>
@@ -19885,7 +19643,7 @@
                                 </m:sSubPr>
                                 <m:e>
                                   <m:r>
-                                    <a:rPr lang="en-US" sz="1100" i="1" smtClean="0">
+                                    <a:rPr lang="en-US" sz="1100" i="1">
                                       <a:solidFill>
                                         <a:prstClr val="black"/>
                                       </a:solidFill>
@@ -19896,7 +19654,7 @@
                                 </m:e>
                                 <m:sub>
                                   <m:r>
-                                    <a:rPr lang="en-US" sz="1100" i="1" smtClean="0">
+                                    <a:rPr lang="en-US" sz="1100" i="1">
                                       <a:solidFill>
                                         <a:prstClr val="black"/>
                                       </a:solidFill>
@@ -19906,10 +19664,77 @@
                                   </m:r>
                                 </m:sub>
                               </m:sSub>
+                            </m:e>
+                          </m:d>
+                          <m:sSub>
+                            <m:sSubPr>
+                              <m:ctrlPr>
+                                <a:rPr lang="en-US" sz="1100" i="1">
+                                  <a:solidFill>
+                                    <a:srgbClr val="836967"/>
+                                  </a:solidFill>
+                                  <a:latin typeface="Cambria Math" panose="02040503050406030204" pitchFamily="18" charset="0"/>
+                                </a:rPr>
+                              </m:ctrlPr>
+                            </m:sSubPr>
+                            <m:e>
+                              <m:r>
+                                <a:rPr lang="en-US" sz="1100" i="1">
+                                  <a:solidFill>
+                                    <a:prstClr val="black"/>
+                                  </a:solidFill>
+                                  <a:latin typeface="Cambria Math" panose="02040503050406030204" pitchFamily="18" charset="0"/>
+                                </a:rPr>
+                                <m:t>𝐿</m:t>
+                              </m:r>
+                            </m:e>
+                            <m:sub>
+                              <m:r>
+                                <a:rPr lang="en-US" sz="1100" i="1">
+                                  <a:solidFill>
+                                    <a:prstClr val="black"/>
+                                  </a:solidFill>
+                                  <a:latin typeface="Cambria Math" panose="02040503050406030204" pitchFamily="18" charset="0"/>
+                                </a:rPr>
+                                <m:t>𝑖</m:t>
+                              </m:r>
+                            </m:sub>
+                          </m:sSub>
+                          <m:d>
+                            <m:dPr>
+                              <m:ctrlPr>
+                                <a:rPr lang="en-US" sz="1100" i="1">
+                                  <a:solidFill>
+                                    <a:prstClr val="black"/>
+                                  </a:solidFill>
+                                  <a:latin typeface="Cambria Math" panose="02040503050406030204" pitchFamily="18" charset="0"/>
+                                </a:rPr>
+                              </m:ctrlPr>
+                            </m:dPr>
+                            <m:e>
+                              <m:r>
+                                <a:rPr lang="en-US" sz="1100" i="1">
+                                  <a:solidFill>
+                                    <a:prstClr val="black"/>
+                                  </a:solidFill>
+                                  <a:latin typeface="Cambria Math" panose="02040503050406030204" pitchFamily="18" charset="0"/>
+                                </a:rPr>
+                                <m:t>𝑛</m:t>
+                              </m:r>
+                              <m:r>
+                                <a:rPr lang="en-US" sz="1100" i="1">
+                                  <a:solidFill>
+                                    <a:prstClr val="black"/>
+                                  </a:solidFill>
+                                  <a:latin typeface="Cambria Math" panose="02040503050406030204" pitchFamily="18" charset="0"/>
+                                  <a:ea typeface="Cambria Math" panose="02040503050406030204" pitchFamily="18" charset="0"/>
+                                </a:rPr>
+                                <m:t>∙</m:t>
+                              </m:r>
                               <m:sSub>
                                 <m:sSubPr>
                                   <m:ctrlPr>
-                                    <a:rPr lang="en-US" sz="1100" i="1" smtClean="0">
+                                    <a:rPr lang="en-US" sz="1100" i="1">
                                       <a:solidFill>
                                         <a:srgbClr val="836967"/>
                                       </a:solidFill>
@@ -19919,470 +19744,42 @@
                                 </m:sSubPr>
                                 <m:e>
                                   <m:r>
-                                    <a:rPr lang="en-US" sz="1100" i="1" smtClean="0">
+                                    <a:rPr lang="en-US" sz="1100" i="1">
+                                      <a:solidFill>
+                                        <a:prstClr val="black"/>
+                                      </a:solidFill>
                                       <a:latin typeface="Cambria Math" panose="02040503050406030204" pitchFamily="18" charset="0"/>
                                     </a:rPr>
-                                    <m:t>𝐿</m:t>
+                                    <m:t>𝜔</m:t>
                                   </m:r>
                                 </m:e>
                                 <m:sub>
                                   <m:r>
-                                    <a:rPr lang="en-US" sz="1100" i="1" smtClean="0">
+                                    <a:rPr lang="en-US" sz="1100" i="1">
+                                      <a:solidFill>
+                                        <a:prstClr val="black"/>
+                                      </a:solidFill>
                                       <a:latin typeface="Cambria Math" panose="02040503050406030204" pitchFamily="18" charset="0"/>
                                     </a:rPr>
                                     <m:t>𝑖</m:t>
                                   </m:r>
                                 </m:sub>
                               </m:sSub>
-                              <m:d>
-                                <m:dPr>
-                                  <m:ctrlPr>
-                                    <a:rPr lang="en-US" sz="1100" i="1" smtClean="0">
-                                      <a:latin typeface="Cambria Math" panose="02040503050406030204" pitchFamily="18" charset="0"/>
-                                    </a:rPr>
-                                  </m:ctrlPr>
-                                </m:dPr>
-                                <m:e>
-                                  <m:r>
-                                    <a:rPr lang="en-US" sz="1100" i="1" smtClean="0">
-                                      <a:latin typeface="Cambria Math" panose="02040503050406030204" pitchFamily="18" charset="0"/>
-                                    </a:rPr>
-                                    <m:t>𝑛</m:t>
-                                  </m:r>
-                                  <m:r>
-                                    <a:rPr lang="en-US" sz="1100" i="1" smtClean="0">
-                                      <a:latin typeface="Cambria Math" panose="02040503050406030204" pitchFamily="18" charset="0"/>
-                                      <a:ea typeface="Cambria Math" panose="02040503050406030204" pitchFamily="18" charset="0"/>
-                                    </a:rPr>
-                                    <m:t>∙</m:t>
-                                  </m:r>
-                                  <m:sSub>
-                                    <m:sSubPr>
-                                      <m:ctrlPr>
-                                        <a:rPr lang="en-US" sz="1100" i="1" smtClean="0">
-                                          <a:solidFill>
-                                            <a:srgbClr val="836967"/>
-                                          </a:solidFill>
-                                          <a:latin typeface="Cambria Math" panose="02040503050406030204" pitchFamily="18" charset="0"/>
-                                        </a:rPr>
-                                      </m:ctrlPr>
-                                    </m:sSubPr>
-                                    <m:e>
-                                      <m:r>
-                                        <a:rPr lang="en-US" sz="1100" i="1" smtClean="0">
-                                          <a:latin typeface="Cambria Math" panose="02040503050406030204" pitchFamily="18" charset="0"/>
-                                        </a:rPr>
-                                        <m:t>𝜔</m:t>
-                                      </m:r>
-                                    </m:e>
-                                    <m:sub>
-                                      <m:r>
-                                        <a:rPr lang="en-US" sz="1100" i="1" smtClean="0">
-                                          <a:latin typeface="Cambria Math" panose="02040503050406030204" pitchFamily="18" charset="0"/>
-                                        </a:rPr>
-                                        <m:t>𝑖</m:t>
-                                      </m:r>
-                                    </m:sub>
-                                  </m:sSub>
-                                </m:e>
-                              </m:d>
-                            </m:e>
-                          </m:nary>
-                        </m:e>
-                      </m:d>
-                      <m:r>
-                        <a:rPr lang="en-US" sz="1100" i="1" smtClean="0">
-                          <a:latin typeface="Cambria Math" panose="02040503050406030204" pitchFamily="18" charset="0"/>
-                        </a:rPr>
-                        <m:t>=</m:t>
-                      </m:r>
-                    </m:oMath>
-                    <m:oMath xmlns:m="http://schemas.openxmlformats.org/officeDocument/2006/math">
-                      <m:r>
-                        <a:rPr lang="en-US" sz="1100" smtClean="0">
-                          <a:latin typeface="Cambria Math" panose="02040503050406030204" pitchFamily="18" charset="0"/>
-                        </a:rPr>
-                        <m:t>=</m:t>
-                      </m:r>
-                      <m:d>
-                        <m:dPr>
-                          <m:ctrlPr>
-                            <a:rPr lang="en-US" sz="1100" i="1" smtClean="0">
-                              <a:latin typeface="Cambria Math" panose="02040503050406030204" pitchFamily="18" charset="0"/>
-                            </a:rPr>
-                          </m:ctrlPr>
-                        </m:dPr>
-                        <m:e>
-                          <m:r>
-                            <a:rPr lang="en-US" sz="1100" smtClean="0">
-                              <a:latin typeface="Cambria Math" panose="02040503050406030204" pitchFamily="18" charset="0"/>
-                            </a:rPr>
-                            <m:t>1−</m:t>
-                          </m:r>
-                          <m:r>
-                            <a:rPr lang="en-US" sz="1100" smtClean="0">
-                              <a:latin typeface="Cambria Math" panose="02040503050406030204" pitchFamily="18" charset="0"/>
-                            </a:rPr>
-                            <m:t>𝑚</m:t>
-                          </m:r>
-                        </m:e>
-                      </m:d>
-                      <m:f>
-                        <m:fPr>
-                          <m:ctrlPr>
-                            <a:rPr lang="en-US" sz="1100" i="1" smtClean="0">
-                              <a:latin typeface="Cambria Math" panose="02040503050406030204" pitchFamily="18" charset="0"/>
-                            </a:rPr>
-                          </m:ctrlPr>
-                        </m:fPr>
-                        <m:num>
-                          <m:r>
-                            <a:rPr lang="en-US" sz="1100" smtClean="0">
-                              <a:latin typeface="Cambria Math" panose="02040503050406030204" pitchFamily="18" charset="0"/>
-                            </a:rPr>
-                            <m:t>𝑐</m:t>
-                          </m:r>
-                        </m:num>
-                        <m:den>
-                          <m:r>
-                            <a:rPr lang="en-US" sz="1100" smtClean="0">
-                              <a:latin typeface="Cambria Math" panose="02040503050406030204" pitchFamily="18" charset="0"/>
-                            </a:rPr>
-                            <m:t>𝜋</m:t>
-                          </m:r>
-                        </m:den>
-                      </m:f>
-                      <m:d>
-                        <m:dPr>
-                          <m:ctrlPr>
-                            <a:rPr lang="en-US" sz="1100" i="1" smtClean="0">
-                              <a:latin typeface="Cambria Math" panose="02040503050406030204" pitchFamily="18" charset="0"/>
-                            </a:rPr>
-                          </m:ctrlPr>
-                        </m:dPr>
-                        <m:e>
-                          <m:d>
-                            <m:dPr>
-                              <m:ctrlPr>
-                                <a:rPr lang="en-US" sz="1100" i="1" smtClean="0">
-                                  <a:latin typeface="Cambria Math" panose="02040503050406030204" pitchFamily="18" charset="0"/>
-                                </a:rPr>
-                              </m:ctrlPr>
-                            </m:dPr>
-                            <m:e>
-                              <m:r>
-                                <a:rPr lang="en-US" sz="1100" smtClean="0">
-                                  <a:latin typeface="Cambria Math" panose="02040503050406030204" pitchFamily="18" charset="0"/>
-                                </a:rPr>
-                                <m:t>1−</m:t>
-                              </m:r>
-                              <m:sSub>
-                                <m:sSubPr>
-                                  <m:ctrlPr>
-                                    <a:rPr lang="en-US" sz="1100" i="1" smtClean="0">
-                                      <a:latin typeface="Cambria Math" panose="02040503050406030204" pitchFamily="18" charset="0"/>
-                                    </a:rPr>
-                                  </m:ctrlPr>
-                                </m:sSubPr>
-                                <m:e>
-                                  <m:r>
-                                    <a:rPr lang="en-US" sz="1100" smtClean="0">
-                                      <a:latin typeface="Cambria Math" panose="02040503050406030204" pitchFamily="18" charset="0"/>
-                                    </a:rPr>
-                                    <m:t>𝐹</m:t>
-                                  </m:r>
-                                </m:e>
-                                <m:sub>
-                                  <m:r>
-                                    <a:rPr lang="en-US" sz="1100" smtClean="0">
-                                      <a:latin typeface="Cambria Math" panose="02040503050406030204" pitchFamily="18" charset="0"/>
-                                    </a:rPr>
-                                    <m:t>0</m:t>
-                                  </m:r>
-                                </m:sub>
-                              </m:sSub>
                             </m:e>
                           </m:d>
-                          <m:nary>
-                            <m:naryPr>
-                              <m:chr m:val="∑"/>
-                              <m:supHide m:val="on"/>
-                              <m:ctrlPr>
-                                <a:rPr lang="en-US" sz="1100" i="1" smtClean="0">
-                                  <a:latin typeface="Cambria Math" panose="02040503050406030204" pitchFamily="18" charset="0"/>
-                                </a:rPr>
-                              </m:ctrlPr>
-                            </m:naryPr>
-                            <m:sub>
-                              <m:r>
-                                <m:rPr>
-                                  <m:brk m:alnAt="7"/>
-                                </m:rPr>
-                                <a:rPr lang="en-US" sz="1100" smtClean="0">
-                                  <a:latin typeface="Cambria Math" panose="02040503050406030204" pitchFamily="18" charset="0"/>
-                                </a:rPr>
-                                <m:t>𝑖</m:t>
-                              </m:r>
-                            </m:sub>
-                            <m:sup/>
-                            <m:e>
-                              <m:sSub>
-                                <m:sSubPr>
-                                  <m:ctrlPr>
-                                    <a:rPr lang="en-US" sz="1100" i="1" smtClean="0">
-                                      <a:latin typeface="Cambria Math" panose="02040503050406030204" pitchFamily="18" charset="0"/>
-                                    </a:rPr>
-                                  </m:ctrlPr>
-                                </m:sSubPr>
-                                <m:e>
-                                  <m:r>
-                                    <a:rPr lang="en-US" sz="1100" smtClean="0">
-                                      <a:latin typeface="Cambria Math" panose="02040503050406030204" pitchFamily="18" charset="0"/>
-                                    </a:rPr>
-                                    <m:t>𝐿</m:t>
-                                  </m:r>
-                                </m:e>
-                                <m:sub>
-                                  <m:r>
-                                    <a:rPr lang="en-US" sz="1100" smtClean="0">
-                                      <a:latin typeface="Cambria Math" panose="02040503050406030204" pitchFamily="18" charset="0"/>
-                                    </a:rPr>
-                                    <m:t>𝑖</m:t>
-                                  </m:r>
-                                </m:sub>
-                              </m:sSub>
-                              <m:d>
-                                <m:dPr>
-                                  <m:ctrlPr>
-                                    <a:rPr lang="en-US" sz="1100" i="1" smtClean="0">
-                                      <a:latin typeface="Cambria Math" panose="02040503050406030204" pitchFamily="18" charset="0"/>
-                                    </a:rPr>
-                                  </m:ctrlPr>
-                                </m:dPr>
-                                <m:e>
-                                  <m:r>
-                                    <a:rPr lang="en-US" sz="1100" smtClean="0">
-                                      <a:latin typeface="Cambria Math" panose="02040503050406030204" pitchFamily="18" charset="0"/>
-                                    </a:rPr>
-                                    <m:t>𝑛</m:t>
-                                  </m:r>
-                                  <m:r>
-                                    <a:rPr lang="en-US" sz="1100" smtClean="0">
-                                      <a:latin typeface="Cambria Math" panose="02040503050406030204" pitchFamily="18" charset="0"/>
-                                    </a:rPr>
-                                    <m:t>∙</m:t>
-                                  </m:r>
-                                  <m:sSub>
-                                    <m:sSubPr>
-                                      <m:ctrlPr>
-                                        <a:rPr lang="en-US" sz="1100" i="1" smtClean="0">
-                                          <a:latin typeface="Cambria Math" panose="02040503050406030204" pitchFamily="18" charset="0"/>
-                                        </a:rPr>
-                                      </m:ctrlPr>
-                                    </m:sSubPr>
-                                    <m:e>
-                                      <m:r>
-                                        <a:rPr lang="en-US" sz="1100" smtClean="0">
-                                          <a:latin typeface="Cambria Math" panose="02040503050406030204" pitchFamily="18" charset="0"/>
-                                        </a:rPr>
-                                        <m:t>𝜔</m:t>
-                                      </m:r>
-                                    </m:e>
-                                    <m:sub>
-                                      <m:r>
-                                        <a:rPr lang="en-US" sz="1100" smtClean="0">
-                                          <a:latin typeface="Cambria Math" panose="02040503050406030204" pitchFamily="18" charset="0"/>
-                                        </a:rPr>
-                                        <m:t>𝑖</m:t>
-                                      </m:r>
-                                    </m:sub>
-                                  </m:sSub>
-                                </m:e>
-                              </m:d>
-                            </m:e>
-                          </m:nary>
-                          <m:r>
-                            <a:rPr lang="en-US" sz="1100" smtClean="0">
-                              <a:latin typeface="Cambria Math" panose="02040503050406030204" pitchFamily="18" charset="0"/>
-                            </a:rPr>
-                            <m:t>+</m:t>
-                          </m:r>
-                          <m:d>
-                            <m:dPr>
-                              <m:ctrlPr>
-                                <a:rPr lang="en-US" sz="1100" i="1" smtClean="0">
-                                  <a:latin typeface="Cambria Math" panose="02040503050406030204" pitchFamily="18" charset="0"/>
-                                </a:rPr>
-                              </m:ctrlPr>
-                            </m:dPr>
-                            <m:e>
-                              <m:sSub>
-                                <m:sSubPr>
-                                  <m:ctrlPr>
-                                    <a:rPr lang="en-US" sz="1100" i="1" smtClean="0">
-                                      <a:latin typeface="Cambria Math" panose="02040503050406030204" pitchFamily="18" charset="0"/>
-                                    </a:rPr>
-                                  </m:ctrlPr>
-                                </m:sSubPr>
-                                <m:e>
-                                  <m:r>
-                                    <a:rPr lang="en-US" sz="1100" smtClean="0">
-                                      <a:latin typeface="Cambria Math" panose="02040503050406030204" pitchFamily="18" charset="0"/>
-                                    </a:rPr>
-                                    <m:t>𝐹</m:t>
-                                  </m:r>
-                                </m:e>
-                                <m:sub>
-                                  <m:r>
-                                    <a:rPr lang="en-US" sz="1100" smtClean="0">
-                                      <a:latin typeface="Cambria Math" panose="02040503050406030204" pitchFamily="18" charset="0"/>
-                                    </a:rPr>
-                                    <m:t>0</m:t>
-                                  </m:r>
-                                </m:sub>
-                              </m:sSub>
-                              <m:r>
-                                <a:rPr lang="en-US" sz="1100" smtClean="0">
-                                  <a:latin typeface="Cambria Math" panose="02040503050406030204" pitchFamily="18" charset="0"/>
-                                </a:rPr>
-                                <m:t>−1</m:t>
-                              </m:r>
-                            </m:e>
-                          </m:d>
-                          <m:nary>
-                            <m:naryPr>
-                              <m:chr m:val="∑"/>
-                              <m:supHide m:val="on"/>
-                              <m:ctrlPr>
-                                <a:rPr lang="en-US" sz="1100" i="1" smtClean="0">
-                                  <a:latin typeface="Cambria Math" panose="02040503050406030204" pitchFamily="18" charset="0"/>
-                                </a:rPr>
-                              </m:ctrlPr>
-                            </m:naryPr>
-                            <m:sub>
-                              <m:r>
-                                <m:rPr>
-                                  <m:brk m:alnAt="7"/>
-                                </m:rPr>
-                                <a:rPr lang="en-US" sz="1100" smtClean="0">
-                                  <a:latin typeface="Cambria Math" panose="02040503050406030204" pitchFamily="18" charset="0"/>
-                                </a:rPr>
-                                <m:t>𝑖</m:t>
-                              </m:r>
-                            </m:sub>
-                            <m:sup/>
-                            <m:e>
-                              <m:sSub>
-                                <m:sSubPr>
-                                  <m:ctrlPr>
-                                    <a:rPr lang="en-US" sz="1100" i="1" smtClean="0">
-                                      <a:latin typeface="Cambria Math" panose="02040503050406030204" pitchFamily="18" charset="0"/>
-                                    </a:rPr>
-                                  </m:ctrlPr>
-                                </m:sSubPr>
-                                <m:e>
-                                  <m:r>
-                                    <a:rPr lang="en-US" sz="1100" smtClean="0">
-                                      <a:latin typeface="Cambria Math" panose="02040503050406030204" pitchFamily="18" charset="0"/>
-                                    </a:rPr>
-                                    <m:t>𝑃</m:t>
-                                  </m:r>
-                                </m:e>
-                                <m:sub>
-                                  <m:r>
-                                    <a:rPr lang="en-US" sz="1100" smtClean="0">
-                                      <a:latin typeface="Cambria Math" panose="02040503050406030204" pitchFamily="18" charset="0"/>
-                                    </a:rPr>
-                                    <m:t>𝑖</m:t>
-                                  </m:r>
-                                </m:sub>
-                              </m:sSub>
-                              <m:sSub>
-                                <m:sSubPr>
-                                  <m:ctrlPr>
-                                    <a:rPr lang="en-US" sz="1100" i="1" smtClean="0">
-                                      <a:latin typeface="Cambria Math" panose="02040503050406030204" pitchFamily="18" charset="0"/>
-                                    </a:rPr>
-                                  </m:ctrlPr>
-                                </m:sSubPr>
-                                <m:e>
-                                  <m:r>
-                                    <a:rPr lang="en-US" sz="1100" smtClean="0">
-                                      <a:latin typeface="Cambria Math" panose="02040503050406030204" pitchFamily="18" charset="0"/>
-                                    </a:rPr>
-                                    <m:t>𝐿</m:t>
-                                  </m:r>
-                                </m:e>
-                                <m:sub>
-                                  <m:r>
-                                    <a:rPr lang="en-US" sz="1100" smtClean="0">
-                                      <a:latin typeface="Cambria Math" panose="02040503050406030204" pitchFamily="18" charset="0"/>
-                                    </a:rPr>
-                                    <m:t>𝑖</m:t>
-                                  </m:r>
-                                </m:sub>
-                              </m:sSub>
-                              <m:d>
-                                <m:dPr>
-                                  <m:ctrlPr>
-                                    <a:rPr lang="en-US" sz="1100" i="1" smtClean="0">
-                                      <a:latin typeface="Cambria Math" panose="02040503050406030204" pitchFamily="18" charset="0"/>
-                                    </a:rPr>
-                                  </m:ctrlPr>
-                                </m:dPr>
-                                <m:e>
-                                  <m:r>
-                                    <a:rPr lang="en-US" sz="1100" smtClean="0">
-                                      <a:latin typeface="Cambria Math" panose="02040503050406030204" pitchFamily="18" charset="0"/>
-                                    </a:rPr>
-                                    <m:t>𝑛</m:t>
-                                  </m:r>
-                                  <m:r>
-                                    <a:rPr lang="en-US" sz="1100" smtClean="0">
-                                      <a:latin typeface="Cambria Math" panose="02040503050406030204" pitchFamily="18" charset="0"/>
-                                    </a:rPr>
-                                    <m:t>∙</m:t>
-                                  </m:r>
-                                  <m:sSub>
-                                    <m:sSubPr>
-                                      <m:ctrlPr>
-                                        <a:rPr lang="en-US" sz="1100" i="1" smtClean="0">
-                                          <a:latin typeface="Cambria Math" panose="02040503050406030204" pitchFamily="18" charset="0"/>
-                                        </a:rPr>
-                                      </m:ctrlPr>
-                                    </m:sSubPr>
-                                    <m:e>
-                                      <m:r>
-                                        <a:rPr lang="en-US" sz="1100" smtClean="0">
-                                          <a:latin typeface="Cambria Math" panose="02040503050406030204" pitchFamily="18" charset="0"/>
-                                        </a:rPr>
-                                        <m:t>𝜔</m:t>
-                                      </m:r>
-                                    </m:e>
-                                    <m:sub>
-                                      <m:r>
-                                        <a:rPr lang="en-US" sz="1100" smtClean="0">
-                                          <a:latin typeface="Cambria Math" panose="02040503050406030204" pitchFamily="18" charset="0"/>
-                                        </a:rPr>
-                                        <m:t>𝑖</m:t>
-                                      </m:r>
-                                    </m:sub>
-                                  </m:sSub>
-                                </m:e>
-                              </m:d>
-                            </m:e>
-                          </m:nary>
                         </m:e>
-                      </m:d>
+                      </m:nary>
                     </m:oMath>
                   </m:oMathPara>
                 </a14:m>
-                <a:endParaRPr lang="en-US" sz="1100" dirty="0">
-                  <a:latin typeface="Cambria Math" panose="02040503050406030204" pitchFamily="18" charset="0"/>
-                </a:endParaRPr>
-              </a:p>
-              <a:p>
-                <a:pPr/>
+                <a:br>
+                  <a:rPr lang="en-US" sz="1100" i="1" dirty="0">
+                    <a:solidFill>
+                      <a:prstClr val="black"/>
+                    </a:solidFill>
+                    <a:latin typeface="Cambria Math" panose="02040503050406030204" pitchFamily="18" charset="0"/>
+                  </a:rPr>
+                </a:br>
                 <a:endParaRPr lang="en-US" sz="1100" dirty="0">
                   <a:latin typeface="Cambria Math" panose="02040503050406030204" pitchFamily="18" charset="0"/>
                 </a:endParaRPr>
@@ -20436,7 +19833,7 @@
                             </m:e>
                             <m:sub>
                               <m:r>
-                                <a:rPr lang="en-US" sz="1100" b="0" i="1" smtClean="0">
+                                <a:rPr lang="pl-PL" sz="1100" b="0" i="1" smtClean="0">
                                   <a:latin typeface="Cambria Math" panose="02040503050406030204" pitchFamily="18" charset="0"/>
                                 </a:rPr>
                                 <m:t>1</m:t>
@@ -20456,7 +19853,10 @@
                           <m:chr m:val="∑"/>
                           <m:supHide m:val="on"/>
                           <m:ctrlPr>
-                            <a:rPr lang="en-US" sz="1100" i="1" smtClean="0">
+                            <a:rPr lang="en-US" sz="1100" i="1">
+                              <a:solidFill>
+                                <a:prstClr val="black"/>
+                              </a:solidFill>
                               <a:latin typeface="Cambria Math" panose="02040503050406030204" pitchFamily="18" charset="0"/>
                             </a:rPr>
                           </m:ctrlPr>
@@ -20466,7 +19866,10 @@
                             <m:rPr>
                               <m:brk m:alnAt="7"/>
                             </m:rPr>
-                            <a:rPr lang="en-US" sz="1100" i="1" smtClean="0">
+                            <a:rPr lang="en-US" sz="1100" i="1">
+                              <a:solidFill>
+                                <a:prstClr val="black"/>
+                              </a:solidFill>
                               <a:latin typeface="Cambria Math" panose="02040503050406030204" pitchFamily="18" charset="0"/>
                             </a:rPr>
                             <m:t>𝑖</m:t>
@@ -20474,10 +19877,67 @@
                         </m:sub>
                         <m:sup/>
                         <m:e>
+                          <m:d>
+                            <m:dPr>
+                              <m:ctrlPr>
+                                <a:rPr lang="en-US" sz="1100" i="1">
+                                  <a:solidFill>
+                                    <a:prstClr val="black"/>
+                                  </a:solidFill>
+                                  <a:latin typeface="Cambria Math" panose="02040503050406030204" pitchFamily="18" charset="0"/>
+                                </a:rPr>
+                              </m:ctrlPr>
+                            </m:dPr>
+                            <m:e>
+                              <m:r>
+                                <a:rPr lang="pl-PL" sz="1100" i="1">
+                                  <a:solidFill>
+                                    <a:prstClr val="black"/>
+                                  </a:solidFill>
+                                  <a:latin typeface="Cambria Math" panose="02040503050406030204" pitchFamily="18" charset="0"/>
+                                </a:rPr>
+                                <m:t>1−</m:t>
+                              </m:r>
+                              <m:sSub>
+                                <m:sSubPr>
+                                  <m:ctrlPr>
+                                    <a:rPr lang="en-US" sz="1100" i="1">
+                                      <a:solidFill>
+                                        <a:prstClr val="black"/>
+                                      </a:solidFill>
+                                      <a:latin typeface="Cambria Math" panose="02040503050406030204" pitchFamily="18" charset="0"/>
+                                    </a:rPr>
+                                  </m:ctrlPr>
+                                </m:sSubPr>
+                                <m:e>
+                                  <m:r>
+                                    <a:rPr lang="en-US" sz="1100" i="1">
+                                      <a:solidFill>
+                                        <a:prstClr val="black"/>
+                                      </a:solidFill>
+                                      <a:latin typeface="Cambria Math" panose="02040503050406030204" pitchFamily="18" charset="0"/>
+                                    </a:rPr>
+                                    <m:t>𝑃</m:t>
+                                  </m:r>
+                                </m:e>
+                                <m:sub>
+                                  <m:r>
+                                    <a:rPr lang="en-US" sz="1100" i="1">
+                                      <a:solidFill>
+                                        <a:prstClr val="black"/>
+                                      </a:solidFill>
+                                      <a:latin typeface="Cambria Math" panose="02040503050406030204" pitchFamily="18" charset="0"/>
+                                    </a:rPr>
+                                    <m:t>𝑖</m:t>
+                                  </m:r>
+                                </m:sub>
+                              </m:sSub>
+                            </m:e>
+                          </m:d>
                           <m:sSub>
                             <m:sSubPr>
                               <m:ctrlPr>
-                                <a:rPr lang="en-US" sz="1100" i="1" smtClean="0">
+                                <a:rPr lang="en-US" sz="1100" i="1">
                                   <a:solidFill>
                                     <a:srgbClr val="836967"/>
                                   </a:solidFill>
@@ -20487,7 +19947,10 @@
                             </m:sSubPr>
                             <m:e>
                               <m:r>
-                                <a:rPr lang="en-US" sz="1100" i="1" smtClean="0">
+                                <a:rPr lang="en-US" sz="1100" i="1">
+                                  <a:solidFill>
+                                    <a:prstClr val="black"/>
+                                  </a:solidFill>
                                   <a:latin typeface="Cambria Math" panose="02040503050406030204" pitchFamily="18" charset="0"/>
                                 </a:rPr>
                                 <m:t>𝐿</m:t>
@@ -20495,7 +19958,10 @@
                             </m:e>
                             <m:sub>
                               <m:r>
-                                <a:rPr lang="en-US" sz="1100" i="1" smtClean="0">
+                                <a:rPr lang="en-US" sz="1100" i="1">
+                                  <a:solidFill>
+                                    <a:prstClr val="black"/>
+                                  </a:solidFill>
                                   <a:latin typeface="Cambria Math" panose="02040503050406030204" pitchFamily="18" charset="0"/>
                                 </a:rPr>
                                 <m:t>𝑖</m:t>
@@ -20505,20 +19971,29 @@
                           <m:d>
                             <m:dPr>
                               <m:ctrlPr>
-                                <a:rPr lang="en-US" sz="1100" i="1" smtClean="0">
+                                <a:rPr lang="en-US" sz="1100" i="1">
+                                  <a:solidFill>
+                                    <a:prstClr val="black"/>
+                                  </a:solidFill>
                                   <a:latin typeface="Cambria Math" panose="02040503050406030204" pitchFamily="18" charset="0"/>
                                 </a:rPr>
                               </m:ctrlPr>
                             </m:dPr>
                             <m:e>
                               <m:r>
-                                <a:rPr lang="en-US" sz="1100" i="1" smtClean="0">
+                                <a:rPr lang="en-US" sz="1100" i="1">
+                                  <a:solidFill>
+                                    <a:prstClr val="black"/>
+                                  </a:solidFill>
                                   <a:latin typeface="Cambria Math" panose="02040503050406030204" pitchFamily="18" charset="0"/>
                                 </a:rPr>
                                 <m:t>𝑛</m:t>
                               </m:r>
                               <m:r>
-                                <a:rPr lang="en-US" sz="1100" i="1" smtClean="0">
+                                <a:rPr lang="en-US" sz="1100" i="1">
+                                  <a:solidFill>
+                                    <a:prstClr val="black"/>
+                                  </a:solidFill>
                                   <a:latin typeface="Cambria Math" panose="02040503050406030204" pitchFamily="18" charset="0"/>
                                   <a:ea typeface="Cambria Math" panose="02040503050406030204" pitchFamily="18" charset="0"/>
                                 </a:rPr>
@@ -20527,7 +20002,7 @@
                               <m:sSub>
                                 <m:sSubPr>
                                   <m:ctrlPr>
-                                    <a:rPr lang="en-US" sz="1100" i="1" smtClean="0">
+                                    <a:rPr lang="en-US" sz="1100" i="1">
                                       <a:solidFill>
                                         <a:srgbClr val="836967"/>
                                       </a:solidFill>
@@ -20537,7 +20012,10 @@
                                 </m:sSubPr>
                                 <m:e>
                                   <m:r>
-                                    <a:rPr lang="en-US" sz="1100" i="1" smtClean="0">
+                                    <a:rPr lang="en-US" sz="1100" i="1">
+                                      <a:solidFill>
+                                        <a:prstClr val="black"/>
+                                      </a:solidFill>
                                       <a:latin typeface="Cambria Math" panose="02040503050406030204" pitchFamily="18" charset="0"/>
                                     </a:rPr>
                                     <m:t>𝜔</m:t>
@@ -20545,7 +20023,10 @@
                                 </m:e>
                                 <m:sub>
                                   <m:r>
-                                    <a:rPr lang="en-US" sz="1100" i="1" smtClean="0">
+                                    <a:rPr lang="en-US" sz="1100" i="1">
+                                      <a:solidFill>
+                                        <a:prstClr val="black"/>
+                                      </a:solidFill>
                                       <a:latin typeface="Cambria Math" panose="02040503050406030204" pitchFamily="18" charset="0"/>
                                     </a:rPr>
                                     <m:t>𝑖</m:t>
@@ -20581,203 +20062,6 @@
                           </m:r>
                         </m:e>
                         <m:sub>
-                          <m:sSub>
-                            <m:sSubPr>
-                              <m:ctrlPr>
-                                <a:rPr lang="en-US" sz="1100" i="1" smtClean="0">
-                                  <a:latin typeface="Cambria Math" panose="02040503050406030204" pitchFamily="18" charset="0"/>
-                                </a:rPr>
-                              </m:ctrlPr>
-                            </m:sSubPr>
-                            <m:e>
-                              <m:r>
-                                <a:rPr lang="en-US" sz="1100" i="1" smtClean="0">
-                                  <a:latin typeface="Cambria Math" panose="02040503050406030204" pitchFamily="18" charset="0"/>
-                                </a:rPr>
-                                <m:t>𝑑</m:t>
-                              </m:r>
-                            </m:e>
-                            <m:sub>
-                              <m:r>
-                                <a:rPr lang="en-US" sz="1100" b="0" i="1" smtClean="0">
-                                  <a:latin typeface="Cambria Math" panose="02040503050406030204" pitchFamily="18" charset="0"/>
-                                </a:rPr>
-                                <m:t>2</m:t>
-                              </m:r>
-                            </m:sub>
-                          </m:sSub>
-                        </m:sub>
-                      </m:sSub>
-                      <m:r>
-                        <a:rPr lang="en-US" sz="1100" i="1" smtClean="0">
-                          <a:latin typeface="Cambria Math" panose="02040503050406030204" pitchFamily="18" charset="0"/>
-                        </a:rPr>
-                        <m:t>=</m:t>
-                      </m:r>
-                      <m:nary>
-                        <m:naryPr>
-                          <m:chr m:val="∑"/>
-                          <m:supHide m:val="on"/>
-                          <m:ctrlPr>
-                            <a:rPr lang="en-US" sz="1100" i="1" smtClean="0">
-                              <a:latin typeface="Cambria Math" panose="02040503050406030204" pitchFamily="18" charset="0"/>
-                            </a:rPr>
-                          </m:ctrlPr>
-                        </m:naryPr>
-                        <m:sub>
-                          <m:r>
-                            <m:rPr>
-                              <m:brk m:alnAt="7"/>
-                            </m:rPr>
-                            <a:rPr lang="en-US" sz="1100" i="1" smtClean="0">
-                              <a:latin typeface="Cambria Math" panose="02040503050406030204" pitchFamily="18" charset="0"/>
-                            </a:rPr>
-                            <m:t>𝑖</m:t>
-                          </m:r>
-                        </m:sub>
-                        <m:sup/>
-                        <m:e>
-                          <m:sSub>
-                            <m:sSubPr>
-                              <m:ctrlPr>
-                                <a:rPr lang="en-US" sz="1100" i="1" smtClean="0">
-                                  <a:solidFill>
-                                    <a:prstClr val="black"/>
-                                  </a:solidFill>
-                                  <a:latin typeface="Cambria Math" panose="02040503050406030204" pitchFamily="18" charset="0"/>
-                                </a:rPr>
-                              </m:ctrlPr>
-                            </m:sSubPr>
-                            <m:e>
-                              <m:r>
-                                <a:rPr lang="en-US" sz="1100" i="1" smtClean="0">
-                                  <a:solidFill>
-                                    <a:prstClr val="black"/>
-                                  </a:solidFill>
-                                  <a:latin typeface="Cambria Math" panose="02040503050406030204" pitchFamily="18" charset="0"/>
-                                </a:rPr>
-                                <m:t>𝑃</m:t>
-                              </m:r>
-                            </m:e>
-                            <m:sub>
-                              <m:r>
-                                <a:rPr lang="en-US" sz="1100" b="0" i="1" smtClean="0">
-                                  <a:solidFill>
-                                    <a:prstClr val="black"/>
-                                  </a:solidFill>
-                                  <a:latin typeface="Cambria Math" panose="02040503050406030204" pitchFamily="18" charset="0"/>
-                                </a:rPr>
-                                <m:t>𝑖</m:t>
-                              </m:r>
-                            </m:sub>
-                          </m:sSub>
-                          <m:sSub>
-                            <m:sSubPr>
-                              <m:ctrlPr>
-                                <a:rPr lang="en-US" sz="1100" i="1" smtClean="0">
-                                  <a:solidFill>
-                                    <a:srgbClr val="836967"/>
-                                  </a:solidFill>
-                                  <a:latin typeface="Cambria Math" panose="02040503050406030204" pitchFamily="18" charset="0"/>
-                                </a:rPr>
-                              </m:ctrlPr>
-                            </m:sSubPr>
-                            <m:e>
-                              <m:r>
-                                <a:rPr lang="en-US" sz="1100" i="1" smtClean="0">
-                                  <a:latin typeface="Cambria Math" panose="02040503050406030204" pitchFamily="18" charset="0"/>
-                                </a:rPr>
-                                <m:t>𝐿</m:t>
-                              </m:r>
-                            </m:e>
-                            <m:sub>
-                              <m:r>
-                                <a:rPr lang="en-US" sz="1100" i="1" smtClean="0">
-                                  <a:latin typeface="Cambria Math" panose="02040503050406030204" pitchFamily="18" charset="0"/>
-                                </a:rPr>
-                                <m:t>𝑖</m:t>
-                              </m:r>
-                            </m:sub>
-                          </m:sSub>
-                          <m:d>
-                            <m:dPr>
-                              <m:ctrlPr>
-                                <a:rPr lang="en-US" sz="1100" i="1" smtClean="0">
-                                  <a:latin typeface="Cambria Math" panose="02040503050406030204" pitchFamily="18" charset="0"/>
-                                </a:rPr>
-                              </m:ctrlPr>
-                            </m:dPr>
-                            <m:e>
-                              <m:r>
-                                <a:rPr lang="en-US" sz="1100" i="1" smtClean="0">
-                                  <a:latin typeface="Cambria Math" panose="02040503050406030204" pitchFamily="18" charset="0"/>
-                                </a:rPr>
-                                <m:t>𝑛</m:t>
-                              </m:r>
-                              <m:r>
-                                <a:rPr lang="en-US" sz="1100" i="1" smtClean="0">
-                                  <a:latin typeface="Cambria Math" panose="02040503050406030204" pitchFamily="18" charset="0"/>
-                                  <a:ea typeface="Cambria Math" panose="02040503050406030204" pitchFamily="18" charset="0"/>
-                                </a:rPr>
-                                <m:t>∙</m:t>
-                              </m:r>
-                              <m:sSub>
-                                <m:sSubPr>
-                                  <m:ctrlPr>
-                                    <a:rPr lang="en-US" sz="1100" i="1" smtClean="0">
-                                      <a:solidFill>
-                                        <a:srgbClr val="836967"/>
-                                      </a:solidFill>
-                                      <a:latin typeface="Cambria Math" panose="02040503050406030204" pitchFamily="18" charset="0"/>
-                                    </a:rPr>
-                                  </m:ctrlPr>
-                                </m:sSubPr>
-                                <m:e>
-                                  <m:r>
-                                    <a:rPr lang="en-US" sz="1100" i="1" smtClean="0">
-                                      <a:latin typeface="Cambria Math" panose="02040503050406030204" pitchFamily="18" charset="0"/>
-                                    </a:rPr>
-                                    <m:t>𝜔</m:t>
-                                  </m:r>
-                                </m:e>
-                                <m:sub>
-                                  <m:r>
-                                    <a:rPr lang="en-US" sz="1100" i="1" smtClean="0">
-                                      <a:latin typeface="Cambria Math" panose="02040503050406030204" pitchFamily="18" charset="0"/>
-                                    </a:rPr>
-                                    <m:t>𝑖</m:t>
-                                  </m:r>
-                                </m:sub>
-                              </m:sSub>
-                            </m:e>
-                          </m:d>
-                        </m:e>
-                      </m:nary>
-                    </m:oMath>
-                    <m:oMath xmlns:m="http://schemas.openxmlformats.org/officeDocument/2006/math">
-                      <m:sSub>
-                        <m:sSubPr>
-                          <m:ctrlPr>
-                            <a:rPr lang="en-US" sz="1100" i="1" smtClean="0">
-                              <a:solidFill>
-                                <a:srgbClr val="836967"/>
-                              </a:solidFill>
-                              <a:latin typeface="Cambria Math" panose="02040503050406030204" pitchFamily="18" charset="0"/>
-                            </a:rPr>
-                          </m:ctrlPr>
-                        </m:sSubPr>
-                        <m:e>
-                          <m:r>
-                            <m:rPr>
-                              <m:sty m:val="p"/>
-                            </m:rPr>
-                            <a:rPr lang="en-US" sz="1100" smtClean="0">
-                              <a:latin typeface="Cambria Math" panose="02040503050406030204" pitchFamily="18" charset="0"/>
-                            </a:rPr>
-                            <m:t>L</m:t>
-                          </m:r>
-                        </m:e>
-                        <m:sub>
                           <m:r>
                             <a:rPr lang="en-US" sz="1100" i="1" smtClean="0">
                               <a:latin typeface="Cambria Math" panose="02040503050406030204" pitchFamily="18" charset="0"/>
@@ -20856,20 +20140,29 @@
                       <m:d>
                         <m:dPr>
                           <m:ctrlPr>
-                            <a:rPr lang="en-US" sz="1100" i="1" smtClean="0">
+                            <a:rPr lang="en-US" sz="1100" i="1">
+                              <a:solidFill>
+                                <a:prstClr val="black"/>
+                              </a:solidFill>
                               <a:latin typeface="Cambria Math" panose="02040503050406030204" pitchFamily="18" charset="0"/>
                             </a:rPr>
                           </m:ctrlPr>
                         </m:dPr>
                         <m:e>
                           <m:r>
-                            <a:rPr lang="en-US" sz="1100" i="1" smtClean="0">
+                            <a:rPr lang="en-US" sz="1100" i="1">
+                              <a:solidFill>
+                                <a:prstClr val="black"/>
+                              </a:solidFill>
                               <a:latin typeface="Cambria Math" panose="02040503050406030204" pitchFamily="18" charset="0"/>
                             </a:rPr>
                             <m:t>1−</m:t>
                           </m:r>
                           <m:r>
-                            <a:rPr lang="en-US" sz="1100" i="1" smtClean="0">
+                            <a:rPr lang="en-US" sz="1100" i="1">
+                              <a:solidFill>
+                                <a:prstClr val="black"/>
+                              </a:solidFill>
                               <a:latin typeface="Cambria Math" panose="02040503050406030204" pitchFamily="18" charset="0"/>
                             </a:rPr>
                             <m:t>𝑚</m:t>
@@ -20879,14 +20172,20 @@
                       <m:f>
                         <m:fPr>
                           <m:ctrlPr>
-                            <a:rPr lang="en-US" sz="1100" i="1" smtClean="0">
+                            <a:rPr lang="en-US" sz="1100" i="1">
+                              <a:solidFill>
+                                <a:prstClr val="black"/>
+                              </a:solidFill>
                               <a:latin typeface="Cambria Math" panose="02040503050406030204" pitchFamily="18" charset="0"/>
                             </a:rPr>
                           </m:ctrlPr>
                         </m:fPr>
                         <m:num>
                           <m:r>
-                            <a:rPr lang="en-US" sz="1100" i="1" smtClean="0">
+                            <a:rPr lang="en-US" sz="1100" i="1">
+                              <a:solidFill>
+                                <a:prstClr val="black"/>
+                              </a:solidFill>
                               <a:latin typeface="Cambria Math" panose="02040503050406030204" pitchFamily="18" charset="0"/>
                             </a:rPr>
                             <m:t>𝑐</m:t>
@@ -20894,7 +20193,10 @@
                         </m:num>
                         <m:den>
                           <m:r>
-                            <a:rPr lang="en-US" sz="1100" i="1" smtClean="0">
+                            <a:rPr lang="en-US" sz="1100" i="1">
+                              <a:solidFill>
+                                <a:prstClr val="black"/>
+                              </a:solidFill>
                               <a:latin typeface="Cambria Math" panose="02040503050406030204" pitchFamily="18" charset="0"/>
                               <a:ea typeface="Cambria Math" panose="02040503050406030204" pitchFamily="18" charset="0"/>
                             </a:rPr>
@@ -20905,70 +20207,30 @@
                       <m:d>
                         <m:dPr>
                           <m:ctrlPr>
-                            <a:rPr lang="en-US" sz="1100" i="1" smtClean="0">
-                              <a:latin typeface="Cambria Math" panose="02040503050406030204" pitchFamily="18" charset="0"/>
-                              <a:ea typeface="Cambria Math" panose="02040503050406030204" pitchFamily="18" charset="0"/>
+                            <a:rPr lang="en-US" sz="1100" i="1">
+                              <a:solidFill>
+                                <a:prstClr val="black"/>
+                              </a:solidFill>
+                              <a:latin typeface="Cambria Math" panose="02040503050406030204" pitchFamily="18" charset="0"/>
                             </a:rPr>
                           </m:ctrlPr>
                         </m:dPr>
                         <m:e>
-                          <m:d>
-                            <m:dPr>
-                              <m:ctrlPr>
-                                <a:rPr lang="en-US" sz="1100" i="1" smtClean="0">
-                                  <a:latin typeface="Cambria Math" panose="02040503050406030204" pitchFamily="18" charset="0"/>
-                                </a:rPr>
-                              </m:ctrlPr>
-                            </m:dPr>
-                            <m:e>
-                              <m:r>
-                                <a:rPr lang="en-US" sz="1100" i="1" smtClean="0">
-                                  <a:latin typeface="Cambria Math" panose="02040503050406030204" pitchFamily="18" charset="0"/>
-                                </a:rPr>
-                                <m:t>1−</m:t>
-                              </m:r>
-                              <m:sSub>
-                                <m:sSubPr>
-                                  <m:ctrlPr>
-                                    <a:rPr lang="en-US" sz="1100" i="1" smtClean="0">
-                                      <a:solidFill>
-                                        <a:prstClr val="black"/>
-                                      </a:solidFill>
-                                      <a:latin typeface="Cambria Math" panose="02040503050406030204" pitchFamily="18" charset="0"/>
-                                    </a:rPr>
-                                  </m:ctrlPr>
-                                </m:sSubPr>
-                                <m:e>
-                                  <m:r>
-                                    <a:rPr lang="en-US" sz="1100" i="1" smtClean="0">
-                                      <a:solidFill>
-                                        <a:prstClr val="black"/>
-                                      </a:solidFill>
-                                      <a:latin typeface="Cambria Math" panose="02040503050406030204" pitchFamily="18" charset="0"/>
-                                    </a:rPr>
-                                    <m:t>𝐹</m:t>
-                                  </m:r>
-                                </m:e>
-                                <m:sub>
-                                  <m:r>
-                                    <a:rPr lang="en-US" sz="1100" i="1" smtClean="0">
-                                      <a:solidFill>
-                                        <a:prstClr val="black"/>
-                                      </a:solidFill>
-                                      <a:latin typeface="Cambria Math" panose="02040503050406030204" pitchFamily="18" charset="0"/>
-                                    </a:rPr>
-                                    <m:t>0</m:t>
-                                  </m:r>
-                                </m:sub>
-                              </m:sSub>
-                            </m:e>
-                          </m:d>
+                          <m:r>
+                            <a:rPr lang="en-US" sz="1100" i="1">
+                              <a:solidFill>
+                                <a:prstClr val="black"/>
+                              </a:solidFill>
+                              <a:latin typeface="Cambria Math" panose="02040503050406030204" pitchFamily="18" charset="0"/>
+                            </a:rPr>
+                            <m:t>1−</m:t>
+                          </m:r>
                           <m:sSub>
                             <m:sSubPr>
                               <m:ctrlPr>
-                                <a:rPr lang="en-US" sz="1100" i="1" smtClean="0">
+                                <a:rPr lang="en-US" sz="1100" i="1">
                                   <a:solidFill>
-                                    <a:srgbClr val="836967"/>
+                                    <a:prstClr val="black"/>
                                   </a:solidFill>
                                   <a:latin typeface="Cambria Math" panose="02040503050406030204" pitchFamily="18" charset="0"/>
                                 </a:rPr>
@@ -20976,152 +20238,79 @@
                             </m:sSubPr>
                             <m:e>
                               <m:r>
-                                <m:rPr>
-                                  <m:sty m:val="p"/>
-                                </m:rPr>
-                                <a:rPr lang="en-US" sz="1100" smtClean="0">
-                                  <a:latin typeface="Cambria Math" panose="02040503050406030204" pitchFamily="18" charset="0"/>
-                                </a:rPr>
-                                <m:t>L</m:t>
+                                <a:rPr lang="en-US" sz="1100" i="1">
+                                  <a:solidFill>
+                                    <a:prstClr val="black"/>
+                                  </a:solidFill>
+                                  <a:latin typeface="Cambria Math" panose="02040503050406030204" pitchFamily="18" charset="0"/>
+                                </a:rPr>
+                                <m:t>𝐹</m:t>
                               </m:r>
                             </m:e>
                             <m:sub>
-                              <m:sSub>
-                                <m:sSubPr>
-                                  <m:ctrlPr>
-                                    <a:rPr lang="en-US" sz="1100" i="1" smtClean="0">
-                                      <a:latin typeface="Cambria Math" panose="02040503050406030204" pitchFamily="18" charset="0"/>
-                                    </a:rPr>
-                                  </m:ctrlPr>
-                                </m:sSubPr>
-                                <m:e>
-                                  <m:r>
-                                    <a:rPr lang="en-US" sz="1100" i="1" smtClean="0">
-                                      <a:latin typeface="Cambria Math" panose="02040503050406030204" pitchFamily="18" charset="0"/>
-                                    </a:rPr>
-                                    <m:t>𝑑</m:t>
-                                  </m:r>
-                                </m:e>
-                                <m:sub>
-                                  <m:r>
-                                    <a:rPr lang="en-US" sz="1100" i="1" smtClean="0">
-                                      <a:latin typeface="Cambria Math" panose="02040503050406030204" pitchFamily="18" charset="0"/>
-                                    </a:rPr>
-                                    <m:t>1</m:t>
-                                  </m:r>
-                                </m:sub>
-                              </m:sSub>
+                              <m:r>
+                                <a:rPr lang="en-US" sz="1100" i="1">
+                                  <a:solidFill>
+                                    <a:prstClr val="black"/>
+                                  </a:solidFill>
+                                  <a:latin typeface="Cambria Math" panose="02040503050406030204" pitchFamily="18" charset="0"/>
+                                </a:rPr>
+                                <m:t>0</m:t>
+                              </m:r>
                             </m:sub>
                           </m:sSub>
+                        </m:e>
+                      </m:d>
+                      <m:sSub>
+                        <m:sSubPr>
+                          <m:ctrlPr>
+                            <a:rPr lang="en-US" sz="1100" i="1">
+                              <a:solidFill>
+                                <a:srgbClr val="836967"/>
+                              </a:solidFill>
+                              <a:latin typeface="Cambria Math" panose="02040503050406030204" pitchFamily="18" charset="0"/>
+                            </a:rPr>
+                          </m:ctrlPr>
+                        </m:sSubPr>
+                        <m:e>
                           <m:r>
-                            <a:rPr lang="en-US" sz="1100" b="0" i="1" smtClean="0">
-                              <a:latin typeface="Cambria Math" panose="02040503050406030204" pitchFamily="18" charset="0"/>
-                            </a:rPr>
-                            <m:t>+</m:t>
+                            <m:rPr>
+                              <m:sty m:val="p"/>
+                            </m:rPr>
+                            <a:rPr lang="en-US" sz="1100">
+                              <a:latin typeface="Cambria Math" panose="02040503050406030204" pitchFamily="18" charset="0"/>
+                            </a:rPr>
+                            <m:t>L</m:t>
                           </m:r>
-                          <m:d>
-                            <m:dPr>
-                              <m:ctrlPr>
-                                <a:rPr lang="en-US" sz="1100" i="1" smtClean="0">
-                                  <a:latin typeface="Cambria Math" panose="02040503050406030204" pitchFamily="18" charset="0"/>
-                                </a:rPr>
-                              </m:ctrlPr>
-                            </m:dPr>
-                            <m:e>
-                              <m:sSub>
-                                <m:sSubPr>
-                                  <m:ctrlPr>
-                                    <a:rPr lang="en-US" sz="1100" i="1" smtClean="0">
-                                      <a:solidFill>
-                                        <a:prstClr val="black"/>
-                                      </a:solidFill>
-                                      <a:latin typeface="Cambria Math" panose="02040503050406030204" pitchFamily="18" charset="0"/>
-                                    </a:rPr>
-                                  </m:ctrlPr>
-                                </m:sSubPr>
-                                <m:e>
-                                  <m:r>
-                                    <a:rPr lang="en-US" sz="1100" i="1" smtClean="0">
-                                      <a:solidFill>
-                                        <a:prstClr val="black"/>
-                                      </a:solidFill>
-                                      <a:latin typeface="Cambria Math" panose="02040503050406030204" pitchFamily="18" charset="0"/>
-                                    </a:rPr>
-                                    <m:t>𝐹</m:t>
-                                  </m:r>
-                                </m:e>
-                                <m:sub>
-                                  <m:r>
-                                    <a:rPr lang="en-US" sz="1100" i="1" smtClean="0">
-                                      <a:solidFill>
-                                        <a:prstClr val="black"/>
-                                      </a:solidFill>
-                                      <a:latin typeface="Cambria Math" panose="02040503050406030204" pitchFamily="18" charset="0"/>
-                                    </a:rPr>
-                                    <m:t>0</m:t>
-                                  </m:r>
-                                </m:sub>
-                              </m:sSub>
-                              <m:r>
-                                <a:rPr lang="en-US" sz="1100" i="1" smtClean="0">
-                                  <a:latin typeface="Cambria Math" panose="02040503050406030204" pitchFamily="18" charset="0"/>
-                                </a:rPr>
-                                <m:t>−1</m:t>
-                              </m:r>
-                            </m:e>
-                          </m:d>
+                        </m:e>
+                        <m:sub>
                           <m:sSub>
                             <m:sSubPr>
                               <m:ctrlPr>
-                                <a:rPr lang="en-US" sz="1100" i="1" smtClean="0">
-                                  <a:solidFill>
-                                    <a:srgbClr val="836967"/>
-                                  </a:solidFill>
+                                <a:rPr lang="en-US" sz="1100" i="1">
                                   <a:latin typeface="Cambria Math" panose="02040503050406030204" pitchFamily="18" charset="0"/>
                                 </a:rPr>
                               </m:ctrlPr>
                             </m:sSubPr>
                             <m:e>
                               <m:r>
-                                <m:rPr>
-                                  <m:sty m:val="p"/>
-                                </m:rPr>
-                                <a:rPr lang="en-US" sz="1100" smtClean="0">
-                                  <a:latin typeface="Cambria Math" panose="02040503050406030204" pitchFamily="18" charset="0"/>
-                                </a:rPr>
-                                <m:t>L</m:t>
+                                <a:rPr lang="en-US" sz="1100" i="1">
+                                  <a:latin typeface="Cambria Math" panose="02040503050406030204" pitchFamily="18" charset="0"/>
+                                </a:rPr>
+                                <m:t>𝑑</m:t>
                               </m:r>
                             </m:e>
                             <m:sub>
-                              <m:sSub>
-                                <m:sSubPr>
-                                  <m:ctrlPr>
-                                    <a:rPr lang="en-US" sz="1100" i="1" smtClean="0">
-                                      <a:latin typeface="Cambria Math" panose="02040503050406030204" pitchFamily="18" charset="0"/>
-                                    </a:rPr>
-                                  </m:ctrlPr>
-                                </m:sSubPr>
-                                <m:e>
-                                  <m:r>
-                                    <a:rPr lang="en-US" sz="1100" i="1" smtClean="0">
-                                      <a:latin typeface="Cambria Math" panose="02040503050406030204" pitchFamily="18" charset="0"/>
-                                    </a:rPr>
-                                    <m:t>𝑑</m:t>
-                                  </m:r>
-                                </m:e>
-                                <m:sub>
-                                  <m:r>
-                                    <a:rPr lang="en-US" sz="1100" i="1" smtClean="0">
-                                      <a:latin typeface="Cambria Math" panose="02040503050406030204" pitchFamily="18" charset="0"/>
-                                    </a:rPr>
-                                    <m:t>2</m:t>
-                                  </m:r>
-                                </m:sub>
-                              </m:sSub>
+                              <m:r>
+                                <a:rPr lang="pl-PL" sz="1100" b="0" i="1" smtClean="0">
+                                  <a:latin typeface="Cambria Math" panose="02040503050406030204" pitchFamily="18" charset="0"/>
+                                </a:rPr>
+                                <m:t>1</m:t>
+                              </m:r>
                             </m:sub>
                           </m:sSub>
-                        </m:e>
-                      </m:d>
+                        </m:sub>
+                      </m:sSub>
                     </m:oMath>
                   </m:oMathPara>
                 </a14:m>
@@ -21130,7 +20319,7 @@
             </p:txBody>
           </p:sp>
         </mc:Choice>
-        <mc:Fallback>
+        <mc:Fallback xmlns="">
           <p:sp>
             <p:nvSpPr>
               <p:cNvPr id="16" name="TextBox 15">
@@ -21148,7 +20337,7 @@
             <p:spPr>
               <a:xfrm>
                 <a:off x="668217" y="841715"/>
-                <a:ext cx="4606690" cy="5150834"/>
+                <a:ext cx="4606690" cy="4107535"/>
               </a:xfrm>
               <a:prstGeom prst="rect">
                 <a:avLst/>
@@ -21156,7 +20345,7 @@
               <a:blipFill>
                 <a:blip r:embed="rId2"/>
                 <a:stretch>
-                  <a:fillRect l="-6358" t="-12071" b="-10059"/>
+                  <a:fillRect l="-6358" t="-15134" b="-9941"/>
                 </a:stretch>
               </a:blipFill>
             </p:spPr>
@@ -21175,8 +20364,8 @@
           </p:sp>
         </mc:Fallback>
       </mc:AlternateContent>
-      <mc:AlternateContent xmlns:mc="http://schemas.openxmlformats.org/markup-compatibility/2006">
-        <mc:Choice xmlns:a14="http://schemas.microsoft.com/office/drawing/2010/main" Requires="a14">
+      <mc:AlternateContent xmlns:mc="http://schemas.openxmlformats.org/markup-compatibility/2006" xmlns:a14="http://schemas.microsoft.com/office/drawing/2010/main">
+        <mc:Choice Requires="a14">
           <p:sp>
             <p:nvSpPr>
               <p:cNvPr id="5" name="TextBox 4">
@@ -21718,7 +20907,7 @@
             </p:txBody>
           </p:sp>
         </mc:Choice>
-        <mc:Fallback>
+        <mc:Fallback xmlns="">
           <p:sp>
             <p:nvSpPr>
               <p:cNvPr id="5" name="TextBox 4">
@@ -21763,8 +20952,8 @@
           </p:sp>
         </mc:Fallback>
       </mc:AlternateContent>
-      <mc:AlternateContent xmlns:mc="http://schemas.openxmlformats.org/markup-compatibility/2006">
-        <mc:Choice xmlns:a14="http://schemas.microsoft.com/office/drawing/2010/main" Requires="a14">
+      <mc:AlternateContent xmlns:mc="http://schemas.openxmlformats.org/markup-compatibility/2006" xmlns:a14="http://schemas.microsoft.com/office/drawing/2010/main">
+        <mc:Choice Requires="a14">
           <p:sp>
             <p:nvSpPr>
               <p:cNvPr id="2" name="TextBox 1">
@@ -21780,7 +20969,7 @@
             <p:spPr>
               <a:xfrm>
                 <a:off x="5274907" y="841715"/>
-                <a:ext cx="3546542" cy="3638881"/>
+                <a:ext cx="3546542" cy="3469604"/>
               </a:xfrm>
               <a:prstGeom prst="rect">
                 <a:avLst/>
@@ -23451,12 +22640,6 @@
                 </a:endParaRPr>
               </a:p>
               <a:p>
-                <a:pPr/>
-                <a:br>
-                  <a:rPr lang="pl-PL" sz="1100" i="1" dirty="0">
-                    <a:latin typeface="Cambria Math" panose="02040503050406030204" pitchFamily="18" charset="0"/>
-                  </a:rPr>
-                </a:br>
                 <a:endParaRPr lang="pl-PL" sz="1100" dirty="0">
                   <a:solidFill>
                     <a:prstClr val="black"/>
@@ -24317,7 +23500,7 @@
             </p:txBody>
           </p:sp>
         </mc:Choice>
-        <mc:Fallback>
+        <mc:Fallback xmlns="">
           <p:sp>
             <p:nvSpPr>
               <p:cNvPr id="2" name="TextBox 1">
@@ -24335,7 +23518,7 @@
             <p:spPr>
               <a:xfrm>
                 <a:off x="5274907" y="841715"/>
-                <a:ext cx="3546542" cy="3638881"/>
+                <a:ext cx="3546542" cy="3469604"/>
               </a:xfrm>
               <a:prstGeom prst="rect">
                 <a:avLst/>
@@ -24343,7 +23526,7 @@
               <a:blipFill>
                 <a:blip r:embed="rId4"/>
                 <a:stretch>
-                  <a:fillRect l="-4983" t="-17085" r="-2577" b="-13233"/>
+                  <a:fillRect l="-4983" t="-17926" r="-2577" b="-13884"/>
                 </a:stretch>
               </a:blipFill>
             </p:spPr>
@@ -24462,8 +23645,8 @@
           </a:p>
         </p:txBody>
       </p:sp>
-      <mc:AlternateContent xmlns:mc="http://schemas.openxmlformats.org/markup-compatibility/2006">
-        <mc:Choice xmlns:a14="http://schemas.microsoft.com/office/drawing/2010/main" Requires="a14">
+      <mc:AlternateContent xmlns:mc="http://schemas.openxmlformats.org/markup-compatibility/2006" xmlns:a14="http://schemas.microsoft.com/office/drawing/2010/main">
+        <mc:Choice Requires="a14">
           <p:sp>
             <p:nvSpPr>
               <p:cNvPr id="6" name="TextBox 5">
@@ -24479,7 +23662,7 @@
             <p:spPr>
               <a:xfrm>
                 <a:off x="550268" y="746623"/>
-                <a:ext cx="7583154" cy="4420569"/>
+                <a:ext cx="7583154" cy="4009046"/>
               </a:xfrm>
               <a:prstGeom prst="rect">
                 <a:avLst/>
@@ -24561,6 +23744,9 @@
                           <m:supHide m:val="on"/>
                           <m:ctrlPr>
                             <a:rPr lang="en-US" sz="1100" i="1">
+                              <a:solidFill>
+                                <a:prstClr val="black"/>
+                              </a:solidFill>
                               <a:latin typeface="Cambria Math" panose="02040503050406030204" pitchFamily="18" charset="0"/>
                             </a:rPr>
                           </m:ctrlPr>
@@ -24571,6 +23757,9 @@
                               <m:brk m:alnAt="7"/>
                             </m:rPr>
                             <a:rPr lang="en-US" sz="1100" i="1">
+                              <a:solidFill>
+                                <a:prstClr val="black"/>
+                              </a:solidFill>
                               <a:latin typeface="Cambria Math" panose="02040503050406030204" pitchFamily="18" charset="0"/>
                             </a:rPr>
                             <m:t>𝑖</m:t>
@@ -24578,6 +23767,63 @@
                         </m:sub>
                         <m:sup/>
                         <m:e>
+                          <m:d>
+                            <m:dPr>
+                              <m:ctrlPr>
+                                <a:rPr lang="en-US" sz="1100" i="1">
+                                  <a:solidFill>
+                                    <a:prstClr val="black"/>
+                                  </a:solidFill>
+                                  <a:latin typeface="Cambria Math" panose="02040503050406030204" pitchFamily="18" charset="0"/>
+                                </a:rPr>
+                              </m:ctrlPr>
+                            </m:dPr>
+                            <m:e>
+                              <m:r>
+                                <a:rPr lang="en-US" sz="1100" i="1">
+                                  <a:solidFill>
+                                    <a:prstClr val="black"/>
+                                  </a:solidFill>
+                                  <a:latin typeface="Cambria Math" panose="02040503050406030204" pitchFamily="18" charset="0"/>
+                                </a:rPr>
+                                <m:t>1−</m:t>
+                              </m:r>
+                              <m:sSub>
+                                <m:sSubPr>
+                                  <m:ctrlPr>
+                                    <a:rPr lang="en-US" sz="1100" i="1">
+                                      <a:solidFill>
+                                        <a:prstClr val="black"/>
+                                      </a:solidFill>
+                                      <a:latin typeface="Cambria Math" panose="02040503050406030204" pitchFamily="18" charset="0"/>
+                                    </a:rPr>
+                                  </m:ctrlPr>
+                                </m:sSubPr>
+                                <m:e>
+                                  <m:r>
+                                    <a:rPr lang="en-US" sz="1100" i="1">
+                                      <a:solidFill>
+                                        <a:prstClr val="black"/>
+                                      </a:solidFill>
+                                      <a:latin typeface="Cambria Math" panose="02040503050406030204" pitchFamily="18" charset="0"/>
+                                    </a:rPr>
+                                    <m:t>𝑃</m:t>
+                                  </m:r>
+                                </m:e>
+                                <m:sub>
+                                  <m:r>
+                                    <a:rPr lang="en-US" sz="1100" i="1">
+                                      <a:solidFill>
+                                        <a:prstClr val="black"/>
+                                      </a:solidFill>
+                                      <a:latin typeface="Cambria Math" panose="02040503050406030204" pitchFamily="18" charset="0"/>
+                                    </a:rPr>
+                                    <m:t>𝑖</m:t>
+                                  </m:r>
+                                </m:sub>
+                              </m:sSub>
+                            </m:e>
+                          </m:d>
                           <m:sSub>
                             <m:sSubPr>
                               <m:ctrlPr>
@@ -24592,6 +23838,9 @@
                             <m:e>
                               <m:r>
                                 <a:rPr lang="en-US" sz="1100" i="1">
+                                  <a:solidFill>
+                                    <a:prstClr val="black"/>
+                                  </a:solidFill>
                                   <a:latin typeface="Cambria Math" panose="02040503050406030204" pitchFamily="18" charset="0"/>
                                 </a:rPr>
                                 <m:t>𝐿</m:t>
@@ -24600,6 +23849,9 @@
                             <m:sub>
                               <m:r>
                                 <a:rPr lang="en-US" sz="1100" i="1">
+                                  <a:solidFill>
+                                    <a:prstClr val="black"/>
+                                  </a:solidFill>
                                   <a:latin typeface="Cambria Math" panose="02040503050406030204" pitchFamily="18" charset="0"/>
                                 </a:rPr>
                                 <m:t>𝑖</m:t>
@@ -24610,6 +23862,9 @@
                             <m:dPr>
                               <m:ctrlPr>
                                 <a:rPr lang="en-US" sz="1100" i="1">
+                                  <a:solidFill>
+                                    <a:prstClr val="black"/>
+                                  </a:solidFill>
                                   <a:latin typeface="Cambria Math" panose="02040503050406030204" pitchFamily="18" charset="0"/>
                                 </a:rPr>
                               </m:ctrlPr>
@@ -24617,12 +23872,18 @@
                             <m:e>
                               <m:r>
                                 <a:rPr lang="en-US" sz="1100" i="1">
+                                  <a:solidFill>
+                                    <a:prstClr val="black"/>
+                                  </a:solidFill>
                                   <a:latin typeface="Cambria Math" panose="02040503050406030204" pitchFamily="18" charset="0"/>
                                 </a:rPr>
                                 <m:t>𝑛</m:t>
                               </m:r>
                               <m:r>
                                 <a:rPr lang="en-US" sz="1100" i="1">
+                                  <a:solidFill>
+                                    <a:prstClr val="black"/>
+                                  </a:solidFill>
                                   <a:latin typeface="Cambria Math" panose="02040503050406030204" pitchFamily="18" charset="0"/>
                                   <a:ea typeface="Cambria Math" panose="02040503050406030204" pitchFamily="18" charset="0"/>
                                 </a:rPr>
@@ -24642,6 +23903,9 @@
                                 <m:e>
                                   <m:r>
                                     <a:rPr lang="en-US" sz="1100" i="1">
+                                      <a:solidFill>
+                                        <a:prstClr val="black"/>
+                                      </a:solidFill>
                                       <a:latin typeface="Cambria Math" panose="02040503050406030204" pitchFamily="18" charset="0"/>
                                     </a:rPr>
                                     <m:t>𝜔</m:t>
@@ -24650,203 +23914,9 @@
                                 <m:sub>
                                   <m:r>
                                     <a:rPr lang="en-US" sz="1100" i="1">
-                                      <a:latin typeface="Cambria Math" panose="02040503050406030204" pitchFamily="18" charset="0"/>
-                                    </a:rPr>
-                                    <m:t>𝑖</m:t>
-                                  </m:r>
-                                </m:sub>
-                              </m:sSub>
-                            </m:e>
-                          </m:d>
-                        </m:e>
-                      </m:nary>
-                    </m:oMath>
-                    <m:oMath xmlns:m="http://schemas.openxmlformats.org/officeDocument/2006/math">
-                      <m:sSub>
-                        <m:sSubPr>
-                          <m:ctrlPr>
-                            <a:rPr lang="en-US" sz="1100" i="1">
-                              <a:solidFill>
-                                <a:srgbClr val="836967"/>
-                              </a:solidFill>
-                              <a:latin typeface="Cambria Math" panose="02040503050406030204" pitchFamily="18" charset="0"/>
-                            </a:rPr>
-                          </m:ctrlPr>
-                        </m:sSubPr>
-                        <m:e>
-                          <m:r>
-                            <m:rPr>
-                              <m:sty m:val="p"/>
-                            </m:rPr>
-                            <a:rPr lang="en-US" sz="1100">
-                              <a:latin typeface="Cambria Math" panose="02040503050406030204" pitchFamily="18" charset="0"/>
-                            </a:rPr>
-                            <m:t>L</m:t>
-                          </m:r>
-                        </m:e>
-                        <m:sub>
-                          <m:sSub>
-                            <m:sSubPr>
-                              <m:ctrlPr>
-                                <a:rPr lang="en-US" sz="1100" i="1">
-                                  <a:latin typeface="Cambria Math" panose="02040503050406030204" pitchFamily="18" charset="0"/>
-                                </a:rPr>
-                              </m:ctrlPr>
-                            </m:sSubPr>
-                            <m:e>
-                              <m:r>
-                                <a:rPr lang="en-US" sz="1100" i="1">
-                                  <a:latin typeface="Cambria Math" panose="02040503050406030204" pitchFamily="18" charset="0"/>
-                                </a:rPr>
-                                <m:t>𝑑</m:t>
-                              </m:r>
-                            </m:e>
-                            <m:sub>
-                              <m:r>
-                                <a:rPr lang="en-US" sz="1100" i="1">
-                                  <a:latin typeface="Cambria Math" panose="02040503050406030204" pitchFamily="18" charset="0"/>
-                                </a:rPr>
-                                <m:t>2</m:t>
-                              </m:r>
-                            </m:sub>
-                          </m:sSub>
-                        </m:sub>
-                      </m:sSub>
-                      <m:r>
-                        <a:rPr lang="en-US" sz="1100" i="1">
-                          <a:latin typeface="Cambria Math" panose="02040503050406030204" pitchFamily="18" charset="0"/>
-                        </a:rPr>
-                        <m:t>=</m:t>
-                      </m:r>
-                      <m:nary>
-                        <m:naryPr>
-                          <m:chr m:val="∑"/>
-                          <m:supHide m:val="on"/>
-                          <m:ctrlPr>
-                            <a:rPr lang="en-US" sz="1100" i="1">
-                              <a:latin typeface="Cambria Math" panose="02040503050406030204" pitchFamily="18" charset="0"/>
-                            </a:rPr>
-                          </m:ctrlPr>
-                        </m:naryPr>
-                        <m:sub>
-                          <m:r>
-                            <m:rPr>
-                              <m:brk m:alnAt="7"/>
-                            </m:rPr>
-                            <a:rPr lang="en-US" sz="1100" i="1">
-                              <a:latin typeface="Cambria Math" panose="02040503050406030204" pitchFamily="18" charset="0"/>
-                            </a:rPr>
-                            <m:t>𝑖</m:t>
-                          </m:r>
-                        </m:sub>
-                        <m:sup/>
-                        <m:e>
-                          <m:sSub>
-                            <m:sSubPr>
-                              <m:ctrlPr>
-                                <a:rPr lang="en-US" sz="1100" i="1">
-                                  <a:solidFill>
-                                    <a:prstClr val="black"/>
-                                  </a:solidFill>
-                                  <a:latin typeface="Cambria Math" panose="02040503050406030204" pitchFamily="18" charset="0"/>
-                                </a:rPr>
-                              </m:ctrlPr>
-                            </m:sSubPr>
-                            <m:e>
-                              <m:r>
-                                <a:rPr lang="en-US" sz="1100" i="1">
-                                  <a:solidFill>
-                                    <a:prstClr val="black"/>
-                                  </a:solidFill>
-                                  <a:latin typeface="Cambria Math" panose="02040503050406030204" pitchFamily="18" charset="0"/>
-                                </a:rPr>
-                                <m:t>𝑃</m:t>
-                              </m:r>
-                            </m:e>
-                            <m:sub>
-                              <m:r>
-                                <a:rPr lang="en-US" sz="1100" i="1">
-                                  <a:solidFill>
-                                    <a:prstClr val="black"/>
-                                  </a:solidFill>
-                                  <a:latin typeface="Cambria Math" panose="02040503050406030204" pitchFamily="18" charset="0"/>
-                                </a:rPr>
-                                <m:t>𝑖</m:t>
-                              </m:r>
-                            </m:sub>
-                          </m:sSub>
-                          <m:sSub>
-                            <m:sSubPr>
-                              <m:ctrlPr>
-                                <a:rPr lang="en-US" sz="1100" i="1">
-                                  <a:solidFill>
-                                    <a:srgbClr val="836967"/>
-                                  </a:solidFill>
-                                  <a:latin typeface="Cambria Math" panose="02040503050406030204" pitchFamily="18" charset="0"/>
-                                </a:rPr>
-                              </m:ctrlPr>
-                            </m:sSubPr>
-                            <m:e>
-                              <m:r>
-                                <a:rPr lang="en-US" sz="1100" i="1">
-                                  <a:latin typeface="Cambria Math" panose="02040503050406030204" pitchFamily="18" charset="0"/>
-                                </a:rPr>
-                                <m:t>𝐿</m:t>
-                              </m:r>
-                            </m:e>
-                            <m:sub>
-                              <m:r>
-                                <a:rPr lang="en-US" sz="1100" i="1">
-                                  <a:latin typeface="Cambria Math" panose="02040503050406030204" pitchFamily="18" charset="0"/>
-                                </a:rPr>
-                                <m:t>𝑖</m:t>
-                              </m:r>
-                            </m:sub>
-                          </m:sSub>
-                          <m:d>
-                            <m:dPr>
-                              <m:ctrlPr>
-                                <a:rPr lang="en-US" sz="1100" i="1">
-                                  <a:latin typeface="Cambria Math" panose="02040503050406030204" pitchFamily="18" charset="0"/>
-                                </a:rPr>
-                              </m:ctrlPr>
-                            </m:dPr>
-                            <m:e>
-                              <m:r>
-                                <a:rPr lang="en-US" sz="1100" i="1">
-                                  <a:latin typeface="Cambria Math" panose="02040503050406030204" pitchFamily="18" charset="0"/>
-                                </a:rPr>
-                                <m:t>𝑛</m:t>
-                              </m:r>
-                              <m:r>
-                                <a:rPr lang="en-US" sz="1100" i="1">
-                                  <a:latin typeface="Cambria Math" panose="02040503050406030204" pitchFamily="18" charset="0"/>
-                                  <a:ea typeface="Cambria Math" panose="02040503050406030204" pitchFamily="18" charset="0"/>
-                                </a:rPr>
-                                <m:t>∙</m:t>
-                              </m:r>
-                              <m:sSub>
-                                <m:sSubPr>
-                                  <m:ctrlPr>
-                                    <a:rPr lang="en-US" sz="1100" i="1">
                                       <a:solidFill>
-                                        <a:srgbClr val="836967"/>
+                                        <a:prstClr val="black"/>
                                       </a:solidFill>
-                                      <a:latin typeface="Cambria Math" panose="02040503050406030204" pitchFamily="18" charset="0"/>
-                                    </a:rPr>
-                                  </m:ctrlPr>
-                                </m:sSubPr>
-                                <m:e>
-                                  <m:r>
-                                    <a:rPr lang="en-US" sz="1100" i="1">
-                                      <a:latin typeface="Cambria Math" panose="02040503050406030204" pitchFamily="18" charset="0"/>
-                                    </a:rPr>
-                                    <m:t>𝜔</m:t>
-                                  </m:r>
-                                </m:e>
-                                <m:sub>
-                                  <m:r>
-                                    <a:rPr lang="en-US" sz="1100" i="1">
                                       <a:latin typeface="Cambria Math" panose="02040503050406030204" pitchFamily="18" charset="0"/>
                                     </a:rPr>
                                     <m:t>𝑖</m:t>
@@ -25270,9 +24340,6 @@
                       </m:d>
                       <m:r>
                         <a:rPr lang="en-US" sz="1100" i="1">
-                          <a:solidFill>
-                            <a:prstClr val="black"/>
-                          </a:solidFill>
                           <a:latin typeface="Cambria Math" panose="02040503050406030204" pitchFamily="18" charset="0"/>
                           <a:ea typeface="Cambria Math" panose="02040503050406030204" pitchFamily="18" charset="0"/>
                         </a:rPr>
@@ -25282,6 +24349,9 @@
                         <m:dPr>
                           <m:ctrlPr>
                             <a:rPr lang="en-US" sz="1100" i="1">
+                              <a:solidFill>
+                                <a:prstClr val="black"/>
+                              </a:solidFill>
                               <a:latin typeface="Cambria Math" panose="02040503050406030204" pitchFamily="18" charset="0"/>
                             </a:rPr>
                           </m:ctrlPr>
@@ -25289,12 +24359,18 @@
                         <m:e>
                           <m:r>
                             <a:rPr lang="en-US" sz="1100" i="1">
+                              <a:solidFill>
+                                <a:prstClr val="black"/>
+                              </a:solidFill>
                               <a:latin typeface="Cambria Math" panose="02040503050406030204" pitchFamily="18" charset="0"/>
                             </a:rPr>
                             <m:t>1−</m:t>
                           </m:r>
                           <m:r>
                             <a:rPr lang="en-US" sz="1100" i="1">
+                              <a:solidFill>
+                                <a:prstClr val="black"/>
+                              </a:solidFill>
                               <a:latin typeface="Cambria Math" panose="02040503050406030204" pitchFamily="18" charset="0"/>
                             </a:rPr>
                             <m:t>𝑚</m:t>
@@ -25305,6 +24381,9 @@
                         <m:fPr>
                           <m:ctrlPr>
                             <a:rPr lang="en-US" sz="1100" i="1">
+                              <a:solidFill>
+                                <a:prstClr val="black"/>
+                              </a:solidFill>
                               <a:latin typeface="Cambria Math" panose="02040503050406030204" pitchFamily="18" charset="0"/>
                             </a:rPr>
                           </m:ctrlPr>
@@ -25312,6 +24391,9 @@
                         <m:num>
                           <m:r>
                             <a:rPr lang="en-US" sz="1100" i="1">
+                              <a:solidFill>
+                                <a:prstClr val="black"/>
+                              </a:solidFill>
                               <a:latin typeface="Cambria Math" panose="02040503050406030204" pitchFamily="18" charset="0"/>
                             </a:rPr>
                             <m:t>𝑐</m:t>
@@ -25320,6 +24402,9 @@
                         <m:den>
                           <m:r>
                             <a:rPr lang="en-US" sz="1100" i="1">
+                              <a:solidFill>
+                                <a:prstClr val="black"/>
+                              </a:solidFill>
                               <a:latin typeface="Cambria Math" panose="02040503050406030204" pitchFamily="18" charset="0"/>
                               <a:ea typeface="Cambria Math" panose="02040503050406030204" pitchFamily="18" charset="0"/>
                             </a:rPr>
@@ -25331,69 +24416,29 @@
                         <m:dPr>
                           <m:ctrlPr>
                             <a:rPr lang="en-US" sz="1100" i="1">
-                              <a:latin typeface="Cambria Math" panose="02040503050406030204" pitchFamily="18" charset="0"/>
-                              <a:ea typeface="Cambria Math" panose="02040503050406030204" pitchFamily="18" charset="0"/>
+                              <a:solidFill>
+                                <a:prstClr val="black"/>
+                              </a:solidFill>
+                              <a:latin typeface="Cambria Math" panose="02040503050406030204" pitchFamily="18" charset="0"/>
                             </a:rPr>
                           </m:ctrlPr>
                         </m:dPr>
                         <m:e>
-                          <m:d>
-                            <m:dPr>
-                              <m:ctrlPr>
-                                <a:rPr lang="en-US" sz="1100" i="1">
-                                  <a:latin typeface="Cambria Math" panose="02040503050406030204" pitchFamily="18" charset="0"/>
-                                </a:rPr>
-                              </m:ctrlPr>
-                            </m:dPr>
-                            <m:e>
-                              <m:r>
-                                <a:rPr lang="en-US" sz="1100" i="1">
-                                  <a:latin typeface="Cambria Math" panose="02040503050406030204" pitchFamily="18" charset="0"/>
-                                </a:rPr>
-                                <m:t>1−</m:t>
-                              </m:r>
-                              <m:sSub>
-                                <m:sSubPr>
-                                  <m:ctrlPr>
-                                    <a:rPr lang="en-US" sz="1100" i="1">
-                                      <a:solidFill>
-                                        <a:prstClr val="black"/>
-                                      </a:solidFill>
-                                      <a:latin typeface="Cambria Math" panose="02040503050406030204" pitchFamily="18" charset="0"/>
-                                    </a:rPr>
-                                  </m:ctrlPr>
-                                </m:sSubPr>
-                                <m:e>
-                                  <m:r>
-                                    <a:rPr lang="en-US" sz="1100" i="1">
-                                      <a:solidFill>
-                                        <a:prstClr val="black"/>
-                                      </a:solidFill>
-                                      <a:latin typeface="Cambria Math" panose="02040503050406030204" pitchFamily="18" charset="0"/>
-                                    </a:rPr>
-                                    <m:t>𝐹</m:t>
-                                  </m:r>
-                                </m:e>
-                                <m:sub>
-                                  <m:r>
-                                    <a:rPr lang="en-US" sz="1100" i="1">
-                                      <a:solidFill>
-                                        <a:prstClr val="black"/>
-                                      </a:solidFill>
-                                      <a:latin typeface="Cambria Math" panose="02040503050406030204" pitchFamily="18" charset="0"/>
-                                    </a:rPr>
-                                    <m:t>0</m:t>
-                                  </m:r>
-                                </m:sub>
-                              </m:sSub>
-                            </m:e>
-                          </m:d>
+                          <m:r>
+                            <a:rPr lang="en-US" sz="1100" i="1">
+                              <a:solidFill>
+                                <a:prstClr val="black"/>
+                              </a:solidFill>
+                              <a:latin typeface="Cambria Math" panose="02040503050406030204" pitchFamily="18" charset="0"/>
+                            </a:rPr>
+                            <m:t>1−</m:t>
+                          </m:r>
                           <m:sSub>
                             <m:sSubPr>
                               <m:ctrlPr>
                                 <a:rPr lang="en-US" sz="1100" i="1">
                                   <a:solidFill>
-                                    <a:srgbClr val="836967"/>
+                                    <a:prstClr val="black"/>
                                   </a:solidFill>
                                   <a:latin typeface="Cambria Math" panose="02040503050406030204" pitchFamily="18" charset="0"/>
                                 </a:rPr>
@@ -25401,152 +24446,79 @@
                             </m:sSubPr>
                             <m:e>
                               <m:r>
-                                <m:rPr>
-                                  <m:sty m:val="p"/>
-                                </m:rPr>
-                                <a:rPr lang="en-US" sz="1100">
-                                  <a:latin typeface="Cambria Math" panose="02040503050406030204" pitchFamily="18" charset="0"/>
-                                </a:rPr>
-                                <m:t>L</m:t>
+                                <a:rPr lang="en-US" sz="1100" i="1">
+                                  <a:solidFill>
+                                    <a:prstClr val="black"/>
+                                  </a:solidFill>
+                                  <a:latin typeface="Cambria Math" panose="02040503050406030204" pitchFamily="18" charset="0"/>
+                                </a:rPr>
+                                <m:t>𝐹</m:t>
                               </m:r>
                             </m:e>
                             <m:sub>
-                              <m:sSub>
-                                <m:sSubPr>
-                                  <m:ctrlPr>
-                                    <a:rPr lang="en-US" sz="1100" i="1">
-                                      <a:latin typeface="Cambria Math" panose="02040503050406030204" pitchFamily="18" charset="0"/>
-                                    </a:rPr>
-                                  </m:ctrlPr>
-                                </m:sSubPr>
-                                <m:e>
-                                  <m:r>
-                                    <a:rPr lang="en-US" sz="1100" i="1">
-                                      <a:latin typeface="Cambria Math" panose="02040503050406030204" pitchFamily="18" charset="0"/>
-                                    </a:rPr>
-                                    <m:t>𝑑</m:t>
-                                  </m:r>
-                                </m:e>
-                                <m:sub>
-                                  <m:r>
-                                    <a:rPr lang="en-US" sz="1100" i="1">
-                                      <a:latin typeface="Cambria Math" panose="02040503050406030204" pitchFamily="18" charset="0"/>
-                                    </a:rPr>
-                                    <m:t>1</m:t>
-                                  </m:r>
-                                </m:sub>
-                              </m:sSub>
+                              <m:r>
+                                <a:rPr lang="en-US" sz="1100" i="1">
+                                  <a:solidFill>
+                                    <a:prstClr val="black"/>
+                                  </a:solidFill>
+                                  <a:latin typeface="Cambria Math" panose="02040503050406030204" pitchFamily="18" charset="0"/>
+                                </a:rPr>
+                                <m:t>0</m:t>
+                              </m:r>
                             </m:sub>
                           </m:sSub>
+                        </m:e>
+                      </m:d>
+                      <m:sSub>
+                        <m:sSubPr>
+                          <m:ctrlPr>
+                            <a:rPr lang="en-US" sz="1100" i="1">
+                              <a:solidFill>
+                                <a:srgbClr val="836967"/>
+                              </a:solidFill>
+                              <a:latin typeface="Cambria Math" panose="02040503050406030204" pitchFamily="18" charset="0"/>
+                            </a:rPr>
+                          </m:ctrlPr>
+                        </m:sSubPr>
+                        <m:e>
                           <m:r>
-                            <a:rPr lang="en-US" sz="1100" i="1">
-                              <a:latin typeface="Cambria Math" panose="02040503050406030204" pitchFamily="18" charset="0"/>
-                            </a:rPr>
-                            <m:t>+</m:t>
+                            <m:rPr>
+                              <m:sty m:val="p"/>
+                            </m:rPr>
+                            <a:rPr lang="en-US" sz="1100">
+                              <a:latin typeface="Cambria Math" panose="02040503050406030204" pitchFamily="18" charset="0"/>
+                            </a:rPr>
+                            <m:t>L</m:t>
                           </m:r>
-                          <m:d>
-                            <m:dPr>
-                              <m:ctrlPr>
-                                <a:rPr lang="en-US" sz="1100" i="1">
-                                  <a:latin typeface="Cambria Math" panose="02040503050406030204" pitchFamily="18" charset="0"/>
-                                </a:rPr>
-                              </m:ctrlPr>
-                            </m:dPr>
-                            <m:e>
-                              <m:sSub>
-                                <m:sSubPr>
-                                  <m:ctrlPr>
-                                    <a:rPr lang="en-US" sz="1100" i="1">
-                                      <a:solidFill>
-                                        <a:prstClr val="black"/>
-                                      </a:solidFill>
-                                      <a:latin typeface="Cambria Math" panose="02040503050406030204" pitchFamily="18" charset="0"/>
-                                    </a:rPr>
-                                  </m:ctrlPr>
-                                </m:sSubPr>
-                                <m:e>
-                                  <m:r>
-                                    <a:rPr lang="en-US" sz="1100" i="1">
-                                      <a:solidFill>
-                                        <a:prstClr val="black"/>
-                                      </a:solidFill>
-                                      <a:latin typeface="Cambria Math" panose="02040503050406030204" pitchFamily="18" charset="0"/>
-                                    </a:rPr>
-                                    <m:t>𝐹</m:t>
-                                  </m:r>
-                                </m:e>
-                                <m:sub>
-                                  <m:r>
-                                    <a:rPr lang="en-US" sz="1100" i="1">
-                                      <a:solidFill>
-                                        <a:prstClr val="black"/>
-                                      </a:solidFill>
-                                      <a:latin typeface="Cambria Math" panose="02040503050406030204" pitchFamily="18" charset="0"/>
-                                    </a:rPr>
-                                    <m:t>0</m:t>
-                                  </m:r>
-                                </m:sub>
-                              </m:sSub>
-                              <m:r>
-                                <a:rPr lang="en-US" sz="1100" i="1">
-                                  <a:latin typeface="Cambria Math" panose="02040503050406030204" pitchFamily="18" charset="0"/>
-                                </a:rPr>
-                                <m:t>−1</m:t>
-                              </m:r>
-                            </m:e>
-                          </m:d>
+                        </m:e>
+                        <m:sub>
                           <m:sSub>
                             <m:sSubPr>
                               <m:ctrlPr>
                                 <a:rPr lang="en-US" sz="1100" i="1">
-                                  <a:solidFill>
-                                    <a:srgbClr val="836967"/>
-                                  </a:solidFill>
                                   <a:latin typeface="Cambria Math" panose="02040503050406030204" pitchFamily="18" charset="0"/>
                                 </a:rPr>
                               </m:ctrlPr>
                             </m:sSubPr>
                             <m:e>
                               <m:r>
-                                <m:rPr>
-                                  <m:sty m:val="p"/>
-                                </m:rPr>
-                                <a:rPr lang="en-US" sz="1100">
-                                  <a:latin typeface="Cambria Math" panose="02040503050406030204" pitchFamily="18" charset="0"/>
-                                </a:rPr>
-                                <m:t>L</m:t>
+                                <a:rPr lang="en-US" sz="1100" i="1">
+                                  <a:latin typeface="Cambria Math" panose="02040503050406030204" pitchFamily="18" charset="0"/>
+                                </a:rPr>
+                                <m:t>𝑑</m:t>
                               </m:r>
                             </m:e>
                             <m:sub>
-                              <m:sSub>
-                                <m:sSubPr>
-                                  <m:ctrlPr>
-                                    <a:rPr lang="en-US" sz="1100" i="1">
-                                      <a:latin typeface="Cambria Math" panose="02040503050406030204" pitchFamily="18" charset="0"/>
-                                    </a:rPr>
-                                  </m:ctrlPr>
-                                </m:sSubPr>
-                                <m:e>
-                                  <m:r>
-                                    <a:rPr lang="en-US" sz="1100" i="1">
-                                      <a:latin typeface="Cambria Math" panose="02040503050406030204" pitchFamily="18" charset="0"/>
-                                    </a:rPr>
-                                    <m:t>𝑑</m:t>
-                                  </m:r>
-                                </m:e>
-                                <m:sub>
-                                  <m:r>
-                                    <a:rPr lang="en-US" sz="1100" i="1">
-                                      <a:latin typeface="Cambria Math" panose="02040503050406030204" pitchFamily="18" charset="0"/>
-                                    </a:rPr>
-                                    <m:t>2</m:t>
-                                  </m:r>
-                                </m:sub>
-                              </m:sSub>
+                              <m:r>
+                                <a:rPr lang="en-US" sz="1100" i="1">
+                                  <a:latin typeface="Cambria Math" panose="02040503050406030204" pitchFamily="18" charset="0"/>
+                                </a:rPr>
+                                <m:t>1</m:t>
+                              </m:r>
                             </m:sub>
                           </m:sSub>
-                        </m:e>
-                      </m:d>
+                        </m:sub>
+                      </m:sSub>
                     </m:oMath>
                     <m:oMath xmlns:m="http://schemas.openxmlformats.org/officeDocument/2006/math">
                       <m:sSub>
@@ -26449,62 +25421,6 @@
                                 <a:latin typeface="Cambria Math" panose="02040503050406030204" pitchFamily="18" charset="0"/>
                               </a:rPr>
                               <m:t>1</m:t>
-                            </m:r>
-                          </m:sub>
-                        </m:sSub>
-                      </m:sub>
-                    </m:sSub>
-                    <m:r>
-                      <a:rPr lang="en-US" sz="1100" b="0" i="1" smtClean="0">
-                        <a:latin typeface="Cambria Math" panose="02040503050406030204" pitchFamily="18" charset="0"/>
-                      </a:rPr>
-                      <m:t>,</m:t>
-                    </m:r>
-                    <m:sSub>
-                      <m:sSubPr>
-                        <m:ctrlPr>
-                          <a:rPr lang="en-US" sz="1100" i="1">
-                            <a:solidFill>
-                              <a:srgbClr val="836967"/>
-                            </a:solidFill>
-                            <a:latin typeface="Cambria Math" panose="02040503050406030204" pitchFamily="18" charset="0"/>
-                          </a:rPr>
-                        </m:ctrlPr>
-                      </m:sSubPr>
-                      <m:e>
-                        <m:r>
-                          <m:rPr>
-                            <m:sty m:val="p"/>
-                          </m:rPr>
-                          <a:rPr lang="en-US" sz="1100">
-                            <a:latin typeface="Cambria Math" panose="02040503050406030204" pitchFamily="18" charset="0"/>
-                          </a:rPr>
-                          <m:t>L</m:t>
-                        </m:r>
-                      </m:e>
-                      <m:sub>
-                        <m:sSub>
-                          <m:sSubPr>
-                            <m:ctrlPr>
-                              <a:rPr lang="en-US" sz="1100" i="1">
-                                <a:latin typeface="Cambria Math" panose="02040503050406030204" pitchFamily="18" charset="0"/>
-                              </a:rPr>
-                            </m:ctrlPr>
-                          </m:sSubPr>
-                          <m:e>
-                            <m:r>
-                              <a:rPr lang="en-US" sz="1100" i="1">
-                                <a:latin typeface="Cambria Math" panose="02040503050406030204" pitchFamily="18" charset="0"/>
-                              </a:rPr>
-                              <m:t>𝑑</m:t>
-                            </m:r>
-                          </m:e>
-                          <m:sub>
-                            <m:r>
-                              <a:rPr lang="en-US" sz="1100" i="1">
-                                <a:latin typeface="Cambria Math" panose="02040503050406030204" pitchFamily="18" charset="0"/>
-                              </a:rPr>
-                              <m:t>2</m:t>
                             </m:r>
                           </m:sub>
                         </m:sSub>
@@ -26743,14 +25659,14 @@
                     </a:solidFill>
                     <a:latin typeface="Gudea"/>
                   </a:rPr>
-                  <a:t>DF).</a:t>
+                  <a:t>DF) although not fully.</a:t>
                 </a:r>
                 <a:endParaRPr lang="en-US" sz="1100" dirty="0"/>
               </a:p>
             </p:txBody>
           </p:sp>
         </mc:Choice>
-        <mc:Fallback>
+        <mc:Fallback xmlns="">
           <p:sp>
             <p:nvSpPr>
               <p:cNvPr id="6" name="TextBox 5">
@@ -26768,7 +25684,7 @@
             <p:spPr>
               <a:xfrm>
                 <a:off x="550268" y="746623"/>
-                <a:ext cx="7583154" cy="4420569"/>
+                <a:ext cx="7583154" cy="4009046"/>
               </a:xfrm>
               <a:prstGeom prst="rect">
                 <a:avLst/>
@@ -26776,7 +25692,7 @@
               <a:blipFill>
                 <a:blip r:embed="rId2"/>
                 <a:stretch>
-                  <a:fillRect l="-2331" t="-14050" r="-402" b="-138"/>
+                  <a:fillRect l="-2331" t="-15502" r="-402" b="-456"/>
                 </a:stretch>
               </a:blipFill>
             </p:spPr>
@@ -26795,8 +25711,8 @@
           </p:sp>
         </mc:Fallback>
       </mc:AlternateContent>
-      <mc:AlternateContent xmlns:mc="http://schemas.openxmlformats.org/markup-compatibility/2006">
-        <mc:Choice xmlns:a14="http://schemas.microsoft.com/office/drawing/2010/main" Requires="a14">
+      <mc:AlternateContent xmlns:mc="http://schemas.openxmlformats.org/markup-compatibility/2006" xmlns:a14="http://schemas.microsoft.com/office/drawing/2010/main">
+        <mc:Choice Requires="a14">
           <p:sp>
             <p:nvSpPr>
               <p:cNvPr id="4" name="TextBox 3">
@@ -27056,7 +25972,7 @@
             </p:txBody>
           </p:sp>
         </mc:Choice>
-        <mc:Fallback>
+        <mc:Fallback xmlns="">
           <p:sp>
             <p:nvSpPr>
               <p:cNvPr id="4" name="TextBox 3">
@@ -27187,8 +26103,8 @@
             </p:nvSpPr>
             <p:spPr>
               <a:xfrm>
-                <a:off x="4293441" y="957354"/>
-                <a:ext cx="7424201" cy="1863459"/>
+                <a:off x="3869141" y="884687"/>
+                <a:ext cx="7424201" cy="1957459"/>
               </a:xfrm>
               <a:prstGeom prst="rect">
                 <a:avLst/>
@@ -27203,18 +26119,18 @@
               <a:p>
                 <a:pPr algn="just"/>
                 <a:r>
-                  <a:rPr lang="en-US" sz="1200" dirty="0"/>
+                  <a:rPr lang="en-US" sz="1400" dirty="0"/>
                   <a:t>Lets split shading into two stages.</a:t>
                 </a:r>
               </a:p>
               <a:p>
                 <a:pPr algn="just"/>
-                <a:endParaRPr lang="en-US" sz="1200" dirty="0"/>
+                <a:endParaRPr lang="en-US" sz="1400" dirty="0"/>
               </a:p>
               <a:p>
                 <a:pPr algn="just"/>
                 <a:r>
-                  <a:rPr lang="en-US" sz="1200" dirty="0"/>
+                  <a:rPr lang="en-US" sz="1400" dirty="0"/>
                   <a:t>First stage will produce </a:t>
                 </a:r>
                 <a14:m>
@@ -27222,7 +26138,7 @@
                     <m:sSub>
                       <m:sSubPr>
                         <m:ctrlPr>
-                          <a:rPr lang="en-US" sz="1200" i="1" smtClean="0">
+                          <a:rPr lang="en-US" sz="1400" i="1" smtClean="0">
                             <a:solidFill>
                               <a:srgbClr val="836967"/>
                             </a:solidFill>
@@ -27235,7 +26151,7 @@
                           <m:rPr>
                             <m:sty m:val="p"/>
                           </m:rPr>
-                          <a:rPr lang="en-US" sz="1200" smtClean="0">
+                          <a:rPr lang="en-US" sz="1400" smtClean="0">
                             <a:latin typeface="Cambria Math" panose="02040503050406030204" pitchFamily="18" charset="0"/>
                           </a:rPr>
                           <m:t>L</m:t>
@@ -27245,14 +26161,14 @@
                         <m:sSub>
                           <m:sSubPr>
                             <m:ctrlPr>
-                              <a:rPr lang="en-US" sz="1200" i="1" smtClean="0">
+                              <a:rPr lang="en-US" sz="1400" i="1" smtClean="0">
                                 <a:latin typeface="Cambria Math" panose="02040503050406030204" pitchFamily="18" charset="0"/>
                               </a:rPr>
                             </m:ctrlPr>
                           </m:sSubPr>
                           <m:e>
                             <m:r>
-                              <a:rPr lang="en-US" sz="1200" i="1" smtClean="0">
+                              <a:rPr lang="en-US" sz="1400" i="1" smtClean="0">
                                 <a:latin typeface="Cambria Math" panose="02040503050406030204" pitchFamily="18" charset="0"/>
                               </a:rPr>
                               <m:t>𝑑</m:t>
@@ -27260,7 +26176,7 @@
                           </m:e>
                           <m:sub>
                             <m:r>
-                              <a:rPr lang="en-US" sz="1200" i="1" smtClean="0">
+                              <a:rPr lang="en-US" sz="1400" i="1" smtClean="0">
                                 <a:latin typeface="Cambria Math" panose="02040503050406030204" pitchFamily="18" charset="0"/>
                               </a:rPr>
                               <m:t>1</m:t>
@@ -27272,7 +26188,7 @@
                   </m:oMath>
                 </a14:m>
                 <a:r>
-                  <a:rPr lang="en-US" sz="1200" dirty="0"/>
+                  <a:rPr lang="en-US" sz="1400" dirty="0"/>
                   <a:t>, </a:t>
                 </a:r>
                 <a14:m>
@@ -27280,7 +26196,7 @@
                     <m:sSub>
                       <m:sSubPr>
                         <m:ctrlPr>
-                          <a:rPr lang="en-US" sz="1200" i="1" smtClean="0">
+                          <a:rPr lang="en-US" sz="1400" i="1" smtClean="0">
                             <a:solidFill>
                               <a:srgbClr val="836967"/>
                             </a:solidFill>
@@ -27293,65 +26209,7 @@
                           <m:rPr>
                             <m:sty m:val="p"/>
                           </m:rPr>
-                          <a:rPr lang="en-US" sz="1200" smtClean="0">
-                            <a:latin typeface="Cambria Math" panose="02040503050406030204" pitchFamily="18" charset="0"/>
-                          </a:rPr>
-                          <m:t>L</m:t>
-                        </m:r>
-                      </m:e>
-                      <m:sub>
-                        <m:sSub>
-                          <m:sSubPr>
-                            <m:ctrlPr>
-                              <a:rPr lang="en-US" sz="1200" i="1" smtClean="0">
-                                <a:latin typeface="Cambria Math" panose="02040503050406030204" pitchFamily="18" charset="0"/>
-                              </a:rPr>
-                            </m:ctrlPr>
-                          </m:sSubPr>
-                          <m:e>
-                            <m:r>
-                              <a:rPr lang="en-US" sz="1200" i="1" smtClean="0">
-                                <a:latin typeface="Cambria Math" panose="02040503050406030204" pitchFamily="18" charset="0"/>
-                              </a:rPr>
-                              <m:t>𝑑</m:t>
-                            </m:r>
-                          </m:e>
-                          <m:sub>
-                            <m:r>
-                              <a:rPr lang="en-US" sz="1200" b="0" i="1" smtClean="0">
-                                <a:latin typeface="Cambria Math" panose="02040503050406030204" pitchFamily="18" charset="0"/>
-                              </a:rPr>
-                              <m:t>2</m:t>
-                            </m:r>
-                          </m:sub>
-                        </m:sSub>
-                      </m:sub>
-                    </m:sSub>
-                  </m:oMath>
-                </a14:m>
-                <a:r>
-                  <a:rPr lang="en-US" sz="1200" dirty="0"/>
-                  <a:t>, </a:t>
-                </a:r>
-                <a14:m>
-                  <m:oMath xmlns:m="http://schemas.openxmlformats.org/officeDocument/2006/math">
-                    <m:sSub>
-                      <m:sSubPr>
-                        <m:ctrlPr>
-                          <a:rPr lang="en-US" sz="1200" i="1" smtClean="0">
-                            <a:solidFill>
-                              <a:srgbClr val="836967"/>
-                            </a:solidFill>
-                            <a:latin typeface="Cambria Math" panose="02040503050406030204" pitchFamily="18" charset="0"/>
-                          </a:rPr>
-                        </m:ctrlPr>
-                      </m:sSubPr>
-                      <m:e>
-                        <m:r>
-                          <m:rPr>
-                            <m:sty m:val="p"/>
-                          </m:rPr>
-                          <a:rPr lang="en-US" sz="1200" smtClean="0">
+                          <a:rPr lang="en-US" sz="1400" smtClean="0">
                             <a:solidFill>
                               <a:prstClr val="black"/>
                             </a:solidFill>
@@ -27364,7 +26222,7 @@
                         <m:sSub>
                           <m:sSubPr>
                             <m:ctrlPr>
-                              <a:rPr lang="en-US" sz="1200" i="1" smtClean="0">
+                              <a:rPr lang="en-US" sz="1400" i="1" smtClean="0">
                                 <a:solidFill>
                                   <a:prstClr val="black"/>
                                 </a:solidFill>
@@ -27374,7 +26232,7 @@
                           </m:sSubPr>
                           <m:e>
                             <m:r>
-                              <a:rPr lang="en-US" sz="1200" i="1" smtClean="0">
+                              <a:rPr lang="en-US" sz="1400" i="1" smtClean="0">
                                 <a:solidFill>
                                   <a:prstClr val="black"/>
                                 </a:solidFill>
@@ -27385,7 +26243,7 @@
                           </m:e>
                           <m:sub>
                             <m:r>
-                              <a:rPr lang="en-US" sz="1200" i="1" smtClean="0">
+                              <a:rPr lang="en-US" sz="1400" i="1" smtClean="0">
                                 <a:solidFill>
                                   <a:prstClr val="black"/>
                                 </a:solidFill>
@@ -27400,11 +26258,11 @@
                   </m:oMath>
                 </a14:m>
                 <a:r>
-                  <a:rPr lang="en-US" sz="1200" dirty="0"/>
+                  <a:rPr lang="en-US" sz="1400" dirty="0"/>
                   <a:t>,</a:t>
                 </a:r>
                 <a:r>
-                  <a:rPr lang="en-US" sz="1200" dirty="0">
+                  <a:rPr lang="en-US" sz="1400" dirty="0">
                     <a:solidFill>
                       <a:srgbClr val="836967"/>
                     </a:solidFill>
@@ -27416,7 +26274,7 @@
                     <m:sSub>
                       <m:sSubPr>
                         <m:ctrlPr>
-                          <a:rPr lang="en-US" sz="1200" i="1" smtClean="0">
+                          <a:rPr lang="en-US" sz="1400" i="1" smtClean="0">
                             <a:solidFill>
                               <a:srgbClr val="836967"/>
                             </a:solidFill>
@@ -27429,7 +26287,7 @@
                           <m:rPr>
                             <m:sty m:val="p"/>
                           </m:rPr>
-                          <a:rPr lang="en-US" sz="1200" smtClean="0">
+                          <a:rPr lang="en-US" sz="1400" smtClean="0">
                             <a:solidFill>
                               <a:prstClr val="black"/>
                             </a:solidFill>
@@ -27442,7 +26300,7 @@
                         <m:sSub>
                           <m:sSubPr>
                             <m:ctrlPr>
-                              <a:rPr lang="en-US" sz="1200" i="1" smtClean="0">
+                              <a:rPr lang="en-US" sz="1400" i="1" smtClean="0">
                                 <a:solidFill>
                                   <a:prstClr val="black"/>
                                 </a:solidFill>
@@ -27452,7 +26310,7 @@
                           </m:sSubPr>
                           <m:e>
                             <m:r>
-                              <a:rPr lang="en-US" sz="1200" i="1" smtClean="0">
+                              <a:rPr lang="en-US" sz="1400" i="1" smtClean="0">
                                 <a:solidFill>
                                   <a:prstClr val="black"/>
                                 </a:solidFill>
@@ -27463,7 +26321,7 @@
                           </m:e>
                           <m:sub>
                             <m:r>
-                              <a:rPr lang="en-US" sz="1200" i="1" smtClean="0">
+                              <a:rPr lang="en-US" sz="1400" i="1" smtClean="0">
                                 <a:solidFill>
                                   <a:prstClr val="black"/>
                                 </a:solidFill>
@@ -27478,14 +26336,14 @@
                   </m:oMath>
                 </a14:m>
                 <a:r>
-                  <a:rPr lang="en-US" sz="1200" dirty="0"/>
+                  <a:rPr lang="en-US" sz="1400" dirty="0"/>
                   <a:t> values and store them in a dedicated buffer – I-buffer.</a:t>
                 </a:r>
               </a:p>
               <a:p>
                 <a:pPr algn="just"/>
                 <a:r>
-                  <a:rPr lang="en-US" sz="1200" dirty="0"/>
+                  <a:rPr lang="en-US" sz="1400" dirty="0"/>
                   <a:t>Second stage will use those values to calculate </a:t>
                 </a:r>
                 <a14:m>
@@ -27493,7 +26351,7 @@
                     <m:sSub>
                       <m:sSubPr>
                         <m:ctrlPr>
-                          <a:rPr lang="en-US" sz="1200" i="1" smtClean="0">
+                          <a:rPr lang="en-US" sz="1400" i="1" smtClean="0">
                             <a:solidFill>
                               <a:srgbClr val="836967"/>
                             </a:solidFill>
@@ -27506,7 +26364,7 @@
                           <m:rPr>
                             <m:sty m:val="p"/>
                           </m:rPr>
-                          <a:rPr lang="en-US" sz="1200" smtClean="0">
+                          <a:rPr lang="en-US" sz="1400" smtClean="0">
                             <a:latin typeface="Cambria Math" panose="02040503050406030204" pitchFamily="18" charset="0"/>
                           </a:rPr>
                           <m:t>L</m:t>
@@ -27514,7 +26372,7 @@
                       </m:e>
                       <m:sub>
                         <m:r>
-                          <a:rPr lang="en-US" sz="1200" i="1" smtClean="0">
+                          <a:rPr lang="en-US" sz="1400" i="1" smtClean="0">
                             <a:latin typeface="Cambria Math" panose="02040503050406030204" pitchFamily="18" charset="0"/>
                           </a:rPr>
                           <m:t>𝑜</m:t>
@@ -27524,26 +26382,26 @@
                   </m:oMath>
                 </a14:m>
                 <a:r>
-                  <a:rPr lang="en-US" sz="1200" dirty="0"/>
-                  <a:t> (to be later used by final deferred lighting composition pass combining it albedo and metalness).</a:t>
+                  <a:rPr lang="en-US" sz="1400" dirty="0"/>
+                  <a:t>.</a:t>
                 </a:r>
               </a:p>
               <a:p>
                 <a:pPr algn="just"/>
-                <a:endParaRPr lang="en-US" sz="1200" dirty="0"/>
+                <a:endParaRPr lang="en-US" sz="1400" dirty="0"/>
               </a:p>
               <a:p>
                 <a:pPr algn="just"/>
                 <a:r>
-                  <a:rPr lang="en-US" sz="1200" dirty="0"/>
-                  <a:t>I-buffer retains fundamental characteristic of light to be cumulative. This allows first step to be split into multiple passes using specialized shaders for different types of lights and shadows. Also, </a:t>
+                  <a:rPr lang="en-US" sz="1400" dirty="0"/>
+                  <a:t>I-buffer retains fundamental characteristic of light to be cumulative. This allows first step to be split into multiple passes using specialized shaders for different types of lights and shadows. </a:t>
                 </a:r>
                 <a:r>
-                  <a:rPr lang="en-US" sz="1200" dirty="0" err="1"/>
-                  <a:t>r</a:t>
+                  <a:rPr lang="en-US" sz="1400" dirty="0" err="1"/>
+                  <a:t>R</a:t>
                 </a:r>
                 <a:r>
-                  <a:rPr lang="en-US" sz="1200" dirty="0" err="1">
+                  <a:rPr lang="en-US" sz="1400" dirty="0" err="1">
                     <a:solidFill>
                       <a:prstClr val="black"/>
                     </a:solidFill>
@@ -27551,7 +26409,7 @@
                   <a:t>edeferred</a:t>
                 </a:r>
                 <a:r>
-                  <a:rPr lang="en-US" sz="1200" dirty="0">
+                  <a:rPr lang="en-US" sz="1400" dirty="0">
                     <a:solidFill>
                       <a:prstClr val="black"/>
                     </a:solidFill>
@@ -27559,7 +26417,7 @@
                   <a:t> </a:t>
                 </a:r>
                 <a:r>
-                  <a:rPr kumimoji="0" lang="en-US" sz="1200" b="0" i="0" u="none" strike="noStrike" kern="1200" cap="none" spc="0" normalizeH="0" baseline="0" noProof="0" dirty="0">
+                  <a:rPr kumimoji="0" lang="en-US" sz="1400" b="0" i="0" u="none" strike="noStrike" kern="1200" cap="none" spc="0" normalizeH="0" baseline="0" noProof="0" dirty="0">
                     <a:ln>
                       <a:noFill/>
                     </a:ln>
@@ -27573,7 +26431,7 @@
                     <a:ea typeface="+mn-ea"/>
                     <a:cs typeface="+mn-cs"/>
                   </a:rPr>
-                  <a:t>rendering can be used analogously with some of the indirect illumination techniques too and their results can be accumulated to the same I-buffer with a common second stage to be applied.</a:t>
+                  <a:t>rendering can be used analogously with most of the indirect illumination techniques too and their results can be accumulated to the same I-buffer with a common second stage to be applied.</a:t>
                 </a:r>
               </a:p>
             </p:txBody>
@@ -27596,8 +26454,8 @@
             </p:nvSpPr>
             <p:spPr>
               <a:xfrm>
-                <a:off x="4293441" y="957354"/>
-                <a:ext cx="7424201" cy="1863459"/>
+                <a:off x="3869141" y="884687"/>
+                <a:ext cx="7424201" cy="1957459"/>
               </a:xfrm>
               <a:prstGeom prst="rect">
                 <a:avLst/>
@@ -27605,7 +26463,7 @@
               <a:blipFill>
                 <a:blip r:embed="rId2"/>
                 <a:stretch>
-                  <a:fillRect l="-1232" t="-2614" r="-1314" b="-4248"/>
+                  <a:fillRect l="-1478" t="-2804" r="-1478" b="-4673"/>
                 </a:stretch>
               </a:blipFill>
             </p:spPr>
@@ -27641,7 +26499,7 @@
             <p:spPr>
               <a:xfrm>
                 <a:off x="550268" y="957354"/>
-                <a:ext cx="3210278" cy="2678747"/>
+                <a:ext cx="3210278" cy="2305311"/>
               </a:xfrm>
               <a:prstGeom prst="rect">
                 <a:avLst/>
@@ -27835,7 +26693,7 @@
                       <m:sSub>
                         <m:sSubPr>
                           <m:ctrlPr>
-                            <a:rPr lang="en-GB" sz="1000" i="1">
+                            <a:rPr lang="en-US" sz="1000" i="1">
                               <a:solidFill>
                                 <a:srgbClr val="836967"/>
                               </a:solidFill>
@@ -27848,7 +26706,7 @@
                             <m:rPr>
                               <m:sty m:val="p"/>
                             </m:rPr>
-                            <a:rPr lang="en-GB" sz="1000">
+                            <a:rPr lang="en-US" sz="1000">
                               <a:latin typeface="Cambria Math" panose="02040503050406030204" pitchFamily="18" charset="0"/>
                             </a:rPr>
                             <m:t>L</m:t>
@@ -27858,14 +26716,14 @@
                           <m:sSub>
                             <m:sSubPr>
                               <m:ctrlPr>
-                                <a:rPr lang="pl-PL" sz="1000" i="1">
+                                <a:rPr lang="en-US" sz="1000" i="1">
                                   <a:latin typeface="Cambria Math" panose="02040503050406030204" pitchFamily="18" charset="0"/>
                                 </a:rPr>
                               </m:ctrlPr>
                             </m:sSubPr>
                             <m:e>
                               <m:r>
-                                <a:rPr lang="pl-PL" sz="1000" i="1">
+                                <a:rPr lang="en-US" sz="1000" i="1">
                                   <a:latin typeface="Cambria Math" panose="02040503050406030204" pitchFamily="18" charset="0"/>
                                 </a:rPr>
                                 <m:t>𝑑</m:t>
@@ -27873,7 +26731,7 @@
                             </m:e>
                             <m:sub>
                               <m:r>
-                                <a:rPr lang="pl-PL" sz="1000" i="1">
+                                <a:rPr lang="en-US" sz="1000" i="1">
                                   <a:latin typeface="Cambria Math" panose="02040503050406030204" pitchFamily="18" charset="0"/>
                                 </a:rPr>
                                 <m:t>1</m:t>
@@ -27883,7 +26741,7 @@
                         </m:sub>
                       </m:sSub>
                       <m:r>
-                        <a:rPr lang="pl-PL" sz="1000" i="1">
+                        <a:rPr lang="en-US" sz="1000" i="1">
                           <a:latin typeface="Cambria Math" panose="02040503050406030204" pitchFamily="18" charset="0"/>
                         </a:rPr>
                         <m:t>=</m:t>
@@ -27893,7 +26751,10 @@
                           <m:chr m:val="∑"/>
                           <m:supHide m:val="on"/>
                           <m:ctrlPr>
-                            <a:rPr lang="en-GB" sz="1000" i="1">
+                            <a:rPr lang="en-US" sz="1000" i="1">
+                              <a:solidFill>
+                                <a:prstClr val="black"/>
+                              </a:solidFill>
                               <a:latin typeface="Cambria Math" panose="02040503050406030204" pitchFamily="18" charset="0"/>
                             </a:rPr>
                           </m:ctrlPr>
@@ -27903,7 +26764,10 @@
                             <m:rPr>
                               <m:brk m:alnAt="7"/>
                             </m:rPr>
-                            <a:rPr lang="pl-PL" sz="1000" i="1">
+                            <a:rPr lang="en-US" sz="1000" i="1">
+                              <a:solidFill>
+                                <a:prstClr val="black"/>
+                              </a:solidFill>
                               <a:latin typeface="Cambria Math" panose="02040503050406030204" pitchFamily="18" charset="0"/>
                             </a:rPr>
                             <m:t>𝑖</m:t>
@@ -27911,10 +26775,67 @@
                         </m:sub>
                         <m:sup/>
                         <m:e>
+                          <m:d>
+                            <m:dPr>
+                              <m:ctrlPr>
+                                <a:rPr lang="en-US" sz="1000" i="1">
+                                  <a:solidFill>
+                                    <a:prstClr val="black"/>
+                                  </a:solidFill>
+                                  <a:latin typeface="Cambria Math" panose="02040503050406030204" pitchFamily="18" charset="0"/>
+                                </a:rPr>
+                              </m:ctrlPr>
+                            </m:dPr>
+                            <m:e>
+                              <m:r>
+                                <a:rPr lang="en-US" sz="1000" i="1">
+                                  <a:solidFill>
+                                    <a:prstClr val="black"/>
+                                  </a:solidFill>
+                                  <a:latin typeface="Cambria Math" panose="02040503050406030204" pitchFamily="18" charset="0"/>
+                                </a:rPr>
+                                <m:t>1−</m:t>
+                              </m:r>
+                              <m:sSub>
+                                <m:sSubPr>
+                                  <m:ctrlPr>
+                                    <a:rPr lang="en-US" sz="1000" i="1">
+                                      <a:solidFill>
+                                        <a:prstClr val="black"/>
+                                      </a:solidFill>
+                                      <a:latin typeface="Cambria Math" panose="02040503050406030204" pitchFamily="18" charset="0"/>
+                                    </a:rPr>
+                                  </m:ctrlPr>
+                                </m:sSubPr>
+                                <m:e>
+                                  <m:r>
+                                    <a:rPr lang="en-US" sz="1000" i="1">
+                                      <a:solidFill>
+                                        <a:prstClr val="black"/>
+                                      </a:solidFill>
+                                      <a:latin typeface="Cambria Math" panose="02040503050406030204" pitchFamily="18" charset="0"/>
+                                    </a:rPr>
+                                    <m:t>𝑃</m:t>
+                                  </m:r>
+                                </m:e>
+                                <m:sub>
+                                  <m:r>
+                                    <a:rPr lang="en-US" sz="1000" i="1">
+                                      <a:solidFill>
+                                        <a:prstClr val="black"/>
+                                      </a:solidFill>
+                                      <a:latin typeface="Cambria Math" panose="02040503050406030204" pitchFamily="18" charset="0"/>
+                                    </a:rPr>
+                                    <m:t>𝑖</m:t>
+                                  </m:r>
+                                </m:sub>
+                              </m:sSub>
+                            </m:e>
+                          </m:d>
                           <m:sSub>
                             <m:sSubPr>
                               <m:ctrlPr>
-                                <a:rPr lang="en-GB" sz="1000" i="1">
+                                <a:rPr lang="en-US" sz="1000" i="1">
                                   <a:solidFill>
                                     <a:srgbClr val="836967"/>
                                   </a:solidFill>
@@ -27924,7 +26845,10 @@
                             </m:sSubPr>
                             <m:e>
                               <m:r>
-                                <a:rPr lang="en-GB" sz="1000" i="1">
+                                <a:rPr lang="en-US" sz="1000" i="1">
+                                  <a:solidFill>
+                                    <a:prstClr val="black"/>
+                                  </a:solidFill>
                                   <a:latin typeface="Cambria Math" panose="02040503050406030204" pitchFamily="18" charset="0"/>
                                 </a:rPr>
                                 <m:t>𝐿</m:t>
@@ -27932,7 +26856,10 @@
                             </m:e>
                             <m:sub>
                               <m:r>
-                                <a:rPr lang="en-GB" sz="1000" i="1">
+                                <a:rPr lang="en-US" sz="1000" i="1">
+                                  <a:solidFill>
+                                    <a:prstClr val="black"/>
+                                  </a:solidFill>
                                   <a:latin typeface="Cambria Math" panose="02040503050406030204" pitchFamily="18" charset="0"/>
                                 </a:rPr>
                                 <m:t>𝑖</m:t>
@@ -27942,20 +26869,29 @@
                           <m:d>
                             <m:dPr>
                               <m:ctrlPr>
-                                <a:rPr lang="pl-PL" sz="1000" i="1">
+                                <a:rPr lang="en-US" sz="1000" i="1">
+                                  <a:solidFill>
+                                    <a:prstClr val="black"/>
+                                  </a:solidFill>
                                   <a:latin typeface="Cambria Math" panose="02040503050406030204" pitchFamily="18" charset="0"/>
                                 </a:rPr>
                               </m:ctrlPr>
                             </m:dPr>
                             <m:e>
                               <m:r>
-                                <a:rPr lang="en-GB" sz="1000" i="1">
+                                <a:rPr lang="en-US" sz="1000" i="1">
+                                  <a:solidFill>
+                                    <a:prstClr val="black"/>
+                                  </a:solidFill>
                                   <a:latin typeface="Cambria Math" panose="02040503050406030204" pitchFamily="18" charset="0"/>
                                 </a:rPr>
                                 <m:t>𝑛</m:t>
                               </m:r>
                               <m:r>
-                                <a:rPr lang="en-GB" sz="1000" i="1">
+                                <a:rPr lang="en-US" sz="1000" i="1">
+                                  <a:solidFill>
+                                    <a:prstClr val="black"/>
+                                  </a:solidFill>
                                   <a:latin typeface="Cambria Math" panose="02040503050406030204" pitchFamily="18" charset="0"/>
                                   <a:ea typeface="Cambria Math" panose="02040503050406030204" pitchFamily="18" charset="0"/>
                                 </a:rPr>
@@ -27964,7 +26900,7 @@
                               <m:sSub>
                                 <m:sSubPr>
                                   <m:ctrlPr>
-                                    <a:rPr lang="en-GB" sz="1000" i="1">
+                                    <a:rPr lang="en-US" sz="1000" i="1">
                                       <a:solidFill>
                                         <a:srgbClr val="836967"/>
                                       </a:solidFill>
@@ -27974,7 +26910,10 @@
                                 </m:sSubPr>
                                 <m:e>
                                   <m:r>
-                                    <a:rPr lang="en-GB" sz="1000" i="1">
+                                    <a:rPr lang="en-US" sz="1000" i="1">
+                                      <a:solidFill>
+                                        <a:prstClr val="black"/>
+                                      </a:solidFill>
                                       <a:latin typeface="Cambria Math" panose="02040503050406030204" pitchFamily="18" charset="0"/>
                                     </a:rPr>
                                     <m:t>𝜔</m:t>
@@ -27982,7 +26921,10 @@
                                 </m:e>
                                 <m:sub>
                                   <m:r>
-                                    <a:rPr lang="en-GB" sz="1000" i="1">
+                                    <a:rPr lang="en-US" sz="1000" i="1">
+                                      <a:solidFill>
+                                        <a:prstClr val="black"/>
+                                      </a:solidFill>
                                       <a:latin typeface="Cambria Math" panose="02040503050406030204" pitchFamily="18" charset="0"/>
                                     </a:rPr>
                                     <m:t>𝑖</m:t>
@@ -27998,7 +26940,7 @@
                       <m:sSub>
                         <m:sSubPr>
                           <m:ctrlPr>
-                            <a:rPr lang="en-GB" sz="1000" i="1">
+                            <a:rPr lang="en-US" sz="1000" i="1">
                               <a:solidFill>
                                 <a:srgbClr val="836967"/>
                               </a:solidFill>
@@ -28011,7 +26953,10 @@
                             <m:rPr>
                               <m:sty m:val="p"/>
                             </m:rPr>
-                            <a:rPr lang="en-GB" sz="1000">
+                            <a:rPr lang="en-US" sz="1000">
+                              <a:solidFill>
+                                <a:prstClr val="black"/>
+                              </a:solidFill>
                               <a:latin typeface="Cambria Math" panose="02040503050406030204" pitchFamily="18" charset="0"/>
                             </a:rPr>
                             <m:t>L</m:t>
@@ -28021,217 +26966,17 @@
                           <m:sSub>
                             <m:sSubPr>
                               <m:ctrlPr>
-                                <a:rPr lang="pl-PL" sz="1000" i="1">
+                                <a:rPr lang="en-US" sz="1000" i="1">
+                                  <a:solidFill>
+                                    <a:prstClr val="black"/>
+                                  </a:solidFill>
                                   <a:latin typeface="Cambria Math" panose="02040503050406030204" pitchFamily="18" charset="0"/>
                                 </a:rPr>
                               </m:ctrlPr>
                             </m:sSubPr>
                             <m:e>
                               <m:r>
-                                <a:rPr lang="pl-PL" sz="1000" i="1">
-                                  <a:latin typeface="Cambria Math" panose="02040503050406030204" pitchFamily="18" charset="0"/>
-                                </a:rPr>
-                                <m:t>𝑑</m:t>
-                              </m:r>
-                            </m:e>
-                            <m:sub>
-                              <m:r>
-                                <a:rPr lang="pl-PL" sz="1000" i="1">
-                                  <a:latin typeface="Cambria Math" panose="02040503050406030204" pitchFamily="18" charset="0"/>
-                                </a:rPr>
-                                <m:t>2</m:t>
-                              </m:r>
-                            </m:sub>
-                          </m:sSub>
-                        </m:sub>
-                      </m:sSub>
-                      <m:r>
-                        <a:rPr lang="pl-PL" sz="1000" i="1">
-                          <a:latin typeface="Cambria Math" panose="02040503050406030204" pitchFamily="18" charset="0"/>
-                        </a:rPr>
-                        <m:t>=</m:t>
-                      </m:r>
-                      <m:nary>
-                        <m:naryPr>
-                          <m:chr m:val="∑"/>
-                          <m:supHide m:val="on"/>
-                          <m:ctrlPr>
-                            <a:rPr lang="en-GB" sz="1000" i="1">
-                              <a:latin typeface="Cambria Math" panose="02040503050406030204" pitchFamily="18" charset="0"/>
-                            </a:rPr>
-                          </m:ctrlPr>
-                        </m:naryPr>
-                        <m:sub>
-                          <m:r>
-                            <m:rPr>
-                              <m:brk m:alnAt="7"/>
-                            </m:rPr>
-                            <a:rPr lang="pl-PL" sz="1000" i="1">
-                              <a:latin typeface="Cambria Math" panose="02040503050406030204" pitchFamily="18" charset="0"/>
-                            </a:rPr>
-                            <m:t>𝑖</m:t>
-                          </m:r>
-                        </m:sub>
-                        <m:sup/>
-                        <m:e>
-                          <m:sSub>
-                            <m:sSubPr>
-                              <m:ctrlPr>
-                                <a:rPr lang="pl-PL" sz="1000" i="1">
-                                  <a:solidFill>
-                                    <a:prstClr val="black"/>
-                                  </a:solidFill>
-                                  <a:latin typeface="Cambria Math" panose="02040503050406030204" pitchFamily="18" charset="0"/>
-                                </a:rPr>
-                              </m:ctrlPr>
-                            </m:sSubPr>
-                            <m:e>
-                              <m:r>
-                                <a:rPr lang="pl-PL" sz="1000" i="1">
-                                  <a:solidFill>
-                                    <a:prstClr val="black"/>
-                                  </a:solidFill>
-                                  <a:latin typeface="Cambria Math" panose="02040503050406030204" pitchFamily="18" charset="0"/>
-                                </a:rPr>
-                                <m:t>𝑃</m:t>
-                              </m:r>
-                            </m:e>
-                            <m:sub>
-                              <m:r>
-                                <a:rPr lang="pl-PL" sz="1000" i="1">
-                                  <a:solidFill>
-                                    <a:prstClr val="black"/>
-                                  </a:solidFill>
-                                  <a:latin typeface="Cambria Math" panose="02040503050406030204" pitchFamily="18" charset="0"/>
-                                </a:rPr>
-                                <m:t>𝑖</m:t>
-                              </m:r>
-                            </m:sub>
-                          </m:sSub>
-                          <m:sSub>
-                            <m:sSubPr>
-                              <m:ctrlPr>
-                                <a:rPr lang="en-GB" sz="1000" i="1">
-                                  <a:solidFill>
-                                    <a:srgbClr val="836967"/>
-                                  </a:solidFill>
-                                  <a:latin typeface="Cambria Math" panose="02040503050406030204" pitchFamily="18" charset="0"/>
-                                </a:rPr>
-                              </m:ctrlPr>
-                            </m:sSubPr>
-                            <m:e>
-                              <m:r>
-                                <a:rPr lang="en-GB" sz="1000" i="1">
-                                  <a:latin typeface="Cambria Math" panose="02040503050406030204" pitchFamily="18" charset="0"/>
-                                </a:rPr>
-                                <m:t>𝐿</m:t>
-                              </m:r>
-                            </m:e>
-                            <m:sub>
-                              <m:r>
-                                <a:rPr lang="en-GB" sz="1000" i="1">
-                                  <a:latin typeface="Cambria Math" panose="02040503050406030204" pitchFamily="18" charset="0"/>
-                                </a:rPr>
-                                <m:t>𝑖</m:t>
-                              </m:r>
-                            </m:sub>
-                          </m:sSub>
-                          <m:d>
-                            <m:dPr>
-                              <m:ctrlPr>
-                                <a:rPr lang="pl-PL" sz="1000" i="1">
-                                  <a:latin typeface="Cambria Math" panose="02040503050406030204" pitchFamily="18" charset="0"/>
-                                </a:rPr>
-                              </m:ctrlPr>
-                            </m:dPr>
-                            <m:e>
-                              <m:r>
-                                <a:rPr lang="en-GB" sz="1000" i="1">
-                                  <a:latin typeface="Cambria Math" panose="02040503050406030204" pitchFamily="18" charset="0"/>
-                                </a:rPr>
-                                <m:t>𝑛</m:t>
-                              </m:r>
-                              <m:r>
-                                <a:rPr lang="en-GB" sz="1000" i="1">
-                                  <a:latin typeface="Cambria Math" panose="02040503050406030204" pitchFamily="18" charset="0"/>
-                                  <a:ea typeface="Cambria Math" panose="02040503050406030204" pitchFamily="18" charset="0"/>
-                                </a:rPr>
-                                <m:t>∙</m:t>
-                              </m:r>
-                              <m:sSub>
-                                <m:sSubPr>
-                                  <m:ctrlPr>
-                                    <a:rPr lang="en-GB" sz="1000" i="1">
-                                      <a:solidFill>
-                                        <a:srgbClr val="836967"/>
-                                      </a:solidFill>
-                                      <a:latin typeface="Cambria Math" panose="02040503050406030204" pitchFamily="18" charset="0"/>
-                                    </a:rPr>
-                                  </m:ctrlPr>
-                                </m:sSubPr>
-                                <m:e>
-                                  <m:r>
-                                    <a:rPr lang="en-GB" sz="1000" i="1">
-                                      <a:latin typeface="Cambria Math" panose="02040503050406030204" pitchFamily="18" charset="0"/>
-                                    </a:rPr>
-                                    <m:t>𝜔</m:t>
-                                  </m:r>
-                                </m:e>
-                                <m:sub>
-                                  <m:r>
-                                    <a:rPr lang="en-GB" sz="1000" i="1">
-                                      <a:latin typeface="Cambria Math" panose="02040503050406030204" pitchFamily="18" charset="0"/>
-                                    </a:rPr>
-                                    <m:t>𝑖</m:t>
-                                  </m:r>
-                                </m:sub>
-                              </m:sSub>
-                            </m:e>
-                          </m:d>
-                        </m:e>
-                      </m:nary>
-                    </m:oMath>
-                    <m:oMath xmlns:m="http://schemas.openxmlformats.org/officeDocument/2006/math">
-                      <m:sSub>
-                        <m:sSubPr>
-                          <m:ctrlPr>
-                            <a:rPr lang="en-GB" sz="1000" i="1">
-                              <a:solidFill>
-                                <a:srgbClr val="836967"/>
-                              </a:solidFill>
-                              <a:latin typeface="Cambria Math" panose="02040503050406030204" pitchFamily="18" charset="0"/>
-                            </a:rPr>
-                          </m:ctrlPr>
-                        </m:sSubPr>
-                        <m:e>
-                          <m:r>
-                            <m:rPr>
-                              <m:sty m:val="p"/>
-                            </m:rPr>
-                            <a:rPr lang="en-GB" sz="1000">
-                              <a:solidFill>
-                                <a:prstClr val="black"/>
-                              </a:solidFill>
-                              <a:latin typeface="Cambria Math" panose="02040503050406030204" pitchFamily="18" charset="0"/>
-                            </a:rPr>
-                            <m:t>L</m:t>
-                          </m:r>
-                        </m:e>
-                        <m:sub>
-                          <m:sSub>
-                            <m:sSubPr>
-                              <m:ctrlPr>
-                                <a:rPr lang="en-GB" sz="1000" i="1">
-                                  <a:solidFill>
-                                    <a:prstClr val="black"/>
-                                  </a:solidFill>
-                                  <a:latin typeface="Cambria Math" panose="02040503050406030204" pitchFamily="18" charset="0"/>
-                                </a:rPr>
-                              </m:ctrlPr>
-                            </m:sSubPr>
-                            <m:e>
-                              <m:r>
-                                <a:rPr lang="pl-PL" sz="1000" i="1">
+                                <a:rPr lang="en-US" sz="1000" i="1">
                                   <a:solidFill>
                                     <a:prstClr val="black"/>
                                   </a:solidFill>
@@ -28242,7 +26987,7 @@
                             </m:e>
                             <m:sub>
                               <m:r>
-                                <a:rPr lang="pl-PL" sz="1000" i="1">
+                                <a:rPr lang="en-US" sz="1000" i="1">
                                   <a:solidFill>
                                     <a:prstClr val="black"/>
                                   </a:solidFill>
@@ -28255,7 +27000,7 @@
                         </m:sub>
                       </m:sSub>
                       <m:r>
-                        <a:rPr lang="pl-PL" sz="1000" i="1">
+                        <a:rPr lang="en-US" sz="1000" i="1">
                           <a:solidFill>
                             <a:prstClr val="black"/>
                           </a:solidFill>
@@ -28268,7 +27013,7 @@
                           <m:chr m:val="∑"/>
                           <m:supHide m:val="on"/>
                           <m:ctrlPr>
-                            <a:rPr lang="en-GB" sz="1000" i="1">
+                            <a:rPr lang="en-US" sz="1000" i="1">
                               <a:latin typeface="Cambria Math" panose="02040503050406030204" pitchFamily="18" charset="0"/>
                             </a:rPr>
                           </m:ctrlPr>
@@ -28278,7 +27023,7 @@
                             <m:rPr>
                               <m:brk m:alnAt="7"/>
                             </m:rPr>
-                            <a:rPr lang="pl-PL" sz="1000" i="1">
+                            <a:rPr lang="en-US" sz="1000" i="1">
                               <a:latin typeface="Cambria Math" panose="02040503050406030204" pitchFamily="18" charset="0"/>
                             </a:rPr>
                             <m:t>𝑖</m:t>
@@ -28287,7 +27032,7 @@
                         <m:sup/>
                         <m:e>
                           <m:r>
-                            <a:rPr lang="en-GB" sz="1000" i="1">
+                            <a:rPr lang="en-US" sz="1000" i="1">
                               <a:latin typeface="Cambria Math" panose="02040503050406030204" pitchFamily="18" charset="0"/>
                             </a:rPr>
                             <m:t>𝐷𝐺</m:t>
@@ -28295,7 +27040,7 @@
                           <m:sSub>
                             <m:sSubPr>
                               <m:ctrlPr>
-                                <a:rPr lang="en-GB" sz="1000" i="1">
+                                <a:rPr lang="en-US" sz="1000" i="1">
                                   <a:solidFill>
                                     <a:srgbClr val="836967"/>
                                   </a:solidFill>
@@ -28305,7 +27050,7 @@
                             </m:sSubPr>
                             <m:e>
                               <m:r>
-                                <a:rPr lang="en-GB" sz="1000" i="1">
+                                <a:rPr lang="en-US" sz="1000" i="1">
                                   <a:latin typeface="Cambria Math" panose="02040503050406030204" pitchFamily="18" charset="0"/>
                                 </a:rPr>
                                 <m:t>𝐿</m:t>
@@ -28313,7 +27058,7 @@
                             </m:e>
                             <m:sub>
                               <m:r>
-                                <a:rPr lang="en-GB" sz="1000" i="1">
+                                <a:rPr lang="en-US" sz="1000" i="1">
                                   <a:latin typeface="Cambria Math" panose="02040503050406030204" pitchFamily="18" charset="0"/>
                                 </a:rPr>
                                 <m:t>𝑖</m:t>
@@ -28327,7 +27072,7 @@
                       <m:sSub>
                         <m:sSubPr>
                           <m:ctrlPr>
-                            <a:rPr lang="en-GB" sz="1000" i="1">
+                            <a:rPr lang="en-US" sz="1000" i="1">
                               <a:solidFill>
                                 <a:srgbClr val="836967"/>
                               </a:solidFill>
@@ -28340,7 +27085,7 @@
                             <m:rPr>
                               <m:sty m:val="p"/>
                             </m:rPr>
-                            <a:rPr lang="en-GB" sz="1000">
+                            <a:rPr lang="en-US" sz="1000">
                               <a:solidFill>
                                 <a:prstClr val="black"/>
                               </a:solidFill>
@@ -28353,7 +27098,7 @@
                           <m:sSub>
                             <m:sSubPr>
                               <m:ctrlPr>
-                                <a:rPr lang="en-GB" sz="1000" i="1">
+                                <a:rPr lang="en-US" sz="1000" i="1">
                                   <a:solidFill>
                                     <a:prstClr val="black"/>
                                   </a:solidFill>
@@ -28363,7 +27108,7 @@
                             </m:sSubPr>
                             <m:e>
                               <m:r>
-                                <a:rPr lang="pl-PL" sz="1000" i="1">
+                                <a:rPr lang="en-US" sz="1000" i="1">
                                   <a:solidFill>
                                     <a:prstClr val="black"/>
                                   </a:solidFill>
@@ -28374,7 +27119,7 @@
                             </m:e>
                             <m:sub>
                               <m:r>
-                                <a:rPr lang="pl-PL" sz="1000" i="1">
+                                <a:rPr lang="en-US" sz="1000" i="1">
                                   <a:solidFill>
                                     <a:prstClr val="black"/>
                                   </a:solidFill>
@@ -28387,7 +27132,7 @@
                         </m:sub>
                       </m:sSub>
                       <m:r>
-                        <a:rPr lang="pl-PL" sz="1000" i="1">
+                        <a:rPr lang="en-US" sz="1000" i="1">
                           <a:solidFill>
                             <a:prstClr val="black"/>
                           </a:solidFill>
@@ -28400,7 +27145,7 @@
                           <m:chr m:val="∑"/>
                           <m:supHide m:val="on"/>
                           <m:ctrlPr>
-                            <a:rPr lang="en-GB" sz="1000" i="1">
+                            <a:rPr lang="en-US" sz="1000" i="1">
                               <a:latin typeface="Cambria Math" panose="02040503050406030204" pitchFamily="18" charset="0"/>
                             </a:rPr>
                           </m:ctrlPr>
@@ -28410,7 +27155,7 @@
                             <m:rPr>
                               <m:brk m:alnAt="7"/>
                             </m:rPr>
-                            <a:rPr lang="pl-PL" sz="1000" i="1">
+                            <a:rPr lang="en-US" sz="1000" i="1">
                               <a:latin typeface="Cambria Math" panose="02040503050406030204" pitchFamily="18" charset="0"/>
                             </a:rPr>
                             <m:t>𝑖</m:t>
@@ -28419,7 +27164,7 @@
                         <m:sup/>
                         <m:e>
                           <m:r>
-                            <a:rPr lang="en-GB" sz="1000" i="1">
+                            <a:rPr lang="en-US" sz="1000" i="1">
                               <a:latin typeface="Cambria Math" panose="02040503050406030204" pitchFamily="18" charset="0"/>
                             </a:rPr>
                             <m:t>𝐷𝐺</m:t>
@@ -28427,7 +27172,7 @@
                           <m:sSub>
                             <m:sSubPr>
                               <m:ctrlPr>
-                                <a:rPr lang="en-GB" sz="1000" i="1">
+                                <a:rPr lang="en-US" sz="1000" i="1">
                                   <a:solidFill>
                                     <a:srgbClr val="836967"/>
                                   </a:solidFill>
@@ -28437,7 +27182,7 @@
                             </m:sSubPr>
                             <m:e>
                               <m:r>
-                                <a:rPr lang="en-GB" sz="1000" i="1">
+                                <a:rPr lang="en-US" sz="1000" i="1">
                                   <a:latin typeface="Cambria Math" panose="02040503050406030204" pitchFamily="18" charset="0"/>
                                 </a:rPr>
                                 <m:t>𝐿</m:t>
@@ -28445,7 +27190,7 @@
                             </m:e>
                             <m:sub>
                               <m:r>
-                                <a:rPr lang="en-GB" sz="1000" i="1">
+                                <a:rPr lang="en-US" sz="1000" i="1">
                                   <a:latin typeface="Cambria Math" panose="02040503050406030204" pitchFamily="18" charset="0"/>
                                 </a:rPr>
                                 <m:t>𝑖</m:t>
@@ -28455,7 +27200,7 @@
                           <m:sSub>
                             <m:sSubPr>
                               <m:ctrlPr>
-                                <a:rPr lang="pl-PL" sz="1000" i="1">
+                                <a:rPr lang="en-US" sz="1000" i="1">
                                   <a:solidFill>
                                     <a:prstClr val="black"/>
                                   </a:solidFill>
@@ -28465,7 +27210,7 @@
                             </m:sSubPr>
                             <m:e>
                               <m:r>
-                                <a:rPr lang="pl-PL" sz="1000" i="1">
+                                <a:rPr lang="en-US" sz="1000" i="1">
                                   <a:solidFill>
                                     <a:prstClr val="black"/>
                                   </a:solidFill>
@@ -28476,7 +27221,7 @@
                             </m:e>
                             <m:sub>
                               <m:r>
-                                <a:rPr lang="pl-PL" sz="1000" i="1">
+                                <a:rPr lang="en-US" sz="1000" i="1">
                                   <a:solidFill>
                                     <a:prstClr val="black"/>
                                   </a:solidFill>
@@ -28492,7 +27237,7 @@
                   </m:oMathPara>
                 </a14:m>
                 <a:br>
-                  <a:rPr lang="pl-PL" sz="1000" i="1" dirty="0">
+                  <a:rPr lang="en-US" sz="1000" i="1" dirty="0">
                     <a:solidFill>
                       <a:prstClr val="black"/>
                     </a:solidFill>
@@ -28500,7 +27245,7 @@
                   </a:rPr>
                 </a:br>
                 <a:br>
-                  <a:rPr lang="en-GB" sz="1000" i="1" dirty="0">
+                  <a:rPr lang="en-US" sz="1000" i="1" dirty="0">
                     <a:latin typeface="Cambria Math" panose="02040503050406030204" pitchFamily="18" charset="0"/>
                   </a:rPr>
                 </a:br>
@@ -28513,7 +27258,7 @@
                       <m:sSub>
                         <m:sSubPr>
                           <m:ctrlPr>
-                            <a:rPr lang="en-GB" sz="1000" i="1">
+                            <a:rPr lang="en-US" sz="1000" i="1">
                               <a:solidFill>
                                 <a:srgbClr val="836967"/>
                               </a:solidFill>
@@ -28526,7 +27271,7 @@
                             <m:rPr>
                               <m:sty m:val="p"/>
                             </m:rPr>
-                            <a:rPr lang="en-GB" sz="1000">
+                            <a:rPr lang="en-US" sz="1000">
                               <a:latin typeface="Cambria Math" panose="02040503050406030204" pitchFamily="18" charset="0"/>
                             </a:rPr>
                             <m:t>L</m:t>
@@ -28534,7 +27279,7 @@
                         </m:e>
                         <m:sub>
                           <m:r>
-                            <a:rPr lang="pl-PL" sz="1000" i="1">
+                            <a:rPr lang="en-US" sz="1000" i="1">
                               <a:latin typeface="Cambria Math" panose="02040503050406030204" pitchFamily="18" charset="0"/>
                             </a:rPr>
                             <m:t>𝑑</m:t>
@@ -28544,7 +27289,7 @@
                       <m:d>
                         <m:dPr>
                           <m:ctrlPr>
-                            <a:rPr lang="en-GB" sz="1000" i="1">
+                            <a:rPr lang="en-US" sz="1000" i="1">
                               <a:solidFill>
                                 <a:srgbClr val="836967"/>
                               </a:solidFill>
@@ -28557,13 +27302,13 @@
                             <m:rPr>
                               <m:sty m:val="p"/>
                             </m:rPr>
-                            <a:rPr lang="en-GB" sz="1000">
+                            <a:rPr lang="en-US" sz="1000">
                               <a:latin typeface="Cambria Math" panose="02040503050406030204" pitchFamily="18" charset="0"/>
                             </a:rPr>
                             <m:t>p</m:t>
                           </m:r>
                           <m:r>
-                            <a:rPr lang="en-GB" sz="1000">
+                            <a:rPr lang="en-US" sz="1000">
                               <a:latin typeface="Cambria Math" panose="02040503050406030204" pitchFamily="18" charset="0"/>
                             </a:rPr>
                             <m:t>, </m:t>
@@ -28571,7 +27316,7 @@
                           <m:sSub>
                             <m:sSubPr>
                               <m:ctrlPr>
-                                <a:rPr lang="en-GB" sz="1000" i="1">
+                                <a:rPr lang="en-US" sz="1000" i="1">
                                   <a:solidFill>
                                     <a:srgbClr val="836967"/>
                                   </a:solidFill>
@@ -28584,7 +27329,7 @@
                                 <m:rPr>
                                   <m:sty m:val="p"/>
                                 </m:rPr>
-                                <a:rPr lang="en-GB" sz="1000">
+                                <a:rPr lang="en-US" sz="1000">
                                   <a:latin typeface="Cambria Math" panose="02040503050406030204" pitchFamily="18" charset="0"/>
                                 </a:rPr>
                                 <m:t>ω</m:t>
@@ -28592,7 +27337,7 @@
                             </m:e>
                             <m:sub>
                               <m:r>
-                                <a:rPr lang="en-GB" sz="1000" i="1">
+                                <a:rPr lang="en-US" sz="1000" i="1">
                                   <a:latin typeface="Cambria Math" panose="02040503050406030204" pitchFamily="18" charset="0"/>
                                 </a:rPr>
                                 <m:t>𝑜</m:t>
@@ -28602,10 +27347,7 @@
                         </m:e>
                       </m:d>
                       <m:r>
-                        <a:rPr lang="pl-PL" sz="1000" i="1">
-                          <a:solidFill>
-                            <a:prstClr val="black"/>
-                          </a:solidFill>
+                        <a:rPr lang="en-US" sz="1000" i="1">
                           <a:latin typeface="Cambria Math" panose="02040503050406030204" pitchFamily="18" charset="0"/>
                           <a:ea typeface="Cambria Math" panose="02040503050406030204" pitchFamily="18" charset="0"/>
                         </a:rPr>
@@ -28614,20 +27356,29 @@
                       <m:d>
                         <m:dPr>
                           <m:ctrlPr>
-                            <a:rPr lang="pl-PL" sz="1000" i="1">
+                            <a:rPr lang="en-US" sz="1000" i="1">
+                              <a:solidFill>
+                                <a:prstClr val="black"/>
+                              </a:solidFill>
                               <a:latin typeface="Cambria Math" panose="02040503050406030204" pitchFamily="18" charset="0"/>
                             </a:rPr>
                           </m:ctrlPr>
                         </m:dPr>
                         <m:e>
                           <m:r>
-                            <a:rPr lang="pl-PL" sz="1000" i="1">
+                            <a:rPr lang="en-US" sz="1000" i="1">
+                              <a:solidFill>
+                                <a:prstClr val="black"/>
+                              </a:solidFill>
                               <a:latin typeface="Cambria Math" panose="02040503050406030204" pitchFamily="18" charset="0"/>
                             </a:rPr>
                             <m:t>1−</m:t>
                           </m:r>
                           <m:r>
-                            <a:rPr lang="pl-PL" sz="1000" i="1">
+                            <a:rPr lang="en-US" sz="1000" i="1">
+                              <a:solidFill>
+                                <a:prstClr val="black"/>
+                              </a:solidFill>
                               <a:latin typeface="Cambria Math" panose="02040503050406030204" pitchFamily="18" charset="0"/>
                             </a:rPr>
                             <m:t>𝑚</m:t>
@@ -28637,14 +27388,20 @@
                       <m:f>
                         <m:fPr>
                           <m:ctrlPr>
-                            <a:rPr lang="en-GB" sz="1000" i="1">
+                            <a:rPr lang="en-US" sz="1000" i="1">
+                              <a:solidFill>
+                                <a:prstClr val="black"/>
+                              </a:solidFill>
                               <a:latin typeface="Cambria Math" panose="02040503050406030204" pitchFamily="18" charset="0"/>
                             </a:rPr>
                           </m:ctrlPr>
                         </m:fPr>
                         <m:num>
                           <m:r>
-                            <a:rPr lang="pl-PL" sz="1000" i="1">
+                            <a:rPr lang="en-US" sz="1000" i="1">
+                              <a:solidFill>
+                                <a:prstClr val="black"/>
+                              </a:solidFill>
                               <a:latin typeface="Cambria Math" panose="02040503050406030204" pitchFamily="18" charset="0"/>
                             </a:rPr>
                             <m:t>𝑐</m:t>
@@ -28652,7 +27409,10 @@
                         </m:num>
                         <m:den>
                           <m:r>
-                            <a:rPr lang="en-GB" sz="1000" i="1">
+                            <a:rPr lang="en-US" sz="1000" i="1">
+                              <a:solidFill>
+                                <a:prstClr val="black"/>
+                              </a:solidFill>
                               <a:latin typeface="Cambria Math" panose="02040503050406030204" pitchFamily="18" charset="0"/>
                               <a:ea typeface="Cambria Math" panose="02040503050406030204" pitchFamily="18" charset="0"/>
                             </a:rPr>
@@ -28663,68 +27423,186 @@
                       <m:d>
                         <m:dPr>
                           <m:ctrlPr>
-                            <a:rPr lang="en-GB" sz="1000" i="1">
-                              <a:latin typeface="Cambria Math" panose="02040503050406030204" pitchFamily="18" charset="0"/>
-                              <a:ea typeface="Cambria Math" panose="02040503050406030204" pitchFamily="18" charset="0"/>
+                            <a:rPr lang="en-US" sz="1000" i="1">
+                              <a:solidFill>
+                                <a:prstClr val="black"/>
+                              </a:solidFill>
+                              <a:latin typeface="Cambria Math" panose="02040503050406030204" pitchFamily="18" charset="0"/>
                             </a:rPr>
                           </m:ctrlPr>
                         </m:dPr>
                         <m:e>
-                          <m:d>
-                            <m:dPr>
-                              <m:ctrlPr>
-                                <a:rPr lang="pl-PL" sz="1000" i="1">
-                                  <a:latin typeface="Cambria Math" panose="02040503050406030204" pitchFamily="18" charset="0"/>
-                                </a:rPr>
-                              </m:ctrlPr>
-                            </m:dPr>
-                            <m:e>
-                              <m:r>
-                                <a:rPr lang="pl-PL" sz="1000" i="1">
-                                  <a:latin typeface="Cambria Math" panose="02040503050406030204" pitchFamily="18" charset="0"/>
-                                </a:rPr>
-                                <m:t>1−</m:t>
-                              </m:r>
-                              <m:sSub>
-                                <m:sSubPr>
-                                  <m:ctrlPr>
-                                    <a:rPr lang="pl-PL" sz="1000" i="1">
-                                      <a:solidFill>
-                                        <a:prstClr val="black"/>
-                                      </a:solidFill>
-                                      <a:latin typeface="Cambria Math" panose="02040503050406030204" pitchFamily="18" charset="0"/>
-                                    </a:rPr>
-                                  </m:ctrlPr>
-                                </m:sSubPr>
-                                <m:e>
-                                  <m:r>
-                                    <a:rPr lang="pl-PL" sz="1000" i="1">
-                                      <a:solidFill>
-                                        <a:prstClr val="black"/>
-                                      </a:solidFill>
-                                      <a:latin typeface="Cambria Math" panose="02040503050406030204" pitchFamily="18" charset="0"/>
-                                    </a:rPr>
-                                    <m:t>𝐹</m:t>
-                                  </m:r>
-                                </m:e>
-                                <m:sub>
-                                  <m:r>
-                                    <a:rPr lang="pl-PL" sz="1000" i="1">
-                                      <a:solidFill>
-                                        <a:prstClr val="black"/>
-                                      </a:solidFill>
-                                      <a:latin typeface="Cambria Math" panose="02040503050406030204" pitchFamily="18" charset="0"/>
-                                    </a:rPr>
-                                    <m:t>0</m:t>
-                                  </m:r>
-                                </m:sub>
-                              </m:sSub>
-                            </m:e>
-                          </m:d>
+                          <m:r>
+                            <a:rPr lang="en-US" sz="1000" i="1">
+                              <a:solidFill>
+                                <a:prstClr val="black"/>
+                              </a:solidFill>
+                              <a:latin typeface="Cambria Math" panose="02040503050406030204" pitchFamily="18" charset="0"/>
+                            </a:rPr>
+                            <m:t>1−</m:t>
+                          </m:r>
                           <m:sSub>
                             <m:sSubPr>
                               <m:ctrlPr>
-                                <a:rPr lang="en-GB" sz="1000" i="1">
+                                <a:rPr lang="en-US" sz="1000" i="1">
+                                  <a:solidFill>
+                                    <a:prstClr val="black"/>
+                                  </a:solidFill>
+                                  <a:latin typeface="Cambria Math" panose="02040503050406030204" pitchFamily="18" charset="0"/>
+                                </a:rPr>
+                              </m:ctrlPr>
+                            </m:sSubPr>
+                            <m:e>
+                              <m:r>
+                                <a:rPr lang="en-US" sz="1000" i="1">
+                                  <a:solidFill>
+                                    <a:prstClr val="black"/>
+                                  </a:solidFill>
+                                  <a:latin typeface="Cambria Math" panose="02040503050406030204" pitchFamily="18" charset="0"/>
+                                </a:rPr>
+                                <m:t>𝐹</m:t>
+                              </m:r>
+                            </m:e>
+                            <m:sub>
+                              <m:r>
+                                <a:rPr lang="en-US" sz="1000" i="1">
+                                  <a:solidFill>
+                                    <a:prstClr val="black"/>
+                                  </a:solidFill>
+                                  <a:latin typeface="Cambria Math" panose="02040503050406030204" pitchFamily="18" charset="0"/>
+                                </a:rPr>
+                                <m:t>0</m:t>
+                              </m:r>
+                            </m:sub>
+                          </m:sSub>
+                        </m:e>
+                      </m:d>
+                      <m:sSub>
+                        <m:sSubPr>
+                          <m:ctrlPr>
+                            <a:rPr lang="en-US" sz="1000" i="1">
+                              <a:solidFill>
+                                <a:srgbClr val="836967"/>
+                              </a:solidFill>
+                              <a:latin typeface="Cambria Math" panose="02040503050406030204" pitchFamily="18" charset="0"/>
+                            </a:rPr>
+                          </m:ctrlPr>
+                        </m:sSubPr>
+                        <m:e>
+                          <m:r>
+                            <m:rPr>
+                              <m:sty m:val="p"/>
+                            </m:rPr>
+                            <a:rPr lang="en-US" sz="1000">
+                              <a:latin typeface="Cambria Math" panose="02040503050406030204" pitchFamily="18" charset="0"/>
+                            </a:rPr>
+                            <m:t>L</m:t>
+                          </m:r>
+                        </m:e>
+                        <m:sub>
+                          <m:sSub>
+                            <m:sSubPr>
+                              <m:ctrlPr>
+                                <a:rPr lang="en-US" sz="1000" i="1">
+                                  <a:latin typeface="Cambria Math" panose="02040503050406030204" pitchFamily="18" charset="0"/>
+                                </a:rPr>
+                              </m:ctrlPr>
+                            </m:sSubPr>
+                            <m:e>
+                              <m:r>
+                                <a:rPr lang="en-US" sz="1000" i="1">
+                                  <a:latin typeface="Cambria Math" panose="02040503050406030204" pitchFamily="18" charset="0"/>
+                                </a:rPr>
+                                <m:t>𝑑</m:t>
+                              </m:r>
+                            </m:e>
+                            <m:sub>
+                              <m:r>
+                                <a:rPr lang="en-US" sz="1000" i="1">
+                                  <a:latin typeface="Cambria Math" panose="02040503050406030204" pitchFamily="18" charset="0"/>
+                                </a:rPr>
+                                <m:t>1</m:t>
+                              </m:r>
+                            </m:sub>
+                          </m:sSub>
+                        </m:sub>
+                      </m:sSub>
+                    </m:oMath>
+                    <m:oMath xmlns:m="http://schemas.openxmlformats.org/officeDocument/2006/math">
+                      <m:sSub>
+                        <m:sSubPr>
+                          <m:ctrlPr>
+                            <a:rPr lang="en-US" sz="1000" i="1">
+                              <a:solidFill>
+                                <a:srgbClr val="836967"/>
+                              </a:solidFill>
+                              <a:latin typeface="Cambria Math" panose="02040503050406030204" pitchFamily="18" charset="0"/>
+                            </a:rPr>
+                          </m:ctrlPr>
+                        </m:sSubPr>
+                        <m:e>
+                          <m:r>
+                            <m:rPr>
+                              <m:sty m:val="p"/>
+                            </m:rPr>
+                            <a:rPr lang="en-US" sz="1000">
+                              <a:solidFill>
+                                <a:prstClr val="black"/>
+                              </a:solidFill>
+                              <a:latin typeface="Cambria Math" panose="02040503050406030204" pitchFamily="18" charset="0"/>
+                            </a:rPr>
+                            <m:t>L</m:t>
+                          </m:r>
+                        </m:e>
+                        <m:sub>
+                          <m:r>
+                            <a:rPr lang="en-US" sz="1000" i="1">
+                              <a:solidFill>
+                                <a:prstClr val="black"/>
+                              </a:solidFill>
+                              <a:latin typeface="Cambria Math" panose="02040503050406030204" pitchFamily="18" charset="0"/>
+                            </a:rPr>
+                            <m:t>𝑠</m:t>
+                          </m:r>
+                        </m:sub>
+                      </m:sSub>
+                      <m:d>
+                        <m:dPr>
+                          <m:ctrlPr>
+                            <a:rPr lang="en-US" sz="1000" i="1">
+                              <a:solidFill>
+                                <a:srgbClr val="836967"/>
+                              </a:solidFill>
+                              <a:latin typeface="Cambria Math" panose="02040503050406030204" pitchFamily="18" charset="0"/>
+                            </a:rPr>
+                          </m:ctrlPr>
+                        </m:dPr>
+                        <m:e>
+                          <m:r>
+                            <m:rPr>
+                              <m:sty m:val="p"/>
+                            </m:rPr>
+                            <a:rPr lang="en-US" sz="1000">
+                              <a:solidFill>
+                                <a:prstClr val="black"/>
+                              </a:solidFill>
+                              <a:latin typeface="Cambria Math" panose="02040503050406030204" pitchFamily="18" charset="0"/>
+                            </a:rPr>
+                            <m:t>p</m:t>
+                          </m:r>
+                          <m:r>
+                            <a:rPr lang="en-US" sz="1000">
+                              <a:solidFill>
+                                <a:prstClr val="black"/>
+                              </a:solidFill>
+                              <a:latin typeface="Cambria Math" panose="02040503050406030204" pitchFamily="18" charset="0"/>
+                            </a:rPr>
+                            <m:t>, </m:t>
+                          </m:r>
+                          <m:sSub>
+                            <m:sSubPr>
+                              <m:ctrlPr>
+                                <a:rPr lang="en-US" sz="1000" i="1">
                                   <a:solidFill>
                                     <a:srgbClr val="836967"/>
                                   </a:solidFill>
@@ -28737,238 +27615,7 @@
                                 <m:rPr>
                                   <m:sty m:val="p"/>
                                 </m:rPr>
-                                <a:rPr lang="en-GB" sz="1000">
-                                  <a:latin typeface="Cambria Math" panose="02040503050406030204" pitchFamily="18" charset="0"/>
-                                </a:rPr>
-                                <m:t>L</m:t>
-                              </m:r>
-                            </m:e>
-                            <m:sub>
-                              <m:sSub>
-                                <m:sSubPr>
-                                  <m:ctrlPr>
-                                    <a:rPr lang="pl-PL" sz="1000" i="1">
-                                      <a:latin typeface="Cambria Math" panose="02040503050406030204" pitchFamily="18" charset="0"/>
-                                    </a:rPr>
-                                  </m:ctrlPr>
-                                </m:sSubPr>
-                                <m:e>
-                                  <m:r>
-                                    <a:rPr lang="pl-PL" sz="1000" i="1">
-                                      <a:latin typeface="Cambria Math" panose="02040503050406030204" pitchFamily="18" charset="0"/>
-                                    </a:rPr>
-                                    <m:t>𝑑</m:t>
-                                  </m:r>
-                                </m:e>
-                                <m:sub>
-                                  <m:r>
-                                    <a:rPr lang="pl-PL" sz="1000" i="1">
-                                      <a:latin typeface="Cambria Math" panose="02040503050406030204" pitchFamily="18" charset="0"/>
-                                    </a:rPr>
-                                    <m:t>1</m:t>
-                                  </m:r>
-                                </m:sub>
-                              </m:sSub>
-                            </m:sub>
-                          </m:sSub>
-                          <m:r>
-                            <a:rPr lang="pl-PL" sz="1000" i="1">
-                              <a:latin typeface="Cambria Math" panose="02040503050406030204" pitchFamily="18" charset="0"/>
-                            </a:rPr>
-                            <m:t>+</m:t>
-                          </m:r>
-                          <m:d>
-                            <m:dPr>
-                              <m:ctrlPr>
-                                <a:rPr lang="pl-PL" sz="1000" i="1">
-                                  <a:latin typeface="Cambria Math" panose="02040503050406030204" pitchFamily="18" charset="0"/>
-                                </a:rPr>
-                              </m:ctrlPr>
-                            </m:dPr>
-                            <m:e>
-                              <m:sSub>
-                                <m:sSubPr>
-                                  <m:ctrlPr>
-                                    <a:rPr lang="pl-PL" sz="1000" i="1">
-                                      <a:solidFill>
-                                        <a:prstClr val="black"/>
-                                      </a:solidFill>
-                                      <a:latin typeface="Cambria Math" panose="02040503050406030204" pitchFamily="18" charset="0"/>
-                                    </a:rPr>
-                                  </m:ctrlPr>
-                                </m:sSubPr>
-                                <m:e>
-                                  <m:r>
-                                    <a:rPr lang="pl-PL" sz="1000" i="1">
-                                      <a:solidFill>
-                                        <a:prstClr val="black"/>
-                                      </a:solidFill>
-                                      <a:latin typeface="Cambria Math" panose="02040503050406030204" pitchFamily="18" charset="0"/>
-                                    </a:rPr>
-                                    <m:t>𝐹</m:t>
-                                  </m:r>
-                                </m:e>
-                                <m:sub>
-                                  <m:r>
-                                    <a:rPr lang="pl-PL" sz="1000" i="1">
-                                      <a:solidFill>
-                                        <a:prstClr val="black"/>
-                                      </a:solidFill>
-                                      <a:latin typeface="Cambria Math" panose="02040503050406030204" pitchFamily="18" charset="0"/>
-                                    </a:rPr>
-                                    <m:t>0</m:t>
-                                  </m:r>
-                                </m:sub>
-                              </m:sSub>
-                              <m:r>
-                                <a:rPr lang="pl-PL" sz="1000" i="1">
-                                  <a:latin typeface="Cambria Math" panose="02040503050406030204" pitchFamily="18" charset="0"/>
-                                </a:rPr>
-                                <m:t>−1</m:t>
-                              </m:r>
-                            </m:e>
-                          </m:d>
-                          <m:sSub>
-                            <m:sSubPr>
-                              <m:ctrlPr>
-                                <a:rPr lang="en-GB" sz="1000" i="1">
-                                  <a:solidFill>
-                                    <a:srgbClr val="836967"/>
-                                  </a:solidFill>
-                                  <a:latin typeface="Cambria Math" panose="02040503050406030204" pitchFamily="18" charset="0"/>
-                                </a:rPr>
-                              </m:ctrlPr>
-                            </m:sSubPr>
-                            <m:e>
-                              <m:r>
-                                <m:rPr>
-                                  <m:sty m:val="p"/>
-                                </m:rPr>
-                                <a:rPr lang="en-GB" sz="1000">
-                                  <a:latin typeface="Cambria Math" panose="02040503050406030204" pitchFamily="18" charset="0"/>
-                                </a:rPr>
-                                <m:t>L</m:t>
-                              </m:r>
-                            </m:e>
-                            <m:sub>
-                              <m:sSub>
-                                <m:sSubPr>
-                                  <m:ctrlPr>
-                                    <a:rPr lang="pl-PL" sz="1000" i="1">
-                                      <a:latin typeface="Cambria Math" panose="02040503050406030204" pitchFamily="18" charset="0"/>
-                                    </a:rPr>
-                                  </m:ctrlPr>
-                                </m:sSubPr>
-                                <m:e>
-                                  <m:r>
-                                    <a:rPr lang="pl-PL" sz="1000" i="1">
-                                      <a:latin typeface="Cambria Math" panose="02040503050406030204" pitchFamily="18" charset="0"/>
-                                    </a:rPr>
-                                    <m:t>𝑑</m:t>
-                                  </m:r>
-                                </m:e>
-                                <m:sub>
-                                  <m:r>
-                                    <a:rPr lang="pl-PL" sz="1000" i="1">
-                                      <a:latin typeface="Cambria Math" panose="02040503050406030204" pitchFamily="18" charset="0"/>
-                                    </a:rPr>
-                                    <m:t>2</m:t>
-                                  </m:r>
-                                </m:sub>
-                              </m:sSub>
-                            </m:sub>
-                          </m:sSub>
-                        </m:e>
-                      </m:d>
-                    </m:oMath>
-                    <m:oMath xmlns:m="http://schemas.openxmlformats.org/officeDocument/2006/math">
-                      <m:sSub>
-                        <m:sSubPr>
-                          <m:ctrlPr>
-                            <a:rPr lang="en-GB" sz="1000" i="1">
-                              <a:solidFill>
-                                <a:srgbClr val="836967"/>
-                              </a:solidFill>
-                              <a:latin typeface="Cambria Math" panose="02040503050406030204" pitchFamily="18" charset="0"/>
-                            </a:rPr>
-                          </m:ctrlPr>
-                        </m:sSubPr>
-                        <m:e>
-                          <m:r>
-                            <m:rPr>
-                              <m:sty m:val="p"/>
-                            </m:rPr>
-                            <a:rPr lang="en-GB" sz="1000">
-                              <a:solidFill>
-                                <a:prstClr val="black"/>
-                              </a:solidFill>
-                              <a:latin typeface="Cambria Math" panose="02040503050406030204" pitchFamily="18" charset="0"/>
-                            </a:rPr>
-                            <m:t>L</m:t>
-                          </m:r>
-                        </m:e>
-                        <m:sub>
-                          <m:r>
-                            <a:rPr lang="pl-PL" sz="1000" i="1">
-                              <a:solidFill>
-                                <a:prstClr val="black"/>
-                              </a:solidFill>
-                              <a:latin typeface="Cambria Math" panose="02040503050406030204" pitchFamily="18" charset="0"/>
-                            </a:rPr>
-                            <m:t>𝑠</m:t>
-                          </m:r>
-                        </m:sub>
-                      </m:sSub>
-                      <m:d>
-                        <m:dPr>
-                          <m:ctrlPr>
-                            <a:rPr lang="en-GB" sz="1000" i="1">
-                              <a:solidFill>
-                                <a:srgbClr val="836967"/>
-                              </a:solidFill>
-                              <a:latin typeface="Cambria Math" panose="02040503050406030204" pitchFamily="18" charset="0"/>
-                            </a:rPr>
-                          </m:ctrlPr>
-                        </m:dPr>
-                        <m:e>
-                          <m:r>
-                            <m:rPr>
-                              <m:sty m:val="p"/>
-                            </m:rPr>
-                            <a:rPr lang="en-GB" sz="1000">
-                              <a:solidFill>
-                                <a:prstClr val="black"/>
-                              </a:solidFill>
-                              <a:latin typeface="Cambria Math" panose="02040503050406030204" pitchFamily="18" charset="0"/>
-                            </a:rPr>
-                            <m:t>p</m:t>
-                          </m:r>
-                          <m:r>
-                            <a:rPr lang="en-GB" sz="1000">
-                              <a:solidFill>
-                                <a:prstClr val="black"/>
-                              </a:solidFill>
-                              <a:latin typeface="Cambria Math" panose="02040503050406030204" pitchFamily="18" charset="0"/>
-                            </a:rPr>
-                            <m:t>, </m:t>
-                          </m:r>
-                          <m:sSub>
-                            <m:sSubPr>
-                              <m:ctrlPr>
-                                <a:rPr lang="en-GB" sz="1000" i="1">
-                                  <a:solidFill>
-                                    <a:srgbClr val="836967"/>
-                                  </a:solidFill>
-                                  <a:latin typeface="Cambria Math" panose="02040503050406030204" pitchFamily="18" charset="0"/>
-                                </a:rPr>
-                              </m:ctrlPr>
-                            </m:sSubPr>
-                            <m:e>
-                              <m:r>
-                                <m:rPr>
-                                  <m:sty m:val="p"/>
-                                </m:rPr>
-                                <a:rPr lang="en-GB" sz="1000">
+                                <a:rPr lang="en-US" sz="1000">
                                   <a:solidFill>
                                     <a:prstClr val="black"/>
                                   </a:solidFill>
@@ -28979,7 +27626,7 @@
                             </m:e>
                             <m:sub>
                               <m:r>
-                                <a:rPr lang="en-GB" sz="1000" i="1">
+                                <a:rPr lang="en-US" sz="1000" i="1">
                                   <a:solidFill>
                                     <a:prstClr val="black"/>
                                   </a:solidFill>
@@ -28992,7 +27639,7 @@
                         </m:e>
                       </m:d>
                       <m:r>
-                        <a:rPr lang="pl-PL" sz="1000" i="1">
+                        <a:rPr lang="en-US" sz="1000" i="1">
                           <a:solidFill>
                             <a:prstClr val="black"/>
                           </a:solidFill>
@@ -29004,14 +27651,14 @@
                       <m:f>
                         <m:fPr>
                           <m:ctrlPr>
-                            <a:rPr lang="pl-PL" sz="1000" i="1">
+                            <a:rPr lang="en-US" sz="1000" i="1">
                               <a:latin typeface="Cambria Math" panose="02040503050406030204" pitchFamily="18" charset="0"/>
                             </a:rPr>
                           </m:ctrlPr>
                         </m:fPr>
                         <m:num>
                           <m:r>
-                            <a:rPr lang="pl-PL" sz="1000" i="1">
+                            <a:rPr lang="en-US" sz="1000" i="1">
                               <a:latin typeface="Cambria Math" panose="02040503050406030204" pitchFamily="18" charset="0"/>
                             </a:rPr>
                             <m:t>1</m:t>
@@ -29019,7 +27666,7 @@
                         </m:num>
                         <m:den>
                           <m:r>
-                            <a:rPr lang="pl-PL" sz="1000" i="1">
+                            <a:rPr lang="en-US" sz="1000" i="1">
                               <a:latin typeface="Cambria Math" panose="02040503050406030204" pitchFamily="18" charset="0"/>
                             </a:rPr>
                             <m:t>4</m:t>
@@ -29027,7 +27674,7 @@
                           <m:d>
                             <m:dPr>
                               <m:ctrlPr>
-                                <a:rPr lang="en-GB" sz="1000" i="1">
+                                <a:rPr lang="en-US" sz="1000" i="1">
                                   <a:solidFill>
                                     <a:srgbClr val="836967"/>
                                   </a:solidFill>
@@ -29039,7 +27686,7 @@
                               <m:sSub>
                                 <m:sSubPr>
                                   <m:ctrlPr>
-                                    <a:rPr lang="en-GB" sz="1000" i="1">
+                                    <a:rPr lang="en-US" sz="1000" i="1">
                                       <a:solidFill>
                                         <a:srgbClr val="836967"/>
                                       </a:solidFill>
@@ -29052,7 +27699,7 @@
                                     <m:rPr>
                                       <m:sty m:val="p"/>
                                     </m:rPr>
-                                    <a:rPr lang="en-GB" sz="1000">
+                                    <a:rPr lang="en-US" sz="1000">
                                       <a:latin typeface="Cambria Math" panose="02040503050406030204" pitchFamily="18" charset="0"/>
                                     </a:rPr>
                                     <m:t>ω</m:t>
@@ -29060,7 +27707,7 @@
                                 </m:e>
                                 <m:sub>
                                   <m:r>
-                                    <a:rPr lang="en-GB" sz="1000" i="1">
+                                    <a:rPr lang="en-US" sz="1000" i="1">
                                       <a:latin typeface="Cambria Math" panose="02040503050406030204" pitchFamily="18" charset="0"/>
                                     </a:rPr>
                                     <m:t>𝑜</m:t>
@@ -29068,13 +27715,13 @@
                                 </m:sub>
                               </m:sSub>
                               <m:r>
-                                <a:rPr lang="en-GB" sz="1000">
+                                <a:rPr lang="en-US" sz="1000">
                                   <a:latin typeface="Cambria Math" panose="02040503050406030204" pitchFamily="18" charset="0"/>
                                 </a:rPr>
                                 <m:t>∙</m:t>
                               </m:r>
                               <m:r>
-                                <a:rPr lang="en-GB" sz="1000" i="1">
+                                <a:rPr lang="en-US" sz="1000" i="1">
                                   <a:latin typeface="Cambria Math" panose="02040503050406030204" pitchFamily="18" charset="0"/>
                                 </a:rPr>
                                 <m:t>𝑛</m:t>
@@ -29086,7 +27733,7 @@
                       <m:d>
                         <m:dPr>
                           <m:ctrlPr>
-                            <a:rPr lang="pl-PL" sz="1000" i="1">
+                            <a:rPr lang="en-US" sz="1000" i="1">
                               <a:solidFill>
                                 <a:prstClr val="black"/>
                               </a:solidFill>
@@ -29098,7 +27745,7 @@
                           <m:sSub>
                             <m:sSubPr>
                               <m:ctrlPr>
-                                <a:rPr lang="pl-PL" sz="1000" i="1">
+                                <a:rPr lang="en-US" sz="1000" i="1">
                                   <a:solidFill>
                                     <a:prstClr val="black"/>
                                   </a:solidFill>
@@ -29108,7 +27755,7 @@
                             </m:sSubPr>
                             <m:e>
                               <m:r>
-                                <a:rPr lang="pl-PL" sz="1000" i="1">
+                                <a:rPr lang="en-US" sz="1000" i="1">
                                   <a:solidFill>
                                     <a:prstClr val="black"/>
                                   </a:solidFill>
@@ -29119,7 +27766,7 @@
                             </m:e>
                             <m:sub>
                               <m:r>
-                                <a:rPr lang="pl-PL" sz="1000" i="1">
+                                <a:rPr lang="en-US" sz="1000" i="1">
                                   <a:solidFill>
                                     <a:prstClr val="black"/>
                                   </a:solidFill>
@@ -29132,7 +27779,7 @@
                           <m:sSub>
                             <m:sSubPr>
                               <m:ctrlPr>
-                                <a:rPr lang="en-GB" sz="1000" i="1">
+                                <a:rPr lang="en-US" sz="1000" i="1">
                                   <a:solidFill>
                                     <a:srgbClr val="836967"/>
                                   </a:solidFill>
@@ -29145,7 +27792,7 @@
                                 <m:rPr>
                                   <m:sty m:val="p"/>
                                 </m:rPr>
-                                <a:rPr lang="en-GB" sz="1000">
+                                <a:rPr lang="en-US" sz="1000">
                                   <a:solidFill>
                                     <a:prstClr val="black"/>
                                   </a:solidFill>
@@ -29158,7 +27805,7 @@
                               <m:sSub>
                                 <m:sSubPr>
                                   <m:ctrlPr>
-                                    <a:rPr lang="en-GB" sz="1000" i="1">
+                                    <a:rPr lang="en-US" sz="1000" i="1">
                                       <a:solidFill>
                                         <a:prstClr val="black"/>
                                       </a:solidFill>
@@ -29168,7 +27815,7 @@
                                 </m:sSubPr>
                                 <m:e>
                                   <m:r>
-                                    <a:rPr lang="pl-PL" sz="1000" i="1">
+                                    <a:rPr lang="en-US" sz="1000" i="1">
                                       <a:solidFill>
                                         <a:prstClr val="black"/>
                                       </a:solidFill>
@@ -29179,7 +27826,7 @@
                                 </m:e>
                                 <m:sub>
                                   <m:r>
-                                    <a:rPr lang="pl-PL" sz="1000" i="1">
+                                    <a:rPr lang="en-US" sz="1000" i="1">
                                       <a:solidFill>
                                         <a:prstClr val="black"/>
                                       </a:solidFill>
@@ -29192,7 +27839,7 @@
                             </m:sub>
                           </m:sSub>
                           <m:r>
-                            <a:rPr lang="pl-PL" sz="1000" i="1">
+                            <a:rPr lang="en-US" sz="1000" i="1">
                               <a:solidFill>
                                 <a:prstClr val="black"/>
                               </a:solidFill>
@@ -29201,7 +27848,7 @@
                             <m:t>+</m:t>
                           </m:r>
                           <m:r>
-                            <a:rPr lang="pl-PL" sz="1000" i="1">
+                            <a:rPr lang="en-US" sz="1000" i="1">
                               <a:latin typeface="Cambria Math" panose="02040503050406030204" pitchFamily="18" charset="0"/>
                             </a:rPr>
                             <m:t>(1−</m:t>
@@ -29209,7 +27856,7 @@
                           <m:sSub>
                             <m:sSubPr>
                               <m:ctrlPr>
-                                <a:rPr lang="pl-PL" sz="1000" i="1">
+                                <a:rPr lang="en-US" sz="1000" i="1">
                                   <a:solidFill>
                                     <a:prstClr val="black"/>
                                   </a:solidFill>
@@ -29219,7 +27866,7 @@
                             </m:sSubPr>
                             <m:e>
                               <m:r>
-                                <a:rPr lang="pl-PL" sz="1000" i="1">
+                                <a:rPr lang="en-US" sz="1000" i="1">
                                   <a:solidFill>
                                     <a:prstClr val="black"/>
                                   </a:solidFill>
@@ -29230,7 +27877,7 @@
                             </m:e>
                             <m:sub>
                               <m:r>
-                                <a:rPr lang="pl-PL" sz="1000" i="1">
+                                <a:rPr lang="en-US" sz="1000" i="1">
                                   <a:solidFill>
                                     <a:prstClr val="black"/>
                                   </a:solidFill>
@@ -29241,7 +27888,7 @@
                             </m:sub>
                           </m:sSub>
                           <m:r>
-                            <a:rPr lang="pl-PL" sz="1000" i="1">
+                            <a:rPr lang="en-US" sz="1000" i="1">
                               <a:latin typeface="Cambria Math" panose="02040503050406030204" pitchFamily="18" charset="0"/>
                             </a:rPr>
                             <m:t>)</m:t>
@@ -29249,7 +27896,7 @@
                           <m:sSub>
                             <m:sSubPr>
                               <m:ctrlPr>
-                                <a:rPr lang="en-GB" sz="1000" i="1">
+                                <a:rPr lang="en-US" sz="1000" i="1">
                                   <a:solidFill>
                                     <a:srgbClr val="836967"/>
                                   </a:solidFill>
@@ -29262,7 +27909,7 @@
                                 <m:rPr>
                                   <m:sty m:val="p"/>
                                 </m:rPr>
-                                <a:rPr lang="en-GB" sz="1000">
+                                <a:rPr lang="en-US" sz="1000">
                                   <a:solidFill>
                                     <a:prstClr val="black"/>
                                   </a:solidFill>
@@ -29275,7 +27922,7 @@
                               <m:sSub>
                                 <m:sSubPr>
                                   <m:ctrlPr>
-                                    <a:rPr lang="en-GB" sz="1000" i="1">
+                                    <a:rPr lang="en-US" sz="1000" i="1">
                                       <a:solidFill>
                                         <a:prstClr val="black"/>
                                       </a:solidFill>
@@ -29285,7 +27932,7 @@
                                 </m:sSubPr>
                                 <m:e>
                                   <m:r>
-                                    <a:rPr lang="pl-PL" sz="1000" i="1">
+                                    <a:rPr lang="en-US" sz="1000" i="1">
                                       <a:solidFill>
                                         <a:prstClr val="black"/>
                                       </a:solidFill>
@@ -29296,7 +27943,7 @@
                                 </m:e>
                                 <m:sub>
                                   <m:r>
-                                    <a:rPr lang="pl-PL" sz="1000" i="1">
+                                    <a:rPr lang="en-US" sz="1000" i="1">
                                       <a:solidFill>
                                         <a:prstClr val="black"/>
                                       </a:solidFill>
@@ -29315,7 +27962,7 @@
                       <m:sSub>
                         <m:sSubPr>
                           <m:ctrlPr>
-                            <a:rPr lang="en-GB" sz="1000" i="1">
+                            <a:rPr lang="en-US" sz="1000" i="1">
                               <a:solidFill>
                                 <a:srgbClr val="836967"/>
                               </a:solidFill>
@@ -29328,7 +27975,7 @@
                             <m:rPr>
                               <m:sty m:val="p"/>
                             </m:rPr>
-                            <a:rPr lang="en-GB" sz="1000">
+                            <a:rPr lang="en-US" sz="1000">
                               <a:latin typeface="Cambria Math" panose="02040503050406030204" pitchFamily="18" charset="0"/>
                             </a:rPr>
                             <m:t>L</m:t>
@@ -29336,7 +27983,7 @@
                         </m:e>
                         <m:sub>
                           <m:r>
-                            <a:rPr lang="en-GB" sz="1000" i="1">
+                            <a:rPr lang="en-US" sz="1000" i="1">
                               <a:latin typeface="Cambria Math" panose="02040503050406030204" pitchFamily="18" charset="0"/>
                             </a:rPr>
                             <m:t>𝑜</m:t>
@@ -29346,7 +27993,7 @@
                       <m:d>
                         <m:dPr>
                           <m:ctrlPr>
-                            <a:rPr lang="en-GB" sz="1000" i="1">
+                            <a:rPr lang="en-US" sz="1000" i="1">
                               <a:solidFill>
                                 <a:srgbClr val="836967"/>
                               </a:solidFill>
@@ -29359,13 +28006,13 @@
                             <m:rPr>
                               <m:sty m:val="p"/>
                             </m:rPr>
-                            <a:rPr lang="en-GB" sz="1000">
+                            <a:rPr lang="en-US" sz="1000">
                               <a:latin typeface="Cambria Math" panose="02040503050406030204" pitchFamily="18" charset="0"/>
                             </a:rPr>
                             <m:t>p</m:t>
                           </m:r>
                           <m:r>
-                            <a:rPr lang="en-GB" sz="1000">
+                            <a:rPr lang="en-US" sz="1000">
                               <a:latin typeface="Cambria Math" panose="02040503050406030204" pitchFamily="18" charset="0"/>
                             </a:rPr>
                             <m:t>, </m:t>
@@ -29373,7 +28020,7 @@
                           <m:sSub>
                             <m:sSubPr>
                               <m:ctrlPr>
-                                <a:rPr lang="en-GB" sz="1000" i="1">
+                                <a:rPr lang="en-US" sz="1000" i="1">
                                   <a:solidFill>
                                     <a:srgbClr val="836967"/>
                                   </a:solidFill>
@@ -29386,7 +28033,7 @@
                                 <m:rPr>
                                   <m:sty m:val="p"/>
                                 </m:rPr>
-                                <a:rPr lang="en-GB" sz="1000">
+                                <a:rPr lang="en-US" sz="1000">
                                   <a:latin typeface="Cambria Math" panose="02040503050406030204" pitchFamily="18" charset="0"/>
                                 </a:rPr>
                                 <m:t>ω</m:t>
@@ -29394,7 +28041,7 @@
                             </m:e>
                             <m:sub>
                               <m:r>
-                                <a:rPr lang="en-GB" sz="1000" i="1">
+                                <a:rPr lang="en-US" sz="1000" i="1">
                                   <a:latin typeface="Cambria Math" panose="02040503050406030204" pitchFamily="18" charset="0"/>
                                 </a:rPr>
                                 <m:t>𝑜</m:t>
@@ -29404,7 +28051,7 @@
                         </m:e>
                       </m:d>
                       <m:r>
-                        <a:rPr lang="en-GB" sz="1000">
+                        <a:rPr lang="en-US" sz="1000">
                           <a:latin typeface="Cambria Math" panose="02040503050406030204" pitchFamily="18" charset="0"/>
                         </a:rPr>
                         <m:t>=</m:t>
@@ -29412,14 +28059,14 @@
                       <m:sSub>
                         <m:sSubPr>
                           <m:ctrlPr>
-                            <a:rPr lang="en-GB" sz="1000" i="1">
+                            <a:rPr lang="en-US" sz="1000" i="1">
                               <a:latin typeface="Cambria Math" panose="02040503050406030204" pitchFamily="18" charset="0"/>
                             </a:rPr>
                           </m:ctrlPr>
                         </m:sSubPr>
                         <m:e>
                           <m:r>
-                            <a:rPr lang="pl-PL" sz="1000" i="1">
+                            <a:rPr lang="en-US" sz="1000" i="1">
                               <a:latin typeface="Cambria Math" panose="02040503050406030204" pitchFamily="18" charset="0"/>
                             </a:rPr>
                             <m:t>𝐿</m:t>
@@ -29427,7 +28074,7 @@
                         </m:e>
                         <m:sub>
                           <m:r>
-                            <a:rPr lang="pl-PL" sz="1000" i="1">
+                            <a:rPr lang="en-US" sz="1000" i="1">
                               <a:latin typeface="Cambria Math" panose="02040503050406030204" pitchFamily="18" charset="0"/>
                             </a:rPr>
                             <m:t>𝑑</m:t>
@@ -29437,7 +28084,7 @@
                       <m:d>
                         <m:dPr>
                           <m:ctrlPr>
-                            <a:rPr lang="pl-PL" sz="1000" i="1">
+                            <a:rPr lang="en-US" sz="1000" i="1">
                               <a:latin typeface="Cambria Math" panose="02040503050406030204" pitchFamily="18" charset="0"/>
                             </a:rPr>
                           </m:ctrlPr>
@@ -29447,13 +28094,13 @@
                             <m:rPr>
                               <m:sty m:val="p"/>
                             </m:rPr>
-                            <a:rPr lang="en-GB" sz="1000">
+                            <a:rPr lang="en-US" sz="1000">
                               <a:latin typeface="Cambria Math" panose="02040503050406030204" pitchFamily="18" charset="0"/>
                             </a:rPr>
                             <m:t>p</m:t>
                           </m:r>
                           <m:r>
-                            <a:rPr lang="en-GB" sz="1000">
+                            <a:rPr lang="en-US" sz="1000">
                               <a:latin typeface="Cambria Math" panose="02040503050406030204" pitchFamily="18" charset="0"/>
                             </a:rPr>
                             <m:t>, </m:t>
@@ -29461,7 +28108,7 @@
                           <m:sSub>
                             <m:sSubPr>
                               <m:ctrlPr>
-                                <a:rPr lang="en-GB" sz="1000" i="1">
+                                <a:rPr lang="en-US" sz="1000" i="1">
                                   <a:solidFill>
                                     <a:srgbClr val="836967"/>
                                   </a:solidFill>
@@ -29474,7 +28121,7 @@
                                 <m:rPr>
                                   <m:sty m:val="p"/>
                                 </m:rPr>
-                                <a:rPr lang="en-GB" sz="1000">
+                                <a:rPr lang="en-US" sz="1000">
                                   <a:latin typeface="Cambria Math" panose="02040503050406030204" pitchFamily="18" charset="0"/>
                                 </a:rPr>
                                 <m:t>ω</m:t>
@@ -29482,7 +28129,7 @@
                             </m:e>
                             <m:sub>
                               <m:r>
-                                <a:rPr lang="en-GB" sz="1000" i="1">
+                                <a:rPr lang="en-US" sz="1000" i="1">
                                   <a:latin typeface="Cambria Math" panose="02040503050406030204" pitchFamily="18" charset="0"/>
                                 </a:rPr>
                                 <m:t>𝑜</m:t>
@@ -29492,7 +28139,7 @@
                         </m:e>
                       </m:d>
                       <m:r>
-                        <a:rPr lang="pl-PL" sz="1000" i="1">
+                        <a:rPr lang="en-US" sz="1000" i="1">
                           <a:latin typeface="Cambria Math" panose="02040503050406030204" pitchFamily="18" charset="0"/>
                         </a:rPr>
                         <m:t>+</m:t>
@@ -29500,14 +28147,14 @@
                       <m:sSub>
                         <m:sSubPr>
                           <m:ctrlPr>
-                            <a:rPr lang="en-GB" sz="1000" i="1">
+                            <a:rPr lang="en-US" sz="1000" i="1">
                               <a:latin typeface="Cambria Math" panose="02040503050406030204" pitchFamily="18" charset="0"/>
                             </a:rPr>
                           </m:ctrlPr>
                         </m:sSubPr>
                         <m:e>
                           <m:r>
-                            <a:rPr lang="pl-PL" sz="1000" i="1">
+                            <a:rPr lang="en-US" sz="1000" i="1">
                               <a:latin typeface="Cambria Math" panose="02040503050406030204" pitchFamily="18" charset="0"/>
                             </a:rPr>
                             <m:t>𝐿</m:t>
@@ -29515,7 +28162,7 @@
                         </m:e>
                         <m:sub>
                           <m:r>
-                            <a:rPr lang="pl-PL" sz="1000" i="1">
+                            <a:rPr lang="en-US" sz="1000" i="1">
                               <a:latin typeface="Cambria Math" panose="02040503050406030204" pitchFamily="18" charset="0"/>
                             </a:rPr>
                             <m:t>𝑠</m:t>
@@ -29525,7 +28172,7 @@
                       <m:d>
                         <m:dPr>
                           <m:ctrlPr>
-                            <a:rPr lang="pl-PL" sz="1000" i="1">
+                            <a:rPr lang="en-US" sz="1000" i="1">
                               <a:latin typeface="Cambria Math" panose="02040503050406030204" pitchFamily="18" charset="0"/>
                             </a:rPr>
                           </m:ctrlPr>
@@ -29535,13 +28182,13 @@
                             <m:rPr>
                               <m:sty m:val="p"/>
                             </m:rPr>
-                            <a:rPr lang="en-GB" sz="1000">
+                            <a:rPr lang="en-US" sz="1000">
                               <a:latin typeface="Cambria Math" panose="02040503050406030204" pitchFamily="18" charset="0"/>
                             </a:rPr>
                             <m:t>p</m:t>
                           </m:r>
                           <m:r>
-                            <a:rPr lang="en-GB" sz="1000">
+                            <a:rPr lang="en-US" sz="1000">
                               <a:latin typeface="Cambria Math" panose="02040503050406030204" pitchFamily="18" charset="0"/>
                             </a:rPr>
                             <m:t>, </m:t>
@@ -29549,7 +28196,7 @@
                           <m:sSub>
                             <m:sSubPr>
                               <m:ctrlPr>
-                                <a:rPr lang="en-GB" sz="1000" i="1">
+                                <a:rPr lang="en-US" sz="1000" i="1">
                                   <a:solidFill>
                                     <a:srgbClr val="836967"/>
                                   </a:solidFill>
@@ -29562,7 +28209,7 @@
                                 <m:rPr>
                                   <m:sty m:val="p"/>
                                 </m:rPr>
-                                <a:rPr lang="en-GB" sz="1000">
+                                <a:rPr lang="en-US" sz="1000">
                                   <a:latin typeface="Cambria Math" panose="02040503050406030204" pitchFamily="18" charset="0"/>
                                 </a:rPr>
                                 <m:t>ω</m:t>
@@ -29570,7 +28217,7 @@
                             </m:e>
                             <m:sub>
                               <m:r>
-                                <a:rPr lang="en-GB" sz="1000" i="1">
+                                <a:rPr lang="en-US" sz="1000" i="1">
                                   <a:latin typeface="Cambria Math" panose="02040503050406030204" pitchFamily="18" charset="0"/>
                                 </a:rPr>
                                 <m:t>𝑜</m:t>
@@ -29616,7 +28263,7 @@
             <p:spPr>
               <a:xfrm>
                 <a:off x="550268" y="957354"/>
-                <a:ext cx="3210278" cy="2678747"/>
+                <a:ext cx="3210278" cy="2305311"/>
               </a:xfrm>
               <a:prstGeom prst="rect">
                 <a:avLst/>
@@ -29624,7 +28271,7 @@
               <a:blipFill>
                 <a:blip r:embed="rId3"/>
                 <a:stretch>
-                  <a:fillRect l="-2087" t="-11845"/>
+                  <a:fillRect l="-2087" t="-13757"/>
                 </a:stretch>
               </a:blipFill>
             </p:spPr>
@@ -29657,8 +28304,8 @@
         </p:nvSpPr>
         <p:spPr>
           <a:xfrm>
-            <a:off x="403807" y="4037187"/>
-            <a:ext cx="11313835" cy="1938992"/>
+            <a:off x="403807" y="3764683"/>
+            <a:ext cx="11313835" cy="2031325"/>
           </a:xfrm>
           <a:prstGeom prst="rect">
             <a:avLst/>
@@ -29671,7 +28318,7 @@
           </a:bodyPr>
           <a:lstStyle/>
           <a:p>
-            <a:pPr marL="0" marR="0" lvl="0" indent="0" algn="just" defTabSz="914400" rtl="0" eaLnBrk="1" fontAlgn="auto" latinLnBrk="0" hangingPunct="1">
+            <a:pPr marL="0" marR="0" lvl="0" indent="0" defTabSz="914400" rtl="0" eaLnBrk="1" fontAlgn="auto" latinLnBrk="0" hangingPunct="1">
               <a:lnSpc>
                 <a:spcPct val="100000"/>
               </a:lnSpc>
@@ -29689,7 +28336,7 @@
               <a:defRPr/>
             </a:pPr>
             <a:r>
-              <a:rPr kumimoji="0" lang="en-US" sz="1200" b="0" i="0" u="none" strike="noStrike" kern="1200" cap="none" spc="0" normalizeH="0" baseline="0" noProof="0" dirty="0">
+              <a:rPr kumimoji="0" lang="en-US" sz="1400" b="0" i="0" u="none" strike="noStrike" kern="1200" cap="none" spc="0" normalizeH="0" baseline="0" noProof="0" dirty="0">
                 <a:ln>
                   <a:noFill/>
                 </a:ln>
@@ -29702,38 +28349,7 @@
                 <a:ea typeface="+mn-ea"/>
                 <a:cs typeface="+mn-cs"/>
               </a:rPr>
-              <a:t>First stage depends only on lights and geometry (from PBR point of view roughness is a simplified representation of subpixel geometry, not a property of a substance).</a:t>
-            </a:r>
-            <a:br>
-              <a:rPr kumimoji="0" lang="en-US" sz="1200" b="0" i="0" u="none" strike="noStrike" kern="1200" cap="none" spc="0" normalizeH="0" baseline="0" noProof="0" dirty="0">
-                <a:ln>
-                  <a:noFill/>
-                </a:ln>
-                <a:solidFill>
-                  <a:prstClr val="black"/>
-                </a:solidFill>
-                <a:effectLst/>
-                <a:uLnTx/>
-                <a:uFillTx/>
-                <a:ea typeface="+mn-ea"/>
-                <a:cs typeface="+mn-cs"/>
-              </a:rPr>
-            </a:br>
-            <a:r>
-              <a:rPr kumimoji="0" lang="en-US" sz="1200" b="0" i="0" u="none" strike="noStrike" kern="1200" cap="none" spc="0" normalizeH="0" baseline="0" noProof="0" dirty="0">
-                <a:ln>
-                  <a:noFill/>
-                </a:ln>
-                <a:solidFill>
-                  <a:prstClr val="black"/>
-                </a:solidFill>
-                <a:effectLst/>
-                <a:uLnTx/>
-                <a:uFillTx/>
-                <a:ea typeface="+mn-ea"/>
-                <a:cs typeface="+mn-cs"/>
-              </a:rPr>
-              <a:t>The variability of output buffer is expected to be low (imagine white world with colorful lights). That makes this stage a good candidate for shading rate reducing technique (lower overall resolution of the buffer / VRS / Deferred Adaptive Compute Shading / etc.). We can safely apply reduced shading rate everywhere unless there is an illumination discontinuity (hard shadow / geometry edge) – this will require visual confirmation about quality.</a:t>
+              <a:t>First stage depends only on lights and geometry (from PBR point of view roughness is a simplified representation of subpixel geometry, not a property of a substance). The variability of output buffer is expected to be low (imagine white world with colorful lights). That makes this stage a good candidate for shading rate reducing technique (lower overall resolution of the buffer / VRS / Deferred Adaptive Compute Shading / etc.). We can safely apply reduced shading rate everywhere unless there is an illumination discontinuity (hard shadow / geometry edge) from a particular illumination source – this will require visual confirmation about quality.</a:t>
             </a:r>
           </a:p>
           <a:p>
@@ -29754,7 +28370,7 @@
               <a:tabLst/>
               <a:defRPr/>
             </a:pPr>
-            <a:endParaRPr kumimoji="0" lang="en-US" sz="1200" b="0" i="0" u="none" strike="noStrike" kern="1200" cap="none" spc="0" normalizeH="0" baseline="0" noProof="0" dirty="0">
+            <a:endParaRPr kumimoji="0" lang="en-US" sz="1400" b="0" i="0" u="none" strike="noStrike" kern="1200" cap="none" spc="0" normalizeH="0" baseline="0" noProof="0" dirty="0">
               <a:ln>
                 <a:noFill/>
               </a:ln>
@@ -29787,7 +28403,7 @@
               <a:defRPr/>
             </a:pPr>
             <a:r>
-              <a:rPr kumimoji="0" lang="en-US" sz="1200" b="0" i="0" u="none" strike="noStrike" kern="1200" cap="none" spc="0" normalizeH="0" baseline="0" noProof="0" dirty="0">
+              <a:rPr kumimoji="0" lang="en-US" sz="1400" b="0" i="0" u="none" strike="noStrike" kern="1200" cap="none" spc="0" normalizeH="0" baseline="0" noProof="0" dirty="0">
                 <a:ln>
                   <a:noFill/>
                 </a:ln>
@@ -29800,10 +28416,10 @@
                 <a:ea typeface="+mn-ea"/>
                 <a:cs typeface="+mn-cs"/>
               </a:rPr>
-              <a:t>Second stage does not have to iterate over lights, so it will be used to refine results at full resolution. It will fully cover artifacts of reduced shading rate from first pass, hopefully making them completely imperceptible. If roughness is pulled out of </a:t>
+              <a:t>Second stage does not have to iterate over illumination sources, so it will be used to refine results by integrating them with materials at full resolution. It will fully cover artifacts of reduced shading rate from first pass, making them completely imperceptible. If roughness is pulled out of </a:t>
             </a:r>
             <a:r>
-              <a:rPr kumimoji="0" lang="en-US" sz="1200" b="0" i="0" u="none" strike="noStrike" kern="1200" cap="none" spc="0" normalizeH="0" baseline="0" noProof="0" dirty="0">
+              <a:rPr kumimoji="0" lang="en-US" sz="1400" b="0" i="0" u="none" strike="noStrike" kern="1200" cap="none" spc="0" normalizeH="0" baseline="0" noProof="0" dirty="0">
                 <a:ln>
                   <a:noFill/>
                 </a:ln>
@@ -29817,65 +28433,6 @@
                 <a:cs typeface="+mn-cs"/>
               </a:rPr>
               <a:t>Trowbridge-Reitz GGX approximation of NDF, then we have all parameters of a given pixel from G-buffer taken into consideration during refining second pass.</a:t>
-            </a:r>
-          </a:p>
-          <a:p>
-            <a:pPr marL="0" marR="0" lvl="0" indent="0" algn="just" defTabSz="914400" rtl="0" eaLnBrk="1" fontAlgn="auto" latinLnBrk="0" hangingPunct="1">
-              <a:lnSpc>
-                <a:spcPct val="100000"/>
-              </a:lnSpc>
-              <a:spcBef>
-                <a:spcPts val="0"/>
-              </a:spcBef>
-              <a:spcAft>
-                <a:spcPts val="0"/>
-              </a:spcAft>
-              <a:buClrTx/>
-              <a:buSzTx/>
-              <a:buFontTx/>
-              <a:buNone/>
-              <a:tabLst/>
-              <a:defRPr/>
-            </a:pPr>
-            <a:endParaRPr lang="en-US" sz="1200" dirty="0">
-              <a:solidFill>
-                <a:srgbClr val="111111"/>
-              </a:solidFill>
-            </a:endParaRPr>
-          </a:p>
-          <a:p>
-            <a:pPr marL="0" marR="0" lvl="0" indent="0" algn="just" defTabSz="914400" rtl="0" eaLnBrk="1" fontAlgn="auto" latinLnBrk="0" hangingPunct="1">
-              <a:lnSpc>
-                <a:spcPct val="100000"/>
-              </a:lnSpc>
-              <a:spcBef>
-                <a:spcPts val="0"/>
-              </a:spcBef>
-              <a:spcAft>
-                <a:spcPts val="0"/>
-              </a:spcAft>
-              <a:buClrTx/>
-              <a:buSzTx/>
-              <a:buFontTx/>
-              <a:buNone/>
-              <a:tabLst/>
-              <a:defRPr/>
-            </a:pPr>
-            <a:r>
-              <a:rPr kumimoji="0" lang="en-US" sz="1200" b="0" i="0" u="none" strike="noStrike" kern="1200" cap="none" spc="0" normalizeH="0" baseline="0" noProof="0" dirty="0">
-                <a:ln>
-                  <a:noFill/>
-                </a:ln>
-                <a:solidFill>
-                  <a:prstClr val="black"/>
-                </a:solidFill>
-                <a:effectLst/>
-                <a:uLnTx/>
-                <a:uFillTx/>
-                <a:ea typeface="+mn-ea"/>
-                <a:cs typeface="+mn-cs"/>
-              </a:rPr>
-              <a:t>Memory throughput while accessing high number of textures in second stage can become a significant bottleneck, but certain remedies can also be taken into consideration.</a:t>
             </a:r>
           </a:p>
         </p:txBody>
@@ -29926,8 +28483,8 @@
             </p:nvSpPr>
             <p:spPr>
               <a:xfrm>
-                <a:off x="461994" y="924811"/>
-                <a:ext cx="7555659" cy="1716624"/>
+                <a:off x="474105" y="1590930"/>
+                <a:ext cx="7555659" cy="2794226"/>
               </a:xfrm>
               <a:prstGeom prst="rect">
                 <a:avLst/>
@@ -29958,7 +28515,7 @@
                   <a:defRPr/>
                 </a:pPr>
                 <a:r>
-                  <a:rPr kumimoji="0" lang="en-US" sz="1100" b="0" i="0" u="none" strike="noStrike" kern="1200" cap="none" spc="0" normalizeH="0" baseline="0" noProof="0" dirty="0">
+                  <a:rPr kumimoji="0" lang="en-US" sz="1400" b="0" i="0" u="none" strike="noStrike" kern="1200" cap="none" spc="0" normalizeH="0" baseline="0" noProof="0" dirty="0">
                     <a:ln>
                       <a:noFill/>
                     </a:ln>
@@ -29982,7 +28539,7 @@
                   <a:defRPr/>
                 </a:pPr>
                 <a:r>
-                  <a:rPr kumimoji="0" lang="en-US" sz="1100" b="0" i="0" u="none" strike="noStrike" kern="1200" cap="none" spc="0" normalizeH="0" baseline="0" noProof="0" dirty="0">
+                  <a:rPr kumimoji="0" lang="en-US" sz="1400" b="0" i="0" u="none" strike="noStrike" kern="1200" cap="none" spc="0" normalizeH="0" baseline="0" noProof="0" dirty="0">
                     <a:ln>
                       <a:noFill/>
                     </a:ln>
@@ -30003,7 +28560,7 @@
                     <m:f>
                       <m:fPr>
                         <m:ctrlPr>
-                          <a:rPr kumimoji="0" lang="en-US" sz="1100" b="0" i="1" u="none" strike="noStrike" kern="1200" cap="none" spc="0" normalizeH="0" baseline="0" noProof="0" smtClean="0">
+                          <a:rPr kumimoji="0" lang="en-US" sz="1400" b="0" i="1" u="none" strike="noStrike" kern="1200" cap="none" spc="0" normalizeH="0" baseline="0" noProof="0" smtClean="0">
                             <a:ln>
                               <a:noFill/>
                             </a:ln>
@@ -30021,7 +28578,7 @@
                       </m:fPr>
                       <m:num>
                         <m:r>
-                          <a:rPr kumimoji="0" lang="en-US" sz="1100" b="0" i="1" u="none" strike="noStrike" kern="1200" cap="none" spc="0" normalizeH="0" baseline="0" noProof="0" smtClean="0">
+                          <a:rPr kumimoji="0" lang="en-US" sz="1400" b="0" i="1" u="none" strike="noStrike" kern="1200" cap="none" spc="0" normalizeH="0" baseline="0" noProof="0" smtClean="0">
                             <a:ln>
                               <a:noFill/>
                             </a:ln>
@@ -30042,7 +28599,7 @@
                         <m:sSub>
                           <m:sSubPr>
                             <m:ctrlPr>
-                              <a:rPr lang="en-US" sz="1100" i="1" smtClean="0">
+                              <a:rPr lang="en-US" sz="1400" i="1" smtClean="0">
                                 <a:solidFill>
                                   <a:prstClr val="black"/>
                                 </a:solidFill>
@@ -30052,7 +28609,7 @@
                           </m:sSubPr>
                           <m:e>
                             <m:r>
-                              <a:rPr lang="en-US" sz="1100" i="1" smtClean="0">
+                              <a:rPr lang="en-US" sz="1400" i="1" smtClean="0">
                                 <a:solidFill>
                                   <a:prstClr val="black"/>
                                 </a:solidFill>
@@ -30063,7 +28620,7 @@
                           </m:e>
                           <m:sub>
                             <m:r>
-                              <a:rPr lang="en-US" sz="1100" i="1" smtClean="0">
+                              <a:rPr lang="en-US" sz="1400" i="1" smtClean="0">
                                 <a:solidFill>
                                   <a:prstClr val="black"/>
                                 </a:solidFill>
@@ -30078,7 +28635,7 @@
                     <m:d>
                       <m:dPr>
                         <m:ctrlPr>
-                          <a:rPr kumimoji="0" lang="en-US" sz="1100" b="0" i="1" u="none" strike="noStrike" kern="1200" cap="none" spc="0" normalizeH="0" baseline="0" noProof="0" smtClean="0">
+                          <a:rPr kumimoji="0" lang="en-US" sz="1400" b="0" i="1" u="none" strike="noStrike" kern="1200" cap="none" spc="0" normalizeH="0" baseline="0" noProof="0" smtClean="0">
                             <a:ln>
                               <a:noFill/>
                             </a:ln>
@@ -30098,7 +28655,7 @@
                         <m:sSub>
                           <m:sSubPr>
                             <m:ctrlPr>
-                              <a:rPr lang="en-US" sz="1100" i="1" smtClean="0">
+                              <a:rPr lang="en-US" sz="1400" i="1" smtClean="0">
                                 <a:solidFill>
                                   <a:prstClr val="black"/>
                                 </a:solidFill>
@@ -30108,7 +28665,7 @@
                           </m:sSubPr>
                           <m:e>
                             <m:r>
-                              <a:rPr lang="en-US" sz="1100" i="1" smtClean="0">
+                              <a:rPr lang="en-US" sz="1400" i="1" smtClean="0">
                                 <a:solidFill>
                                   <a:prstClr val="black"/>
                                 </a:solidFill>
@@ -30119,7 +28676,7 @@
                           </m:e>
                           <m:sub>
                             <m:r>
-                              <a:rPr lang="en-US" sz="1100" i="1" smtClean="0">
+                              <a:rPr lang="en-US" sz="1400" i="1" smtClean="0">
                                 <a:solidFill>
                                   <a:prstClr val="black"/>
                                 </a:solidFill>
@@ -30132,7 +28689,7 @@
                         <m:sSub>
                           <m:sSubPr>
                             <m:ctrlPr>
-                              <a:rPr lang="en-US" sz="1100" i="1" smtClean="0">
+                              <a:rPr lang="en-US" sz="1400" i="1" smtClean="0">
                                 <a:solidFill>
                                   <a:srgbClr val="836967"/>
                                 </a:solidFill>
@@ -30145,7 +28702,7 @@
                               <m:rPr>
                                 <m:sty m:val="p"/>
                               </m:rPr>
-                              <a:rPr lang="en-US" sz="1100" smtClean="0">
+                              <a:rPr lang="en-US" sz="1400" smtClean="0">
                                 <a:solidFill>
                                   <a:prstClr val="black"/>
                                 </a:solidFill>
@@ -30158,7 +28715,7 @@
                             <m:sSub>
                               <m:sSubPr>
                                 <m:ctrlPr>
-                                  <a:rPr lang="en-US" sz="1100" i="1" smtClean="0">
+                                  <a:rPr lang="en-US" sz="1400" i="1" smtClean="0">
                                     <a:solidFill>
                                       <a:prstClr val="black"/>
                                     </a:solidFill>
@@ -30168,7 +28725,7 @@
                               </m:sSubPr>
                               <m:e>
                                 <m:r>
-                                  <a:rPr lang="en-US" sz="1100" i="1" smtClean="0">
+                                  <a:rPr lang="en-US" sz="1400" i="1" smtClean="0">
                                     <a:solidFill>
                                       <a:prstClr val="black"/>
                                     </a:solidFill>
@@ -30179,7 +28736,7 @@
                               </m:e>
                               <m:sub>
                                 <m:r>
-                                  <a:rPr lang="en-US" sz="1100" i="1" smtClean="0">
+                                  <a:rPr lang="en-US" sz="1400" i="1" smtClean="0">
                                     <a:solidFill>
                                       <a:prstClr val="black"/>
                                     </a:solidFill>
@@ -30192,7 +28749,7 @@
                           </m:sub>
                         </m:sSub>
                         <m:r>
-                          <a:rPr lang="en-US" sz="1100" i="1" smtClean="0">
+                          <a:rPr lang="en-US" sz="1400" i="1" smtClean="0">
                             <a:solidFill>
                               <a:prstClr val="black"/>
                             </a:solidFill>
@@ -30201,7 +28758,7 @@
                           <m:t>+</m:t>
                         </m:r>
                         <m:r>
-                          <a:rPr lang="en-US" sz="1100" i="1" smtClean="0">
+                          <a:rPr lang="en-US" sz="1400" i="1" smtClean="0">
                             <a:latin typeface="Cambria Math" panose="02040503050406030204" pitchFamily="18" charset="0"/>
                           </a:rPr>
                           <m:t>(1−</m:t>
@@ -30209,7 +28766,7 @@
                         <m:sSub>
                           <m:sSubPr>
                             <m:ctrlPr>
-                              <a:rPr lang="en-US" sz="1100" i="1" smtClean="0">
+                              <a:rPr lang="en-US" sz="1400" i="1" smtClean="0">
                                 <a:solidFill>
                                   <a:prstClr val="black"/>
                                 </a:solidFill>
@@ -30219,7 +28776,7 @@
                           </m:sSubPr>
                           <m:e>
                             <m:r>
-                              <a:rPr lang="en-US" sz="1100" i="1" smtClean="0">
+                              <a:rPr lang="en-US" sz="1400" i="1" smtClean="0">
                                 <a:solidFill>
                                   <a:prstClr val="black"/>
                                 </a:solidFill>
@@ -30230,7 +28787,7 @@
                           </m:e>
                           <m:sub>
                             <m:r>
-                              <a:rPr lang="en-US" sz="1100" i="1" smtClean="0">
+                              <a:rPr lang="en-US" sz="1400" i="1" smtClean="0">
                                 <a:solidFill>
                                   <a:prstClr val="black"/>
                                 </a:solidFill>
@@ -30241,7 +28798,7 @@
                           </m:sub>
                         </m:sSub>
                         <m:r>
-                          <a:rPr lang="en-US" sz="1100" i="1" smtClean="0">
+                          <a:rPr lang="en-US" sz="1400" i="1" smtClean="0">
                             <a:latin typeface="Cambria Math" panose="02040503050406030204" pitchFamily="18" charset="0"/>
                           </a:rPr>
                           <m:t>)</m:t>
@@ -30249,7 +28806,7 @@
                         <m:sSub>
                           <m:sSubPr>
                             <m:ctrlPr>
-                              <a:rPr lang="en-US" sz="1100" i="1" smtClean="0">
+                              <a:rPr lang="en-US" sz="1400" i="1" smtClean="0">
                                 <a:solidFill>
                                   <a:srgbClr val="836967"/>
                                 </a:solidFill>
@@ -30262,7 +28819,7 @@
                               <m:rPr>
                                 <m:sty m:val="p"/>
                               </m:rPr>
-                              <a:rPr lang="en-US" sz="1100" smtClean="0">
+                              <a:rPr lang="en-US" sz="1400" smtClean="0">
                                 <a:solidFill>
                                   <a:prstClr val="black"/>
                                 </a:solidFill>
@@ -30275,7 +28832,7 @@
                             <m:sSub>
                               <m:sSubPr>
                                 <m:ctrlPr>
-                                  <a:rPr lang="en-US" sz="1100" i="1" smtClean="0">
+                                  <a:rPr lang="en-US" sz="1400" i="1" smtClean="0">
                                     <a:solidFill>
                                       <a:prstClr val="black"/>
                                     </a:solidFill>
@@ -30285,7 +28842,7 @@
                               </m:sSubPr>
                               <m:e>
                                 <m:r>
-                                  <a:rPr lang="en-US" sz="1100" i="1" smtClean="0">
+                                  <a:rPr lang="en-US" sz="1400" i="1" smtClean="0">
                                     <a:solidFill>
                                       <a:prstClr val="black"/>
                                     </a:solidFill>
@@ -30296,7 +28853,7 @@
                               </m:e>
                               <m:sub>
                                 <m:r>
-                                  <a:rPr lang="en-US" sz="1100" i="1" smtClean="0">
+                                  <a:rPr lang="en-US" sz="1400" i="1" smtClean="0">
                                     <a:solidFill>
                                       <a:prstClr val="black"/>
                                     </a:solidFill>
@@ -30313,7 +28870,7 @@
                   </m:oMath>
                 </a14:m>
                 <a:r>
-                  <a:rPr kumimoji="0" lang="en-US" sz="1100" b="0" i="0" u="none" strike="noStrike" kern="1200" cap="none" spc="0" normalizeH="0" baseline="0" noProof="0" dirty="0">
+                  <a:rPr kumimoji="0" lang="en-US" sz="1400" b="0" i="0" u="none" strike="noStrike" kern="1200" cap="none" spc="0" normalizeH="0" baseline="0" noProof="0" dirty="0">
                     <a:ln>
                       <a:noFill/>
                     </a:ln>
@@ -30327,531 +28884,14 @@
                     <a:ea typeface="+mn-ea"/>
                     <a:cs typeface="+mn-cs"/>
                   </a:rPr>
-                  <a:t> and </a:t>
-                </a:r>
-                <a14:m>
-                  <m:oMath xmlns:m="http://schemas.openxmlformats.org/officeDocument/2006/math">
-                    <m:f>
-                      <m:fPr>
-                        <m:ctrlPr>
-                          <a:rPr lang="en-US" sz="1100" i="1" smtClean="0">
-                            <a:solidFill>
-                              <a:prstClr val="black"/>
-                            </a:solidFill>
-                            <a:latin typeface="Cambria Math" panose="02040503050406030204" pitchFamily="18" charset="0"/>
-                          </a:rPr>
-                        </m:ctrlPr>
-                      </m:fPr>
-                      <m:num>
-                        <m:r>
-                          <a:rPr lang="en-US" sz="1100" i="1" smtClean="0">
-                            <a:solidFill>
-                              <a:prstClr val="black"/>
-                            </a:solidFill>
-                            <a:latin typeface="Cambria Math" panose="02040503050406030204" pitchFamily="18" charset="0"/>
-                          </a:rPr>
-                          <m:t>1</m:t>
-                        </m:r>
-                      </m:num>
-                      <m:den>
-                        <m:sSub>
-                          <m:sSubPr>
-                            <m:ctrlPr>
-                              <a:rPr lang="en-US" sz="1100" i="1" smtClean="0">
-                                <a:solidFill>
-                                  <a:prstClr val="black"/>
-                                </a:solidFill>
-                                <a:latin typeface="Cambria Math" panose="02040503050406030204" pitchFamily="18" charset="0"/>
-                              </a:rPr>
-                            </m:ctrlPr>
-                          </m:sSubPr>
-                          <m:e>
-                            <m:r>
-                              <a:rPr lang="en-US" sz="1100" i="1" smtClean="0">
-                                <a:solidFill>
-                                  <a:prstClr val="black"/>
-                                </a:solidFill>
-                                <a:latin typeface="Cambria Math" panose="02040503050406030204" pitchFamily="18" charset="0"/>
-                              </a:rPr>
-                              <m:t>𝐹</m:t>
-                            </m:r>
-                          </m:e>
-                          <m:sub>
-                            <m:r>
-                              <a:rPr lang="en-US" sz="1100" i="1" smtClean="0">
-                                <a:solidFill>
-                                  <a:prstClr val="black"/>
-                                </a:solidFill>
-                                <a:latin typeface="Cambria Math" panose="02040503050406030204" pitchFamily="18" charset="0"/>
-                              </a:rPr>
-                              <m:t>0</m:t>
-                            </m:r>
-                          </m:sub>
-                        </m:sSub>
-                      </m:den>
-                    </m:f>
-                    <m:d>
-                      <m:dPr>
-                        <m:ctrlPr>
-                          <a:rPr kumimoji="0" lang="en-US" sz="1100" b="0" i="1" u="none" strike="noStrike" kern="1200" cap="none" spc="0" normalizeH="0" baseline="0" noProof="0" smtClean="0">
-                            <a:ln>
-                              <a:noFill/>
-                            </a:ln>
-                            <a:solidFill>
-                              <a:prstClr val="black"/>
-                            </a:solidFill>
-                            <a:effectLst/>
-                            <a:uLnTx/>
-                            <a:uFillTx/>
-                            <a:latin typeface="Cambria Math" panose="02040503050406030204" pitchFamily="18" charset="0"/>
-                            <a:ea typeface="Cambria Math" panose="02040503050406030204" pitchFamily="18" charset="0"/>
-                            <a:cs typeface="+mn-cs"/>
-                          </a:rPr>
-                        </m:ctrlPr>
-                      </m:dPr>
-                      <m:e>
-                        <m:d>
-                          <m:dPr>
-                            <m:ctrlPr>
-                              <a:rPr kumimoji="0" lang="en-US" sz="1100" b="0" i="1" u="none" strike="noStrike" kern="1200" cap="none" spc="0" normalizeH="0" baseline="0" noProof="0" smtClean="0">
-                                <a:ln>
-                                  <a:noFill/>
-                                </a:ln>
-                                <a:solidFill>
-                                  <a:prstClr val="black"/>
-                                </a:solidFill>
-                                <a:effectLst/>
-                                <a:uLnTx/>
-                                <a:uFillTx/>
-                                <a:latin typeface="Cambria Math" panose="02040503050406030204" pitchFamily="18" charset="0"/>
-                                <a:ea typeface="+mn-ea"/>
-                                <a:cs typeface="+mn-cs"/>
-                              </a:rPr>
-                            </m:ctrlPr>
-                          </m:dPr>
-                          <m:e>
-                            <m:r>
-                              <a:rPr kumimoji="0" lang="en-US" sz="1100" b="0" i="1" u="none" strike="noStrike" kern="1200" cap="none" spc="0" normalizeH="0" baseline="0" noProof="0" smtClean="0">
-                                <a:ln>
-                                  <a:noFill/>
-                                </a:ln>
-                                <a:solidFill>
-                                  <a:prstClr val="black"/>
-                                </a:solidFill>
-                                <a:effectLst/>
-                                <a:uLnTx/>
-                                <a:uFillTx/>
-                                <a:latin typeface="Cambria Math" panose="02040503050406030204" pitchFamily="18" charset="0"/>
-                                <a:ea typeface="+mn-ea"/>
-                                <a:cs typeface="+mn-cs"/>
-                              </a:rPr>
-                              <m:t>1−</m:t>
-                            </m:r>
-                            <m:sSub>
-                              <m:sSubPr>
-                                <m:ctrlPr>
-                                  <a:rPr kumimoji="0" lang="en-US" sz="1100" b="0" i="1" u="none" strike="noStrike" kern="1200" cap="none" spc="0" normalizeH="0" baseline="0" noProof="0" smtClean="0">
-                                    <a:ln>
-                                      <a:noFill/>
-                                    </a:ln>
-                                    <a:solidFill>
-                                      <a:prstClr val="black"/>
-                                    </a:solidFill>
-                                    <a:effectLst/>
-                                    <a:uLnTx/>
-                                    <a:uFillTx/>
-                                    <a:latin typeface="Cambria Math" panose="02040503050406030204" pitchFamily="18" charset="0"/>
-                                    <a:ea typeface="+mn-ea"/>
-                                    <a:cs typeface="+mn-cs"/>
-                                  </a:rPr>
-                                </m:ctrlPr>
-                              </m:sSubPr>
-                              <m:e>
-                                <m:r>
-                                  <a:rPr kumimoji="0" lang="en-US" sz="1100" b="0" i="1" u="none" strike="noStrike" kern="1200" cap="none" spc="0" normalizeH="0" baseline="0" noProof="0" smtClean="0">
-                                    <a:ln>
-                                      <a:noFill/>
-                                    </a:ln>
-                                    <a:solidFill>
-                                      <a:prstClr val="black"/>
-                                    </a:solidFill>
-                                    <a:effectLst/>
-                                    <a:uLnTx/>
-                                    <a:uFillTx/>
-                                    <a:latin typeface="Cambria Math" panose="02040503050406030204" pitchFamily="18" charset="0"/>
-                                    <a:ea typeface="+mn-ea"/>
-                                    <a:cs typeface="+mn-cs"/>
-                                  </a:rPr>
-                                  <m:t>𝐹</m:t>
-                                </m:r>
-                              </m:e>
-                              <m:sub>
-                                <m:r>
-                                  <a:rPr kumimoji="0" lang="en-US" sz="1100" b="0" i="1" u="none" strike="noStrike" kern="1200" cap="none" spc="0" normalizeH="0" baseline="0" noProof="0" smtClean="0">
-                                    <a:ln>
-                                      <a:noFill/>
-                                    </a:ln>
-                                    <a:solidFill>
-                                      <a:prstClr val="black"/>
-                                    </a:solidFill>
-                                    <a:effectLst/>
-                                    <a:uLnTx/>
-                                    <a:uFillTx/>
-                                    <a:latin typeface="Cambria Math" panose="02040503050406030204" pitchFamily="18" charset="0"/>
-                                    <a:ea typeface="+mn-ea"/>
-                                    <a:cs typeface="+mn-cs"/>
-                                  </a:rPr>
-                                  <m:t>0</m:t>
-                                </m:r>
-                              </m:sub>
-                            </m:sSub>
-                          </m:e>
-                        </m:d>
-                        <m:sSub>
-                          <m:sSubPr>
-                            <m:ctrlPr>
-                              <a:rPr kumimoji="0" lang="en-US" sz="1100" b="0" i="1" u="none" strike="noStrike" kern="1200" cap="none" spc="0" normalizeH="0" baseline="0" noProof="0" smtClean="0">
-                                <a:ln>
-                                  <a:noFill/>
-                                </a:ln>
-                                <a:solidFill>
-                                  <a:srgbClr val="836967"/>
-                                </a:solidFill>
-                                <a:effectLst/>
-                                <a:uLnTx/>
-                                <a:uFillTx/>
-                                <a:latin typeface="Cambria Math" panose="02040503050406030204" pitchFamily="18" charset="0"/>
-                                <a:ea typeface="+mn-ea"/>
-                                <a:cs typeface="+mn-cs"/>
-                              </a:rPr>
-                            </m:ctrlPr>
-                          </m:sSubPr>
-                          <m:e>
-                            <m:r>
-                              <m:rPr>
-                                <m:sty m:val="p"/>
-                              </m:rPr>
-                              <a:rPr kumimoji="0" lang="en-US" sz="1100" b="0" i="0" u="none" strike="noStrike" kern="1200" cap="none" spc="0" normalizeH="0" baseline="0" noProof="0" smtClean="0">
-                                <a:ln>
-                                  <a:noFill/>
-                                </a:ln>
-                                <a:solidFill>
-                                  <a:prstClr val="black"/>
-                                </a:solidFill>
-                                <a:effectLst/>
-                                <a:uLnTx/>
-                                <a:uFillTx/>
-                                <a:latin typeface="Cambria Math" panose="02040503050406030204" pitchFamily="18" charset="0"/>
-                                <a:ea typeface="+mn-ea"/>
-                                <a:cs typeface="+mn-cs"/>
-                              </a:rPr>
-                              <m:t>L</m:t>
-                            </m:r>
-                          </m:e>
-                          <m:sub>
-                            <m:sSub>
-                              <m:sSubPr>
-                                <m:ctrlPr>
-                                  <a:rPr kumimoji="0" lang="en-US" sz="1100" b="0" i="1" u="none" strike="noStrike" kern="1200" cap="none" spc="0" normalizeH="0" baseline="0" noProof="0" smtClean="0">
-                                    <a:ln>
-                                      <a:noFill/>
-                                    </a:ln>
-                                    <a:solidFill>
-                                      <a:prstClr val="black"/>
-                                    </a:solidFill>
-                                    <a:effectLst/>
-                                    <a:uLnTx/>
-                                    <a:uFillTx/>
-                                    <a:latin typeface="Cambria Math" panose="02040503050406030204" pitchFamily="18" charset="0"/>
-                                    <a:ea typeface="+mn-ea"/>
-                                    <a:cs typeface="+mn-cs"/>
-                                  </a:rPr>
-                                </m:ctrlPr>
-                              </m:sSubPr>
-                              <m:e>
-                                <m:r>
-                                  <a:rPr kumimoji="0" lang="en-US" sz="1100" b="0" i="1" u="none" strike="noStrike" kern="1200" cap="none" spc="0" normalizeH="0" baseline="0" noProof="0" smtClean="0">
-                                    <a:ln>
-                                      <a:noFill/>
-                                    </a:ln>
-                                    <a:solidFill>
-                                      <a:prstClr val="black"/>
-                                    </a:solidFill>
-                                    <a:effectLst/>
-                                    <a:uLnTx/>
-                                    <a:uFillTx/>
-                                    <a:latin typeface="Cambria Math" panose="02040503050406030204" pitchFamily="18" charset="0"/>
-                                    <a:ea typeface="+mn-ea"/>
-                                    <a:cs typeface="+mn-cs"/>
-                                  </a:rPr>
-                                  <m:t>𝑑</m:t>
-                                </m:r>
-                              </m:e>
-                              <m:sub>
-                                <m:r>
-                                  <a:rPr kumimoji="0" lang="en-US" sz="1100" b="0" i="1" u="none" strike="noStrike" kern="1200" cap="none" spc="0" normalizeH="0" baseline="0" noProof="0" smtClean="0">
-                                    <a:ln>
-                                      <a:noFill/>
-                                    </a:ln>
-                                    <a:solidFill>
-                                      <a:prstClr val="black"/>
-                                    </a:solidFill>
-                                    <a:effectLst/>
-                                    <a:uLnTx/>
-                                    <a:uFillTx/>
-                                    <a:latin typeface="Cambria Math" panose="02040503050406030204" pitchFamily="18" charset="0"/>
-                                    <a:ea typeface="+mn-ea"/>
-                                    <a:cs typeface="+mn-cs"/>
-                                  </a:rPr>
-                                  <m:t>1</m:t>
-                                </m:r>
-                              </m:sub>
-                            </m:sSub>
-                          </m:sub>
-                        </m:sSub>
-                        <m:r>
-                          <a:rPr kumimoji="0" lang="en-US" sz="1100" b="0" i="1" u="none" strike="noStrike" kern="1200" cap="none" spc="0" normalizeH="0" baseline="0" noProof="0" smtClean="0">
-                            <a:ln>
-                              <a:noFill/>
-                            </a:ln>
-                            <a:solidFill>
-                              <a:prstClr val="black"/>
-                            </a:solidFill>
-                            <a:effectLst/>
-                            <a:uLnTx/>
-                            <a:uFillTx/>
-                            <a:latin typeface="Cambria Math" panose="02040503050406030204" pitchFamily="18" charset="0"/>
-                            <a:ea typeface="+mn-ea"/>
-                            <a:cs typeface="+mn-cs"/>
-                          </a:rPr>
-                          <m:t>+</m:t>
-                        </m:r>
-                        <m:d>
-                          <m:dPr>
-                            <m:ctrlPr>
-                              <a:rPr kumimoji="0" lang="en-US" sz="1100" b="0" i="1" u="none" strike="noStrike" kern="1200" cap="none" spc="0" normalizeH="0" baseline="0" noProof="0" smtClean="0">
-                                <a:ln>
-                                  <a:noFill/>
-                                </a:ln>
-                                <a:solidFill>
-                                  <a:prstClr val="black"/>
-                                </a:solidFill>
-                                <a:effectLst/>
-                                <a:uLnTx/>
-                                <a:uFillTx/>
-                                <a:latin typeface="Cambria Math" panose="02040503050406030204" pitchFamily="18" charset="0"/>
-                                <a:ea typeface="+mn-ea"/>
-                                <a:cs typeface="+mn-cs"/>
-                              </a:rPr>
-                            </m:ctrlPr>
-                          </m:dPr>
-                          <m:e>
-                            <m:sSub>
-                              <m:sSubPr>
-                                <m:ctrlPr>
-                                  <a:rPr kumimoji="0" lang="en-US" sz="1100" b="0" i="1" u="none" strike="noStrike" kern="1200" cap="none" spc="0" normalizeH="0" baseline="0" noProof="0" smtClean="0">
-                                    <a:ln>
-                                      <a:noFill/>
-                                    </a:ln>
-                                    <a:solidFill>
-                                      <a:prstClr val="black"/>
-                                    </a:solidFill>
-                                    <a:effectLst/>
-                                    <a:uLnTx/>
-                                    <a:uFillTx/>
-                                    <a:latin typeface="Cambria Math" panose="02040503050406030204" pitchFamily="18" charset="0"/>
-                                    <a:ea typeface="+mn-ea"/>
-                                    <a:cs typeface="+mn-cs"/>
-                                  </a:rPr>
-                                </m:ctrlPr>
-                              </m:sSubPr>
-                              <m:e>
-                                <m:r>
-                                  <a:rPr kumimoji="0" lang="en-US" sz="1100" b="0" i="1" u="none" strike="noStrike" kern="1200" cap="none" spc="0" normalizeH="0" baseline="0" noProof="0" smtClean="0">
-                                    <a:ln>
-                                      <a:noFill/>
-                                    </a:ln>
-                                    <a:solidFill>
-                                      <a:prstClr val="black"/>
-                                    </a:solidFill>
-                                    <a:effectLst/>
-                                    <a:uLnTx/>
-                                    <a:uFillTx/>
-                                    <a:latin typeface="Cambria Math" panose="02040503050406030204" pitchFamily="18" charset="0"/>
-                                    <a:ea typeface="+mn-ea"/>
-                                    <a:cs typeface="+mn-cs"/>
-                                  </a:rPr>
-                                  <m:t>𝐹</m:t>
-                                </m:r>
-                              </m:e>
-                              <m:sub>
-                                <m:r>
-                                  <a:rPr kumimoji="0" lang="en-US" sz="1100" b="0" i="1" u="none" strike="noStrike" kern="1200" cap="none" spc="0" normalizeH="0" baseline="0" noProof="0" smtClean="0">
-                                    <a:ln>
-                                      <a:noFill/>
-                                    </a:ln>
-                                    <a:solidFill>
-                                      <a:prstClr val="black"/>
-                                    </a:solidFill>
-                                    <a:effectLst/>
-                                    <a:uLnTx/>
-                                    <a:uFillTx/>
-                                    <a:latin typeface="Cambria Math" panose="02040503050406030204" pitchFamily="18" charset="0"/>
-                                    <a:ea typeface="+mn-ea"/>
-                                    <a:cs typeface="+mn-cs"/>
-                                  </a:rPr>
-                                  <m:t>0</m:t>
-                                </m:r>
-                              </m:sub>
-                            </m:sSub>
-                            <m:r>
-                              <a:rPr kumimoji="0" lang="en-US" sz="1100" b="0" i="1" u="none" strike="noStrike" kern="1200" cap="none" spc="0" normalizeH="0" baseline="0" noProof="0" smtClean="0">
-                                <a:ln>
-                                  <a:noFill/>
-                                </a:ln>
-                                <a:solidFill>
-                                  <a:prstClr val="black"/>
-                                </a:solidFill>
-                                <a:effectLst/>
-                                <a:uLnTx/>
-                                <a:uFillTx/>
-                                <a:latin typeface="Cambria Math" panose="02040503050406030204" pitchFamily="18" charset="0"/>
-                                <a:ea typeface="+mn-ea"/>
-                                <a:cs typeface="+mn-cs"/>
-                              </a:rPr>
-                              <m:t>−1</m:t>
-                            </m:r>
-                          </m:e>
-                        </m:d>
-                        <m:sSub>
-                          <m:sSubPr>
-                            <m:ctrlPr>
-                              <a:rPr kumimoji="0" lang="en-US" sz="1100" b="0" i="1" u="none" strike="noStrike" kern="1200" cap="none" spc="0" normalizeH="0" baseline="0" noProof="0" smtClean="0">
-                                <a:ln>
-                                  <a:noFill/>
-                                </a:ln>
-                                <a:solidFill>
-                                  <a:srgbClr val="836967"/>
-                                </a:solidFill>
-                                <a:effectLst/>
-                                <a:uLnTx/>
-                                <a:uFillTx/>
-                                <a:latin typeface="Cambria Math" panose="02040503050406030204" pitchFamily="18" charset="0"/>
-                                <a:ea typeface="+mn-ea"/>
-                                <a:cs typeface="+mn-cs"/>
-                              </a:rPr>
-                            </m:ctrlPr>
-                          </m:sSubPr>
-                          <m:e>
-                            <m:r>
-                              <m:rPr>
-                                <m:sty m:val="p"/>
-                              </m:rPr>
-                              <a:rPr kumimoji="0" lang="en-US" sz="1100" b="0" i="0" u="none" strike="noStrike" kern="1200" cap="none" spc="0" normalizeH="0" baseline="0" noProof="0" smtClean="0">
-                                <a:ln>
-                                  <a:noFill/>
-                                </a:ln>
-                                <a:solidFill>
-                                  <a:prstClr val="black"/>
-                                </a:solidFill>
-                                <a:effectLst/>
-                                <a:uLnTx/>
-                                <a:uFillTx/>
-                                <a:latin typeface="Cambria Math" panose="02040503050406030204" pitchFamily="18" charset="0"/>
-                                <a:ea typeface="+mn-ea"/>
-                                <a:cs typeface="+mn-cs"/>
-                              </a:rPr>
-                              <m:t>L</m:t>
-                            </m:r>
-                          </m:e>
-                          <m:sub>
-                            <m:sSub>
-                              <m:sSubPr>
-                                <m:ctrlPr>
-                                  <a:rPr kumimoji="0" lang="en-US" sz="1100" b="0" i="1" u="none" strike="noStrike" kern="1200" cap="none" spc="0" normalizeH="0" baseline="0" noProof="0" smtClean="0">
-                                    <a:ln>
-                                      <a:noFill/>
-                                    </a:ln>
-                                    <a:solidFill>
-                                      <a:prstClr val="black"/>
-                                    </a:solidFill>
-                                    <a:effectLst/>
-                                    <a:uLnTx/>
-                                    <a:uFillTx/>
-                                    <a:latin typeface="Cambria Math" panose="02040503050406030204" pitchFamily="18" charset="0"/>
-                                    <a:ea typeface="+mn-ea"/>
-                                    <a:cs typeface="+mn-cs"/>
-                                  </a:rPr>
-                                </m:ctrlPr>
-                              </m:sSubPr>
-                              <m:e>
-                                <m:r>
-                                  <a:rPr kumimoji="0" lang="en-US" sz="1100" b="0" i="1" u="none" strike="noStrike" kern="1200" cap="none" spc="0" normalizeH="0" baseline="0" noProof="0" smtClean="0">
-                                    <a:ln>
-                                      <a:noFill/>
-                                    </a:ln>
-                                    <a:solidFill>
-                                      <a:prstClr val="black"/>
-                                    </a:solidFill>
-                                    <a:effectLst/>
-                                    <a:uLnTx/>
-                                    <a:uFillTx/>
-                                    <a:latin typeface="Cambria Math" panose="02040503050406030204" pitchFamily="18" charset="0"/>
-                                    <a:ea typeface="+mn-ea"/>
-                                    <a:cs typeface="+mn-cs"/>
-                                  </a:rPr>
-                                  <m:t>𝑑</m:t>
-                                </m:r>
-                              </m:e>
-                              <m:sub>
-                                <m:r>
-                                  <a:rPr kumimoji="0" lang="en-US" sz="1100" b="0" i="1" u="none" strike="noStrike" kern="1200" cap="none" spc="0" normalizeH="0" baseline="0" noProof="0" smtClean="0">
-                                    <a:ln>
-                                      <a:noFill/>
-                                    </a:ln>
-                                    <a:solidFill>
-                                      <a:prstClr val="black"/>
-                                    </a:solidFill>
-                                    <a:effectLst/>
-                                    <a:uLnTx/>
-                                    <a:uFillTx/>
-                                    <a:latin typeface="Cambria Math" panose="02040503050406030204" pitchFamily="18" charset="0"/>
-                                    <a:ea typeface="+mn-ea"/>
-                                    <a:cs typeface="+mn-cs"/>
-                                  </a:rPr>
-                                  <m:t>2</m:t>
-                                </m:r>
-                              </m:sub>
-                            </m:sSub>
-                          </m:sub>
-                        </m:sSub>
-                      </m:e>
-                    </m:d>
-                  </m:oMath>
-                </a14:m>
-                <a:r>
-                  <a:rPr kumimoji="0" lang="en-US" sz="1100" b="0" i="0" u="none" strike="noStrike" kern="1200" cap="none" spc="0" normalizeH="0" baseline="0" noProof="0" dirty="0">
-                    <a:ln>
-                      <a:noFill/>
-                    </a:ln>
-                    <a:solidFill>
-                      <a:prstClr val="black"/>
-                    </a:solidFill>
-                    <a:effectLst/>
-                    <a:uLnTx/>
-                    <a:uFillTx/>
-                    <a:latin typeface="Calibri" panose="020F0502020204030204"/>
-                    <a:ea typeface="+mn-ea"/>
-                    <a:cs typeface="+mn-cs"/>
-                  </a:rPr>
-                  <a:t> in first pass, storing results as a 2 colors instead of 4 and multiplying back by </a:t>
+                  <a:t> in first pass, storing results as a 1 color instead of 2 and multiplying back by </a:t>
                 </a:r>
                 <a14:m>
                   <m:oMath xmlns:m="http://schemas.openxmlformats.org/officeDocument/2006/math">
                     <m:sSub>
                       <m:sSubPr>
                         <m:ctrlPr>
-                          <a:rPr lang="en-US" sz="1100" i="1" smtClean="0">
+                          <a:rPr lang="en-US" sz="1400" i="1" smtClean="0">
                             <a:solidFill>
                               <a:prstClr val="black"/>
                             </a:solidFill>
@@ -30861,7 +28901,7 @@
                       </m:sSubPr>
                       <m:e>
                         <m:r>
-                          <a:rPr lang="en-US" sz="1100" i="1" smtClean="0">
+                          <a:rPr lang="en-US" sz="1400" i="1" smtClean="0">
                             <a:solidFill>
                               <a:prstClr val="black"/>
                             </a:solidFill>
@@ -30872,7 +28912,7 @@
                       </m:e>
                       <m:sub>
                         <m:r>
-                          <a:rPr lang="en-US" sz="1100" i="1" smtClean="0">
+                          <a:rPr lang="en-US" sz="1400" i="1" smtClean="0">
                             <a:solidFill>
                               <a:prstClr val="black"/>
                             </a:solidFill>
@@ -30885,7 +28925,7 @@
                   </m:oMath>
                 </a14:m>
                 <a:r>
-                  <a:rPr kumimoji="0" lang="en-US" sz="1100" b="0" i="0" u="none" strike="noStrike" kern="1200" cap="none" spc="0" normalizeH="0" baseline="0" noProof="0" dirty="0">
+                  <a:rPr kumimoji="0" lang="en-US" sz="1400" b="0" i="0" u="none" strike="noStrike" kern="1200" cap="none" spc="0" normalizeH="0" baseline="0" noProof="0" dirty="0">
                     <a:ln>
                       <a:noFill/>
                     </a:ln>
@@ -30906,7 +28946,7 @@
                     <m:sSub>
                       <m:sSubPr>
                         <m:ctrlPr>
-                          <a:rPr lang="en-US" sz="1100" i="1" smtClean="0">
+                          <a:rPr lang="en-US" sz="1400" i="1" smtClean="0">
                             <a:solidFill>
                               <a:prstClr val="black"/>
                             </a:solidFill>
@@ -30916,7 +28956,7 @@
                       </m:sSubPr>
                       <m:e>
                         <m:r>
-                          <a:rPr lang="en-US" sz="1100" i="1" smtClean="0">
+                          <a:rPr lang="en-US" sz="1400" i="1" smtClean="0">
                             <a:solidFill>
                               <a:prstClr val="black"/>
                             </a:solidFill>
@@ -30927,7 +28967,7 @@
                       </m:e>
                       <m:sub>
                         <m:r>
-                          <a:rPr lang="en-US" sz="1100" i="1" smtClean="0">
+                          <a:rPr lang="en-US" sz="1400" i="1" smtClean="0">
                             <a:solidFill>
                               <a:prstClr val="black"/>
                             </a:solidFill>
@@ -30938,7 +28978,7 @@
                       </m:sub>
                     </m:sSub>
                     <m:r>
-                      <a:rPr lang="en-US" sz="1100" i="1" smtClean="0">
+                      <a:rPr lang="en-US" sz="1400" i="1" smtClean="0">
                         <a:solidFill>
                           <a:prstClr val="black"/>
                         </a:solidFill>
@@ -30949,7 +28989,7 @@
                   </m:oMath>
                 </a14:m>
                 <a:r>
-                  <a:rPr kumimoji="0" lang="en-US" sz="1100" b="0" i="0" u="none" strike="noStrike" kern="1200" cap="none" spc="0" normalizeH="0" baseline="0" noProof="0" dirty="0">
+                  <a:rPr kumimoji="0" lang="en-US" sz="1400" b="0" i="0" u="none" strike="noStrike" kern="1200" cap="none" spc="0" normalizeH="0" baseline="0" noProof="0" dirty="0">
                     <a:ln>
                       <a:noFill/>
                     </a:ln>
@@ -30963,10 +29003,10 @@
                     <a:ea typeface="+mn-ea"/>
                     <a:cs typeface="+mn-cs"/>
                   </a:rPr>
-                  <a:t>is different now, because is taken from different</a:t>
+                  <a:t>is different now, because is taken from a different</a:t>
                 </a:r>
                 <a:r>
-                  <a:rPr kumimoji="0" lang="en-US" sz="1100" b="0" i="0" u="none" strike="noStrike" kern="1200" cap="none" spc="0" normalizeH="0" noProof="0" dirty="0">
+                  <a:rPr kumimoji="0" lang="en-US" sz="1400" b="0" i="0" u="none" strike="noStrike" kern="1200" cap="none" spc="0" normalizeH="0" noProof="0" dirty="0">
                     <a:ln>
                       <a:noFill/>
                     </a:ln>
@@ -30983,7 +29023,7 @@
                   <a:t> sampling point – full resolution second pass vs reduced shading rate in first pass)</a:t>
                 </a:r>
                 <a:r>
-                  <a:rPr kumimoji="0" lang="en-US" sz="1100" b="0" i="0" u="none" strike="noStrike" kern="1200" cap="none" spc="0" normalizeH="0" baseline="0" noProof="0" dirty="0">
+                  <a:rPr kumimoji="0" lang="en-US" sz="1400" b="0" i="0" u="none" strike="noStrike" kern="1200" cap="none" spc="0" normalizeH="0" baseline="0" noProof="0" dirty="0">
                     <a:ln>
                       <a:noFill/>
                     </a:ln>
@@ -31007,7 +29047,7 @@
                   <a:defRPr/>
                 </a:pPr>
                 <a:r>
-                  <a:rPr kumimoji="0" lang="en-US" sz="1100" b="0" i="0" u="none" strike="noStrike" kern="1200" cap="none" spc="0" normalizeH="0" baseline="0" noProof="0" dirty="0" err="1">
+                  <a:rPr kumimoji="0" lang="en-US" sz="1400" b="0" i="0" u="none" strike="noStrike" kern="1200" cap="none" spc="0" normalizeH="0" baseline="0" noProof="0" dirty="0" err="1">
                     <a:ln>
                       <a:noFill/>
                     </a:ln>
@@ -31024,7 +29064,7 @@
                   <a:t>Precalculating</a:t>
                 </a:r>
                 <a:r>
-                  <a:rPr kumimoji="0" lang="en-US" sz="1100" b="0" i="0" u="none" strike="noStrike" kern="1200" cap="none" spc="0" normalizeH="0" baseline="0" noProof="0" dirty="0">
+                  <a:rPr kumimoji="0" lang="en-US" sz="1400" b="0" i="0" u="none" strike="noStrike" kern="1200" cap="none" spc="0" normalizeH="0" baseline="0" noProof="0" dirty="0">
                     <a:ln>
                       <a:noFill/>
                     </a:ln>
@@ -31045,7 +29085,7 @@
                     <m:d>
                       <m:dPr>
                         <m:ctrlPr>
-                          <a:rPr lang="en-GB" sz="1100" i="1" smtClean="0">
+                          <a:rPr lang="en-GB" sz="1400" i="1" smtClean="0">
                             <a:solidFill>
                               <a:srgbClr val="836967"/>
                             </a:solidFill>
@@ -31057,7 +29097,7 @@
                         <m:sSub>
                           <m:sSubPr>
                             <m:ctrlPr>
-                              <a:rPr lang="en-GB" sz="1100" i="1">
+                              <a:rPr lang="en-GB" sz="1400" i="1">
                                 <a:solidFill>
                                   <a:srgbClr val="836967"/>
                                 </a:solidFill>
@@ -31070,7 +29110,7 @@
                               <m:rPr>
                                 <m:sty m:val="p"/>
                               </m:rPr>
-                              <a:rPr lang="en-GB" sz="1100">
+                              <a:rPr lang="en-GB" sz="1400">
                                 <a:latin typeface="Cambria Math" panose="02040503050406030204" pitchFamily="18" charset="0"/>
                               </a:rPr>
                               <m:t>ω</m:t>
@@ -31078,7 +29118,7 @@
                           </m:e>
                           <m:sub>
                             <m:r>
-                              <a:rPr lang="en-GB" sz="1100" i="1">
+                              <a:rPr lang="en-GB" sz="1400" i="1">
                                 <a:latin typeface="Cambria Math" panose="02040503050406030204" pitchFamily="18" charset="0"/>
                               </a:rPr>
                               <m:t>𝑜</m:t>
@@ -31086,13 +29126,13 @@
                           </m:sub>
                         </m:sSub>
                         <m:r>
-                          <a:rPr lang="en-GB" sz="1100">
+                          <a:rPr lang="en-GB" sz="1400">
                             <a:latin typeface="Cambria Math" panose="02040503050406030204" pitchFamily="18" charset="0"/>
                           </a:rPr>
                           <m:t>∙</m:t>
                         </m:r>
                         <m:r>
-                          <a:rPr lang="en-GB" sz="1100" i="1">
+                          <a:rPr lang="en-GB" sz="1400" i="1">
                             <a:latin typeface="Cambria Math" panose="02040503050406030204" pitchFamily="18" charset="0"/>
                           </a:rPr>
                           <m:t>𝑛</m:t>
@@ -31102,7 +29142,7 @@
                   </m:oMath>
                 </a14:m>
                 <a:r>
-                  <a:rPr kumimoji="0" lang="en-US" sz="1100" b="0" i="0" u="none" strike="noStrike" kern="1200" cap="none" spc="0" normalizeH="0" baseline="0" noProof="0" dirty="0">
+                  <a:rPr kumimoji="0" lang="en-US" sz="1400" b="0" i="0" u="none" strike="noStrike" kern="1200" cap="none" spc="0" normalizeH="0" baseline="0" noProof="0" dirty="0">
                     <a:ln>
                       <a:noFill/>
                     </a:ln>
@@ -31119,7 +29159,7 @@
                   <a:t> in geometry pass – no need</a:t>
                 </a:r>
                 <a:r>
-                  <a:rPr kumimoji="0" lang="en-US" sz="1100" b="0" i="0" u="none" strike="noStrike" kern="1200" cap="none" spc="0" normalizeH="0" noProof="0" dirty="0">
+                  <a:rPr kumimoji="0" lang="en-US" sz="1400" b="0" i="0" u="none" strike="noStrike" kern="1200" cap="none" spc="0" normalizeH="0" noProof="0" dirty="0">
                     <a:ln>
                       <a:noFill/>
                     </a:ln>
@@ -31135,19 +29175,11 @@
                   </a:rPr>
                   <a:t> for normal and depth in second pass</a:t>
                 </a:r>
-                <a:endParaRPr kumimoji="0" lang="en-US" sz="1100" b="0" i="0" u="none" strike="noStrike" kern="1200" cap="none" spc="0" normalizeH="0" baseline="0" noProof="0" dirty="0">
-                  <a:ln>
-                    <a:noFill/>
-                  </a:ln>
+                <a:endParaRPr lang="en-US" sz="1400" dirty="0">
                   <a:solidFill>
                     <a:prstClr val="black"/>
                   </a:solidFill>
-                  <a:effectLst/>
-                  <a:uLnTx/>
-                  <a:uFillTx/>
                   <a:latin typeface="Calibri" panose="020F0502020204030204"/>
-                  <a:ea typeface="+mn-ea"/>
-                  <a:cs typeface="+mn-cs"/>
                 </a:endParaRPr>
               </a:p>
               <a:p>
@@ -31156,7 +29188,23 @@
                   <a:buAutoNum type="alphaUcPeriod"/>
                   <a:defRPr/>
                 </a:pPr>
-                <a:endParaRPr lang="en-US" sz="1100" dirty="0">
+                <a:r>
+                  <a:rPr lang="en-US" sz="1400" dirty="0">
+                    <a:solidFill>
+                      <a:prstClr val="black"/>
+                    </a:solidFill>
+                    <a:latin typeface="Calibri" panose="020F0502020204030204"/>
+                  </a:rPr>
+                  <a:t>Smart combined packing of I-Buffer and G-Buffer</a:t>
+                </a:r>
+              </a:p>
+              <a:p>
+                <a:pPr marL="228600" lvl="0" indent="-228600" algn="just">
+                  <a:buFontTx/>
+                  <a:buAutoNum type="alphaUcPeriod"/>
+                  <a:defRPr/>
+                </a:pPr>
+                <a:endParaRPr lang="en-US" sz="1400" dirty="0">
                   <a:solidFill>
                     <a:prstClr val="black"/>
                   </a:solidFill>
@@ -31168,7 +29216,7 @@
                   <a:defRPr/>
                 </a:pPr>
                 <a:r>
-                  <a:rPr kumimoji="0" lang="en-US" sz="1100" b="0" i="0" u="none" strike="noStrike" kern="1200" cap="none" spc="0" normalizeH="0" baseline="0" noProof="0" dirty="0">
+                  <a:rPr kumimoji="0" lang="en-US" sz="1400" b="0" i="0" u="none" strike="noStrike" kern="1200" cap="none" spc="0" normalizeH="0" baseline="0" noProof="0" dirty="0">
                     <a:ln>
                       <a:noFill/>
                     </a:ln>
@@ -31182,7 +29230,41 @@
                     <a:ea typeface="+mn-ea"/>
                     <a:cs typeface="+mn-cs"/>
                   </a:rPr>
-                  <a:t>In case of light bleeding over edges due greater aliasing in I-Buffer then in G-Buffer:</a:t>
+                  <a:t>In case of light bleeding over edges and aliased shadow edges due </a:t>
+                </a:r>
+                <a:r>
+                  <a:rPr kumimoji="0" lang="pl-PL" sz="1400" b="0" i="0" u="none" strike="noStrike" kern="1200" cap="none" spc="0" normalizeH="0" baseline="0" noProof="0" dirty="0">
+                    <a:ln>
+                      <a:noFill/>
+                    </a:ln>
+                    <a:solidFill>
+                      <a:prstClr val="black"/>
+                    </a:solidFill>
+                    <a:effectLst/>
+                    <a:uLnTx/>
+                    <a:uFillTx/>
+                    <a:latin typeface="Calibri" panose="020F0502020204030204"/>
+                    <a:ea typeface="+mn-ea"/>
+                    <a:cs typeface="+mn-cs"/>
+                  </a:rPr>
+                  <a:t>to </a:t>
+                </a:r>
+                <a:r>
+                  <a:rPr kumimoji="0" lang="en-US" sz="1400" b="0" i="0" u="none" strike="noStrike" kern="1200" cap="none" spc="0" normalizeH="0" baseline="0" noProof="0" dirty="0">
+                    <a:ln>
+                      <a:noFill/>
+                    </a:ln>
+                    <a:solidFill>
+                      <a:prstClr val="black"/>
+                    </a:solidFill>
+                    <a:effectLst/>
+                    <a:uLnTx/>
+                    <a:uFillTx/>
+                    <a:latin typeface="Calibri" panose="020F0502020204030204"/>
+                    <a:ea typeface="+mn-ea"/>
+                    <a:cs typeface="+mn-cs"/>
+                  </a:rPr>
+                  <a:t>greater aliasing in I-Buffer then in G-Buffer:</a:t>
                 </a:r>
               </a:p>
               <a:p>
@@ -31192,7 +29274,7 @@
                   <a:defRPr/>
                 </a:pPr>
                 <a:r>
-                  <a:rPr kumimoji="0" lang="en-US" sz="1100" b="0" i="0" u="none" strike="noStrike" kern="1200" cap="none" spc="0" normalizeH="0" baseline="0" noProof="0" dirty="0">
+                  <a:rPr kumimoji="0" lang="en-US" sz="1400" b="0" i="0" u="none" strike="noStrike" kern="1200" cap="none" spc="0" normalizeH="0" baseline="0" noProof="0" dirty="0">
                     <a:ln>
                       <a:noFill/>
                     </a:ln>
@@ -31209,15 +29291,15 @@
                   <a:t>Using VRS with dedicated shading rate attachments per illumination aspect</a:t>
                 </a:r>
                 <a:r>
-                  <a:rPr lang="en-US" sz="1100" dirty="0">
+                  <a:rPr lang="en-US" sz="1400" dirty="0">
                     <a:solidFill>
                       <a:prstClr val="black"/>
                     </a:solidFill>
                     <a:latin typeface="Calibri" panose="020F0502020204030204"/>
                   </a:rPr>
-                  <a:t> (direct, shadows, reflections, indirect)</a:t>
+                  <a:t> (direct, shadows, reflections, indirect, etc.)</a:t>
                 </a:r>
-                <a:endParaRPr kumimoji="0" lang="en-US" sz="1100" b="0" i="0" u="none" strike="noStrike" kern="1200" cap="none" spc="0" normalizeH="0" baseline="0" noProof="0" dirty="0">
+                <a:endParaRPr kumimoji="0" lang="en-US" sz="1400" b="0" i="0" u="none" strike="noStrike" kern="1200" cap="none" spc="0" normalizeH="0" baseline="0" noProof="0" dirty="0">
                   <a:ln>
                     <a:noFill/>
                   </a:ln>
@@ -31239,7 +29321,7 @@
                   <a:defRPr/>
                 </a:pPr>
                 <a:r>
-                  <a:rPr lang="en-US" sz="1100" dirty="0">
+                  <a:rPr lang="en-US" sz="1400" dirty="0">
                     <a:solidFill>
                       <a:prstClr val="black"/>
                     </a:solidFill>
@@ -31248,7 +29330,7 @@
                   <a:t>Using different shading rates </a:t>
                 </a:r>
                 <a:r>
-                  <a:rPr kumimoji="0" lang="en-US" sz="1100" b="0" i="0" u="none" strike="noStrike" kern="1200" cap="none" spc="0" normalizeH="0" baseline="0" noProof="0" dirty="0">
+                  <a:rPr kumimoji="0" lang="en-US" sz="1400" b="0" i="0" u="none" strike="noStrike" kern="1200" cap="none" spc="0" normalizeH="0" baseline="0" noProof="0" dirty="0">
                     <a:ln>
                       <a:noFill/>
                     </a:ln>
@@ -31265,7 +29347,7 @@
                   <a:t>per illumination aspect</a:t>
                 </a:r>
                 <a:r>
-                  <a:rPr lang="en-US" sz="1100" dirty="0">
+                  <a:rPr lang="en-US" sz="1400" dirty="0">
                     <a:solidFill>
                       <a:prstClr val="black"/>
                     </a:solidFill>
@@ -31273,7 +29355,7 @@
                   </a:rPr>
                   <a:t> </a:t>
                 </a:r>
-                <a:endParaRPr kumimoji="0" lang="en-US" sz="1100" b="0" i="0" u="none" strike="noStrike" kern="1200" cap="none" spc="0" normalizeH="0" baseline="0" noProof="0" dirty="0">
+                <a:endParaRPr kumimoji="0" lang="en-US" sz="1400" b="0" i="0" u="none" strike="noStrike" kern="1200" cap="none" spc="0" normalizeH="0" baseline="0" noProof="0" dirty="0">
                   <a:ln>
                     <a:noFill/>
                   </a:ln>
@@ -31308,8 +29390,8 @@
             </p:nvSpPr>
             <p:spPr>
               <a:xfrm>
-                <a:off x="461994" y="924811"/>
-                <a:ext cx="7555659" cy="1716624"/>
+                <a:off x="474105" y="1590930"/>
+                <a:ext cx="7555659" cy="2794226"/>
               </a:xfrm>
               <a:prstGeom prst="rect">
                 <a:avLst/>
@@ -31317,7 +29399,7 @@
               <a:blipFill>
                 <a:blip r:embed="rId2"/>
                 <a:stretch>
-                  <a:fillRect t="-356" b="-1779"/>
+                  <a:fillRect l="-323" t="-437" r="-242" b="-1528"/>
                 </a:stretch>
               </a:blipFill>
             </p:spPr>
@@ -31391,8 +29473,8 @@
             </p:nvSpPr>
             <p:spPr>
               <a:xfrm>
-                <a:off x="8207396" y="371911"/>
-                <a:ext cx="3649526" cy="2678747"/>
+                <a:off x="8979274" y="295706"/>
+                <a:ext cx="2662458" cy="2305311"/>
               </a:xfrm>
               <a:prstGeom prst="rect">
                 <a:avLst/>
@@ -31586,7 +29668,7 @@
                       <m:sSub>
                         <m:sSubPr>
                           <m:ctrlPr>
-                            <a:rPr lang="en-GB" sz="1000" i="1">
+                            <a:rPr lang="en-US" sz="1000" i="1">
                               <a:solidFill>
                                 <a:srgbClr val="836967"/>
                               </a:solidFill>
@@ -31599,7 +29681,7 @@
                             <m:rPr>
                               <m:sty m:val="p"/>
                             </m:rPr>
-                            <a:rPr lang="en-GB" sz="1000">
+                            <a:rPr lang="en-US" sz="1000">
                               <a:latin typeface="Cambria Math" panose="02040503050406030204" pitchFamily="18" charset="0"/>
                             </a:rPr>
                             <m:t>L</m:t>
@@ -31609,14 +29691,14 @@
                           <m:sSub>
                             <m:sSubPr>
                               <m:ctrlPr>
-                                <a:rPr lang="pl-PL" sz="1000" i="1">
+                                <a:rPr lang="en-US" sz="1000" i="1">
                                   <a:latin typeface="Cambria Math" panose="02040503050406030204" pitchFamily="18" charset="0"/>
                                 </a:rPr>
                               </m:ctrlPr>
                             </m:sSubPr>
                             <m:e>
                               <m:r>
-                                <a:rPr lang="pl-PL" sz="1000" i="1">
+                                <a:rPr lang="en-US" sz="1000" i="1">
                                   <a:latin typeface="Cambria Math" panose="02040503050406030204" pitchFamily="18" charset="0"/>
                                 </a:rPr>
                                 <m:t>𝑑</m:t>
@@ -31624,7 +29706,7 @@
                             </m:e>
                             <m:sub>
                               <m:r>
-                                <a:rPr lang="pl-PL" sz="1000" i="1">
+                                <a:rPr lang="en-US" sz="1000" i="1">
                                   <a:latin typeface="Cambria Math" panose="02040503050406030204" pitchFamily="18" charset="0"/>
                                 </a:rPr>
                                 <m:t>1</m:t>
@@ -31634,7 +29716,7 @@
                         </m:sub>
                       </m:sSub>
                       <m:r>
-                        <a:rPr lang="pl-PL" sz="1000" i="1">
+                        <a:rPr lang="en-US" sz="1000" i="1">
                           <a:latin typeface="Cambria Math" panose="02040503050406030204" pitchFamily="18" charset="0"/>
                         </a:rPr>
                         <m:t>=</m:t>
@@ -31644,7 +29726,10 @@
                           <m:chr m:val="∑"/>
                           <m:supHide m:val="on"/>
                           <m:ctrlPr>
-                            <a:rPr lang="en-GB" sz="1000" i="1">
+                            <a:rPr lang="en-US" sz="1000" i="1">
+                              <a:solidFill>
+                                <a:prstClr val="black"/>
+                              </a:solidFill>
                               <a:latin typeface="Cambria Math" panose="02040503050406030204" pitchFamily="18" charset="0"/>
                             </a:rPr>
                           </m:ctrlPr>
@@ -31654,7 +29739,10 @@
                             <m:rPr>
                               <m:brk m:alnAt="7"/>
                             </m:rPr>
-                            <a:rPr lang="pl-PL" sz="1000" i="1">
+                            <a:rPr lang="en-US" sz="1000" i="1">
+                              <a:solidFill>
+                                <a:prstClr val="black"/>
+                              </a:solidFill>
                               <a:latin typeface="Cambria Math" panose="02040503050406030204" pitchFamily="18" charset="0"/>
                             </a:rPr>
                             <m:t>𝑖</m:t>
@@ -31662,10 +29750,67 @@
                         </m:sub>
                         <m:sup/>
                         <m:e>
+                          <m:d>
+                            <m:dPr>
+                              <m:ctrlPr>
+                                <a:rPr lang="en-US" sz="1000" i="1">
+                                  <a:solidFill>
+                                    <a:prstClr val="black"/>
+                                  </a:solidFill>
+                                  <a:latin typeface="Cambria Math" panose="02040503050406030204" pitchFamily="18" charset="0"/>
+                                </a:rPr>
+                              </m:ctrlPr>
+                            </m:dPr>
+                            <m:e>
+                              <m:r>
+                                <a:rPr lang="en-US" sz="1000" i="1">
+                                  <a:solidFill>
+                                    <a:prstClr val="black"/>
+                                  </a:solidFill>
+                                  <a:latin typeface="Cambria Math" panose="02040503050406030204" pitchFamily="18" charset="0"/>
+                                </a:rPr>
+                                <m:t>1−</m:t>
+                              </m:r>
+                              <m:sSub>
+                                <m:sSubPr>
+                                  <m:ctrlPr>
+                                    <a:rPr lang="en-US" sz="1000" i="1">
+                                      <a:solidFill>
+                                        <a:prstClr val="black"/>
+                                      </a:solidFill>
+                                      <a:latin typeface="Cambria Math" panose="02040503050406030204" pitchFamily="18" charset="0"/>
+                                    </a:rPr>
+                                  </m:ctrlPr>
+                                </m:sSubPr>
+                                <m:e>
+                                  <m:r>
+                                    <a:rPr lang="en-US" sz="1000" i="1">
+                                      <a:solidFill>
+                                        <a:prstClr val="black"/>
+                                      </a:solidFill>
+                                      <a:latin typeface="Cambria Math" panose="02040503050406030204" pitchFamily="18" charset="0"/>
+                                    </a:rPr>
+                                    <m:t>𝑃</m:t>
+                                  </m:r>
+                                </m:e>
+                                <m:sub>
+                                  <m:r>
+                                    <a:rPr lang="en-US" sz="1000" i="1">
+                                      <a:solidFill>
+                                        <a:prstClr val="black"/>
+                                      </a:solidFill>
+                                      <a:latin typeface="Cambria Math" panose="02040503050406030204" pitchFamily="18" charset="0"/>
+                                    </a:rPr>
+                                    <m:t>𝑖</m:t>
+                                  </m:r>
+                                </m:sub>
+                              </m:sSub>
+                            </m:e>
+                          </m:d>
                           <m:sSub>
                             <m:sSubPr>
                               <m:ctrlPr>
-                                <a:rPr lang="en-GB" sz="1000" i="1">
+                                <a:rPr lang="en-US" sz="1000" i="1">
                                   <a:solidFill>
                                     <a:srgbClr val="836967"/>
                                   </a:solidFill>
@@ -31675,7 +29820,10 @@
                             </m:sSubPr>
                             <m:e>
                               <m:r>
-                                <a:rPr lang="en-GB" sz="1000" i="1">
+                                <a:rPr lang="en-US" sz="1000" i="1">
+                                  <a:solidFill>
+                                    <a:prstClr val="black"/>
+                                  </a:solidFill>
                                   <a:latin typeface="Cambria Math" panose="02040503050406030204" pitchFamily="18" charset="0"/>
                                 </a:rPr>
                                 <m:t>𝐿</m:t>
@@ -31683,7 +29831,10 @@
                             </m:e>
                             <m:sub>
                               <m:r>
-                                <a:rPr lang="en-GB" sz="1000" i="1">
+                                <a:rPr lang="en-US" sz="1000" i="1">
+                                  <a:solidFill>
+                                    <a:prstClr val="black"/>
+                                  </a:solidFill>
                                   <a:latin typeface="Cambria Math" panose="02040503050406030204" pitchFamily="18" charset="0"/>
                                 </a:rPr>
                                 <m:t>𝑖</m:t>
@@ -31693,20 +29844,29 @@
                           <m:d>
                             <m:dPr>
                               <m:ctrlPr>
-                                <a:rPr lang="pl-PL" sz="1000" i="1">
+                                <a:rPr lang="en-US" sz="1000" i="1">
+                                  <a:solidFill>
+                                    <a:prstClr val="black"/>
+                                  </a:solidFill>
                                   <a:latin typeface="Cambria Math" panose="02040503050406030204" pitchFamily="18" charset="0"/>
                                 </a:rPr>
                               </m:ctrlPr>
                             </m:dPr>
                             <m:e>
                               <m:r>
-                                <a:rPr lang="en-GB" sz="1000" i="1">
+                                <a:rPr lang="en-US" sz="1000" i="1">
+                                  <a:solidFill>
+                                    <a:prstClr val="black"/>
+                                  </a:solidFill>
                                   <a:latin typeface="Cambria Math" panose="02040503050406030204" pitchFamily="18" charset="0"/>
                                 </a:rPr>
                                 <m:t>𝑛</m:t>
                               </m:r>
                               <m:r>
-                                <a:rPr lang="en-GB" sz="1000" i="1">
+                                <a:rPr lang="en-US" sz="1000" i="1">
+                                  <a:solidFill>
+                                    <a:prstClr val="black"/>
+                                  </a:solidFill>
                                   <a:latin typeface="Cambria Math" panose="02040503050406030204" pitchFamily="18" charset="0"/>
                                   <a:ea typeface="Cambria Math" panose="02040503050406030204" pitchFamily="18" charset="0"/>
                                 </a:rPr>
@@ -31715,7 +29875,7 @@
                               <m:sSub>
                                 <m:sSubPr>
                                   <m:ctrlPr>
-                                    <a:rPr lang="en-GB" sz="1000" i="1">
+                                    <a:rPr lang="en-US" sz="1000" i="1">
                                       <a:solidFill>
                                         <a:srgbClr val="836967"/>
                                       </a:solidFill>
@@ -31725,7 +29885,10 @@
                                 </m:sSubPr>
                                 <m:e>
                                   <m:r>
-                                    <a:rPr lang="en-GB" sz="1000" i="1">
+                                    <a:rPr lang="en-US" sz="1000" i="1">
+                                      <a:solidFill>
+                                        <a:prstClr val="black"/>
+                                      </a:solidFill>
                                       <a:latin typeface="Cambria Math" panose="02040503050406030204" pitchFamily="18" charset="0"/>
                                     </a:rPr>
                                     <m:t>𝜔</m:t>
@@ -31733,7 +29896,10 @@
                                 </m:e>
                                 <m:sub>
                                   <m:r>
-                                    <a:rPr lang="en-GB" sz="1000" i="1">
+                                    <a:rPr lang="en-US" sz="1000" i="1">
+                                      <a:solidFill>
+                                        <a:prstClr val="black"/>
+                                      </a:solidFill>
                                       <a:latin typeface="Cambria Math" panose="02040503050406030204" pitchFamily="18" charset="0"/>
                                     </a:rPr>
                                     <m:t>𝑖</m:t>
@@ -31749,7 +29915,7 @@
                       <m:sSub>
                         <m:sSubPr>
                           <m:ctrlPr>
-                            <a:rPr lang="en-GB" sz="1000" i="1">
+                            <a:rPr lang="en-US" sz="1000" i="1">
                               <a:solidFill>
                                 <a:srgbClr val="836967"/>
                               </a:solidFill>
@@ -31762,7 +29928,10 @@
                             <m:rPr>
                               <m:sty m:val="p"/>
                             </m:rPr>
-                            <a:rPr lang="en-GB" sz="1000">
+                            <a:rPr lang="en-US" sz="1000">
+                              <a:solidFill>
+                                <a:prstClr val="black"/>
+                              </a:solidFill>
                               <a:latin typeface="Cambria Math" panose="02040503050406030204" pitchFamily="18" charset="0"/>
                             </a:rPr>
                             <m:t>L</m:t>
@@ -31772,217 +29941,17 @@
                           <m:sSub>
                             <m:sSubPr>
                               <m:ctrlPr>
-                                <a:rPr lang="pl-PL" sz="1000" i="1">
+                                <a:rPr lang="en-US" sz="1000" i="1">
+                                  <a:solidFill>
+                                    <a:prstClr val="black"/>
+                                  </a:solidFill>
                                   <a:latin typeface="Cambria Math" panose="02040503050406030204" pitchFamily="18" charset="0"/>
                                 </a:rPr>
                               </m:ctrlPr>
                             </m:sSubPr>
                             <m:e>
                               <m:r>
-                                <a:rPr lang="pl-PL" sz="1000" i="1">
-                                  <a:latin typeface="Cambria Math" panose="02040503050406030204" pitchFamily="18" charset="0"/>
-                                </a:rPr>
-                                <m:t>𝑑</m:t>
-                              </m:r>
-                            </m:e>
-                            <m:sub>
-                              <m:r>
-                                <a:rPr lang="pl-PL" sz="1000" i="1">
-                                  <a:latin typeface="Cambria Math" panose="02040503050406030204" pitchFamily="18" charset="0"/>
-                                </a:rPr>
-                                <m:t>2</m:t>
-                              </m:r>
-                            </m:sub>
-                          </m:sSub>
-                        </m:sub>
-                      </m:sSub>
-                      <m:r>
-                        <a:rPr lang="pl-PL" sz="1000" i="1">
-                          <a:latin typeface="Cambria Math" panose="02040503050406030204" pitchFamily="18" charset="0"/>
-                        </a:rPr>
-                        <m:t>=</m:t>
-                      </m:r>
-                      <m:nary>
-                        <m:naryPr>
-                          <m:chr m:val="∑"/>
-                          <m:supHide m:val="on"/>
-                          <m:ctrlPr>
-                            <a:rPr lang="en-GB" sz="1000" i="1">
-                              <a:latin typeface="Cambria Math" panose="02040503050406030204" pitchFamily="18" charset="0"/>
-                            </a:rPr>
-                          </m:ctrlPr>
-                        </m:naryPr>
-                        <m:sub>
-                          <m:r>
-                            <m:rPr>
-                              <m:brk m:alnAt="7"/>
-                            </m:rPr>
-                            <a:rPr lang="pl-PL" sz="1000" i="1">
-                              <a:latin typeface="Cambria Math" panose="02040503050406030204" pitchFamily="18" charset="0"/>
-                            </a:rPr>
-                            <m:t>𝑖</m:t>
-                          </m:r>
-                        </m:sub>
-                        <m:sup/>
-                        <m:e>
-                          <m:sSub>
-                            <m:sSubPr>
-                              <m:ctrlPr>
-                                <a:rPr lang="pl-PL" sz="1000" i="1">
-                                  <a:solidFill>
-                                    <a:prstClr val="black"/>
-                                  </a:solidFill>
-                                  <a:latin typeface="Cambria Math" panose="02040503050406030204" pitchFamily="18" charset="0"/>
-                                </a:rPr>
-                              </m:ctrlPr>
-                            </m:sSubPr>
-                            <m:e>
-                              <m:r>
-                                <a:rPr lang="pl-PL" sz="1000" i="1">
-                                  <a:solidFill>
-                                    <a:prstClr val="black"/>
-                                  </a:solidFill>
-                                  <a:latin typeface="Cambria Math" panose="02040503050406030204" pitchFamily="18" charset="0"/>
-                                </a:rPr>
-                                <m:t>𝑃</m:t>
-                              </m:r>
-                            </m:e>
-                            <m:sub>
-                              <m:r>
-                                <a:rPr lang="pl-PL" sz="1000" i="1">
-                                  <a:solidFill>
-                                    <a:prstClr val="black"/>
-                                  </a:solidFill>
-                                  <a:latin typeface="Cambria Math" panose="02040503050406030204" pitchFamily="18" charset="0"/>
-                                </a:rPr>
-                                <m:t>𝑖</m:t>
-                              </m:r>
-                            </m:sub>
-                          </m:sSub>
-                          <m:sSub>
-                            <m:sSubPr>
-                              <m:ctrlPr>
-                                <a:rPr lang="en-GB" sz="1000" i="1">
-                                  <a:solidFill>
-                                    <a:srgbClr val="836967"/>
-                                  </a:solidFill>
-                                  <a:latin typeface="Cambria Math" panose="02040503050406030204" pitchFamily="18" charset="0"/>
-                                </a:rPr>
-                              </m:ctrlPr>
-                            </m:sSubPr>
-                            <m:e>
-                              <m:r>
-                                <a:rPr lang="en-GB" sz="1000" i="1">
-                                  <a:latin typeface="Cambria Math" panose="02040503050406030204" pitchFamily="18" charset="0"/>
-                                </a:rPr>
-                                <m:t>𝐿</m:t>
-                              </m:r>
-                            </m:e>
-                            <m:sub>
-                              <m:r>
-                                <a:rPr lang="en-GB" sz="1000" i="1">
-                                  <a:latin typeface="Cambria Math" panose="02040503050406030204" pitchFamily="18" charset="0"/>
-                                </a:rPr>
-                                <m:t>𝑖</m:t>
-                              </m:r>
-                            </m:sub>
-                          </m:sSub>
-                          <m:d>
-                            <m:dPr>
-                              <m:ctrlPr>
-                                <a:rPr lang="pl-PL" sz="1000" i="1">
-                                  <a:latin typeface="Cambria Math" panose="02040503050406030204" pitchFamily="18" charset="0"/>
-                                </a:rPr>
-                              </m:ctrlPr>
-                            </m:dPr>
-                            <m:e>
-                              <m:r>
-                                <a:rPr lang="en-GB" sz="1000" i="1">
-                                  <a:latin typeface="Cambria Math" panose="02040503050406030204" pitchFamily="18" charset="0"/>
-                                </a:rPr>
-                                <m:t>𝑛</m:t>
-                              </m:r>
-                              <m:r>
-                                <a:rPr lang="en-GB" sz="1000" i="1">
-                                  <a:latin typeface="Cambria Math" panose="02040503050406030204" pitchFamily="18" charset="0"/>
-                                  <a:ea typeface="Cambria Math" panose="02040503050406030204" pitchFamily="18" charset="0"/>
-                                </a:rPr>
-                                <m:t>∙</m:t>
-                              </m:r>
-                              <m:sSub>
-                                <m:sSubPr>
-                                  <m:ctrlPr>
-                                    <a:rPr lang="en-GB" sz="1000" i="1">
-                                      <a:solidFill>
-                                        <a:srgbClr val="836967"/>
-                                      </a:solidFill>
-                                      <a:latin typeface="Cambria Math" panose="02040503050406030204" pitchFamily="18" charset="0"/>
-                                    </a:rPr>
-                                  </m:ctrlPr>
-                                </m:sSubPr>
-                                <m:e>
-                                  <m:r>
-                                    <a:rPr lang="en-GB" sz="1000" i="1">
-                                      <a:latin typeface="Cambria Math" panose="02040503050406030204" pitchFamily="18" charset="0"/>
-                                    </a:rPr>
-                                    <m:t>𝜔</m:t>
-                                  </m:r>
-                                </m:e>
-                                <m:sub>
-                                  <m:r>
-                                    <a:rPr lang="en-GB" sz="1000" i="1">
-                                      <a:latin typeface="Cambria Math" panose="02040503050406030204" pitchFamily="18" charset="0"/>
-                                    </a:rPr>
-                                    <m:t>𝑖</m:t>
-                                  </m:r>
-                                </m:sub>
-                              </m:sSub>
-                            </m:e>
-                          </m:d>
-                        </m:e>
-                      </m:nary>
-                    </m:oMath>
-                    <m:oMath xmlns:m="http://schemas.openxmlformats.org/officeDocument/2006/math">
-                      <m:sSub>
-                        <m:sSubPr>
-                          <m:ctrlPr>
-                            <a:rPr lang="en-GB" sz="1000" i="1">
-                              <a:solidFill>
-                                <a:srgbClr val="836967"/>
-                              </a:solidFill>
-                              <a:latin typeface="Cambria Math" panose="02040503050406030204" pitchFamily="18" charset="0"/>
-                            </a:rPr>
-                          </m:ctrlPr>
-                        </m:sSubPr>
-                        <m:e>
-                          <m:r>
-                            <m:rPr>
-                              <m:sty m:val="p"/>
-                            </m:rPr>
-                            <a:rPr lang="en-GB" sz="1000">
-                              <a:solidFill>
-                                <a:prstClr val="black"/>
-                              </a:solidFill>
-                              <a:latin typeface="Cambria Math" panose="02040503050406030204" pitchFamily="18" charset="0"/>
-                            </a:rPr>
-                            <m:t>L</m:t>
-                          </m:r>
-                        </m:e>
-                        <m:sub>
-                          <m:sSub>
-                            <m:sSubPr>
-                              <m:ctrlPr>
-                                <a:rPr lang="en-GB" sz="1000" i="1">
-                                  <a:solidFill>
-                                    <a:prstClr val="black"/>
-                                  </a:solidFill>
-                                  <a:latin typeface="Cambria Math" panose="02040503050406030204" pitchFamily="18" charset="0"/>
-                                </a:rPr>
-                              </m:ctrlPr>
-                            </m:sSubPr>
-                            <m:e>
-                              <m:r>
-                                <a:rPr lang="pl-PL" sz="1000" i="1">
+                                <a:rPr lang="en-US" sz="1000" i="1">
                                   <a:solidFill>
                                     <a:prstClr val="black"/>
                                   </a:solidFill>
@@ -31993,7 +29962,7 @@
                             </m:e>
                             <m:sub>
                               <m:r>
-                                <a:rPr lang="pl-PL" sz="1000" i="1">
+                                <a:rPr lang="en-US" sz="1000" i="1">
                                   <a:solidFill>
                                     <a:prstClr val="black"/>
                                   </a:solidFill>
@@ -32006,7 +29975,7 @@
                         </m:sub>
                       </m:sSub>
                       <m:r>
-                        <a:rPr lang="pl-PL" sz="1000" i="1">
+                        <a:rPr lang="en-US" sz="1000" i="1">
                           <a:solidFill>
                             <a:prstClr val="black"/>
                           </a:solidFill>
@@ -32019,7 +29988,7 @@
                           <m:chr m:val="∑"/>
                           <m:supHide m:val="on"/>
                           <m:ctrlPr>
-                            <a:rPr lang="en-GB" sz="1000" i="1">
+                            <a:rPr lang="en-US" sz="1000" i="1">
                               <a:latin typeface="Cambria Math" panose="02040503050406030204" pitchFamily="18" charset="0"/>
                             </a:rPr>
                           </m:ctrlPr>
@@ -32029,7 +29998,7 @@
                             <m:rPr>
                               <m:brk m:alnAt="7"/>
                             </m:rPr>
-                            <a:rPr lang="pl-PL" sz="1000" i="1">
+                            <a:rPr lang="en-US" sz="1000" i="1">
                               <a:latin typeface="Cambria Math" panose="02040503050406030204" pitchFamily="18" charset="0"/>
                             </a:rPr>
                             <m:t>𝑖</m:t>
@@ -32038,7 +30007,7 @@
                         <m:sup/>
                         <m:e>
                           <m:r>
-                            <a:rPr lang="en-GB" sz="1000" i="1">
+                            <a:rPr lang="en-US" sz="1000" i="1">
                               <a:latin typeface="Cambria Math" panose="02040503050406030204" pitchFamily="18" charset="0"/>
                             </a:rPr>
                             <m:t>𝐷𝐺</m:t>
@@ -32046,7 +30015,7 @@
                           <m:sSub>
                             <m:sSubPr>
                               <m:ctrlPr>
-                                <a:rPr lang="en-GB" sz="1000" i="1">
+                                <a:rPr lang="en-US" sz="1000" i="1">
                                   <a:solidFill>
                                     <a:srgbClr val="836967"/>
                                   </a:solidFill>
@@ -32056,7 +30025,7 @@
                             </m:sSubPr>
                             <m:e>
                               <m:r>
-                                <a:rPr lang="en-GB" sz="1000" i="1">
+                                <a:rPr lang="en-US" sz="1000" i="1">
                                   <a:latin typeface="Cambria Math" panose="02040503050406030204" pitchFamily="18" charset="0"/>
                                 </a:rPr>
                                 <m:t>𝐿</m:t>
@@ -32064,7 +30033,7 @@
                             </m:e>
                             <m:sub>
                               <m:r>
-                                <a:rPr lang="en-GB" sz="1000" i="1">
+                                <a:rPr lang="en-US" sz="1000" i="1">
                                   <a:latin typeface="Cambria Math" panose="02040503050406030204" pitchFamily="18" charset="0"/>
                                 </a:rPr>
                                 <m:t>𝑖</m:t>
@@ -32078,7 +30047,7 @@
                       <m:sSub>
                         <m:sSubPr>
                           <m:ctrlPr>
-                            <a:rPr lang="en-GB" sz="1000" i="1">
+                            <a:rPr lang="en-US" sz="1000" i="1">
                               <a:solidFill>
                                 <a:srgbClr val="836967"/>
                               </a:solidFill>
@@ -32091,7 +30060,7 @@
                             <m:rPr>
                               <m:sty m:val="p"/>
                             </m:rPr>
-                            <a:rPr lang="en-GB" sz="1000">
+                            <a:rPr lang="en-US" sz="1000">
                               <a:solidFill>
                                 <a:prstClr val="black"/>
                               </a:solidFill>
@@ -32104,7 +30073,7 @@
                           <m:sSub>
                             <m:sSubPr>
                               <m:ctrlPr>
-                                <a:rPr lang="en-GB" sz="1000" i="1">
+                                <a:rPr lang="en-US" sz="1000" i="1">
                                   <a:solidFill>
                                     <a:prstClr val="black"/>
                                   </a:solidFill>
@@ -32114,7 +30083,7 @@
                             </m:sSubPr>
                             <m:e>
                               <m:r>
-                                <a:rPr lang="pl-PL" sz="1000" i="1">
+                                <a:rPr lang="en-US" sz="1000" i="1">
                                   <a:solidFill>
                                     <a:prstClr val="black"/>
                                   </a:solidFill>
@@ -32125,7 +30094,7 @@
                             </m:e>
                             <m:sub>
                               <m:r>
-                                <a:rPr lang="pl-PL" sz="1000" i="1">
+                                <a:rPr lang="en-US" sz="1000" i="1">
                                   <a:solidFill>
                                     <a:prstClr val="black"/>
                                   </a:solidFill>
@@ -32138,7 +30107,7 @@
                         </m:sub>
                       </m:sSub>
                       <m:r>
-                        <a:rPr lang="pl-PL" sz="1000" i="1">
+                        <a:rPr lang="en-US" sz="1000" i="1">
                           <a:solidFill>
                             <a:prstClr val="black"/>
                           </a:solidFill>
@@ -32151,7 +30120,7 @@
                           <m:chr m:val="∑"/>
                           <m:supHide m:val="on"/>
                           <m:ctrlPr>
-                            <a:rPr lang="en-GB" sz="1000" i="1">
+                            <a:rPr lang="en-US" sz="1000" i="1">
                               <a:latin typeface="Cambria Math" panose="02040503050406030204" pitchFamily="18" charset="0"/>
                             </a:rPr>
                           </m:ctrlPr>
@@ -32161,7 +30130,7 @@
                             <m:rPr>
                               <m:brk m:alnAt="7"/>
                             </m:rPr>
-                            <a:rPr lang="pl-PL" sz="1000" i="1">
+                            <a:rPr lang="en-US" sz="1000" i="1">
                               <a:latin typeface="Cambria Math" panose="02040503050406030204" pitchFamily="18" charset="0"/>
                             </a:rPr>
                             <m:t>𝑖</m:t>
@@ -32170,7 +30139,7 @@
                         <m:sup/>
                         <m:e>
                           <m:r>
-                            <a:rPr lang="en-GB" sz="1000" i="1">
+                            <a:rPr lang="en-US" sz="1000" i="1">
                               <a:latin typeface="Cambria Math" panose="02040503050406030204" pitchFamily="18" charset="0"/>
                             </a:rPr>
                             <m:t>𝐷𝐺</m:t>
@@ -32178,7 +30147,7 @@
                           <m:sSub>
                             <m:sSubPr>
                               <m:ctrlPr>
-                                <a:rPr lang="en-GB" sz="1000" i="1">
+                                <a:rPr lang="en-US" sz="1000" i="1">
                                   <a:solidFill>
                                     <a:srgbClr val="836967"/>
                                   </a:solidFill>
@@ -32188,7 +30157,7 @@
                             </m:sSubPr>
                             <m:e>
                               <m:r>
-                                <a:rPr lang="en-GB" sz="1000" i="1">
+                                <a:rPr lang="en-US" sz="1000" i="1">
                                   <a:latin typeface="Cambria Math" panose="02040503050406030204" pitchFamily="18" charset="0"/>
                                 </a:rPr>
                                 <m:t>𝐿</m:t>
@@ -32196,7 +30165,7 @@
                             </m:e>
                             <m:sub>
                               <m:r>
-                                <a:rPr lang="en-GB" sz="1000" i="1">
+                                <a:rPr lang="en-US" sz="1000" i="1">
                                   <a:latin typeface="Cambria Math" panose="02040503050406030204" pitchFamily="18" charset="0"/>
                                 </a:rPr>
                                 <m:t>𝑖</m:t>
@@ -32206,7 +30175,7 @@
                           <m:sSub>
                             <m:sSubPr>
                               <m:ctrlPr>
-                                <a:rPr lang="pl-PL" sz="1000" i="1">
+                                <a:rPr lang="en-US" sz="1000" i="1">
                                   <a:solidFill>
                                     <a:prstClr val="black"/>
                                   </a:solidFill>
@@ -32216,7 +30185,7 @@
                             </m:sSubPr>
                             <m:e>
                               <m:r>
-                                <a:rPr lang="pl-PL" sz="1000" i="1">
+                                <a:rPr lang="en-US" sz="1000" i="1">
                                   <a:solidFill>
                                     <a:prstClr val="black"/>
                                   </a:solidFill>
@@ -32227,7 +30196,7 @@
                             </m:e>
                             <m:sub>
                               <m:r>
-                                <a:rPr lang="pl-PL" sz="1000" i="1">
+                                <a:rPr lang="en-US" sz="1000" i="1">
                                   <a:solidFill>
                                     <a:prstClr val="black"/>
                                   </a:solidFill>
@@ -32243,7 +30212,7 @@
                   </m:oMathPara>
                 </a14:m>
                 <a:br>
-                  <a:rPr lang="pl-PL" sz="1000" i="1" dirty="0">
+                  <a:rPr lang="en-US" sz="1000" i="1" dirty="0">
                     <a:solidFill>
                       <a:prstClr val="black"/>
                     </a:solidFill>
@@ -32251,7 +30220,7 @@
                   </a:rPr>
                 </a:br>
                 <a:br>
-                  <a:rPr lang="en-GB" sz="1000" i="1" dirty="0">
+                  <a:rPr lang="en-US" sz="1000" i="1" dirty="0">
                     <a:latin typeface="Cambria Math" panose="02040503050406030204" pitchFamily="18" charset="0"/>
                   </a:rPr>
                 </a:br>
@@ -32264,7 +30233,7 @@
                       <m:sSub>
                         <m:sSubPr>
                           <m:ctrlPr>
-                            <a:rPr lang="en-GB" sz="1000" i="1">
+                            <a:rPr lang="en-US" sz="1000" i="1">
                               <a:solidFill>
                                 <a:srgbClr val="836967"/>
                               </a:solidFill>
@@ -32277,7 +30246,7 @@
                             <m:rPr>
                               <m:sty m:val="p"/>
                             </m:rPr>
-                            <a:rPr lang="en-GB" sz="1000">
+                            <a:rPr lang="en-US" sz="1000">
                               <a:latin typeface="Cambria Math" panose="02040503050406030204" pitchFamily="18" charset="0"/>
                             </a:rPr>
                             <m:t>L</m:t>
@@ -32285,7 +30254,7 @@
                         </m:e>
                         <m:sub>
                           <m:r>
-                            <a:rPr lang="pl-PL" sz="1000" i="1">
+                            <a:rPr lang="en-US" sz="1000" i="1">
                               <a:latin typeface="Cambria Math" panose="02040503050406030204" pitchFamily="18" charset="0"/>
                             </a:rPr>
                             <m:t>𝑑</m:t>
@@ -32295,7 +30264,7 @@
                       <m:d>
                         <m:dPr>
                           <m:ctrlPr>
-                            <a:rPr lang="en-GB" sz="1000" i="1">
+                            <a:rPr lang="en-US" sz="1000" i="1">
                               <a:solidFill>
                                 <a:srgbClr val="836967"/>
                               </a:solidFill>
@@ -32308,13 +30277,13 @@
                             <m:rPr>
                               <m:sty m:val="p"/>
                             </m:rPr>
-                            <a:rPr lang="en-GB" sz="1000">
+                            <a:rPr lang="en-US" sz="1000">
                               <a:latin typeface="Cambria Math" panose="02040503050406030204" pitchFamily="18" charset="0"/>
                             </a:rPr>
                             <m:t>p</m:t>
                           </m:r>
                           <m:r>
-                            <a:rPr lang="en-GB" sz="1000">
+                            <a:rPr lang="en-US" sz="1000">
                               <a:latin typeface="Cambria Math" panose="02040503050406030204" pitchFamily="18" charset="0"/>
                             </a:rPr>
                             <m:t>, </m:t>
@@ -32322,7 +30291,7 @@
                           <m:sSub>
                             <m:sSubPr>
                               <m:ctrlPr>
-                                <a:rPr lang="en-GB" sz="1000" i="1">
+                                <a:rPr lang="en-US" sz="1000" i="1">
                                   <a:solidFill>
                                     <a:srgbClr val="836967"/>
                                   </a:solidFill>
@@ -32335,7 +30304,7 @@
                                 <m:rPr>
                                   <m:sty m:val="p"/>
                                 </m:rPr>
-                                <a:rPr lang="en-GB" sz="1000">
+                                <a:rPr lang="en-US" sz="1000">
                                   <a:latin typeface="Cambria Math" panose="02040503050406030204" pitchFamily="18" charset="0"/>
                                 </a:rPr>
                                 <m:t>ω</m:t>
@@ -32343,7 +30312,7 @@
                             </m:e>
                             <m:sub>
                               <m:r>
-                                <a:rPr lang="en-GB" sz="1000" i="1">
+                                <a:rPr lang="en-US" sz="1000" i="1">
                                   <a:latin typeface="Cambria Math" panose="02040503050406030204" pitchFamily="18" charset="0"/>
                                 </a:rPr>
                                 <m:t>𝑜</m:t>
@@ -32353,10 +30322,7 @@
                         </m:e>
                       </m:d>
                       <m:r>
-                        <a:rPr lang="pl-PL" sz="1000" i="1">
-                          <a:solidFill>
-                            <a:prstClr val="black"/>
-                          </a:solidFill>
+                        <a:rPr lang="en-US" sz="1000" i="1">
                           <a:latin typeface="Cambria Math" panose="02040503050406030204" pitchFamily="18" charset="0"/>
                           <a:ea typeface="Cambria Math" panose="02040503050406030204" pitchFamily="18" charset="0"/>
                         </a:rPr>
@@ -32365,20 +30331,29 @@
                       <m:d>
                         <m:dPr>
                           <m:ctrlPr>
-                            <a:rPr lang="pl-PL" sz="1000" i="1">
+                            <a:rPr lang="en-US" sz="1000" i="1">
+                              <a:solidFill>
+                                <a:prstClr val="black"/>
+                              </a:solidFill>
                               <a:latin typeface="Cambria Math" panose="02040503050406030204" pitchFamily="18" charset="0"/>
                             </a:rPr>
                           </m:ctrlPr>
                         </m:dPr>
                         <m:e>
                           <m:r>
-                            <a:rPr lang="pl-PL" sz="1000" i="1">
+                            <a:rPr lang="en-US" sz="1000" i="1">
+                              <a:solidFill>
+                                <a:prstClr val="black"/>
+                              </a:solidFill>
                               <a:latin typeface="Cambria Math" panose="02040503050406030204" pitchFamily="18" charset="0"/>
                             </a:rPr>
                             <m:t>1−</m:t>
                           </m:r>
                           <m:r>
-                            <a:rPr lang="pl-PL" sz="1000" i="1">
+                            <a:rPr lang="en-US" sz="1000" i="1">
+                              <a:solidFill>
+                                <a:prstClr val="black"/>
+                              </a:solidFill>
                               <a:latin typeface="Cambria Math" panose="02040503050406030204" pitchFamily="18" charset="0"/>
                             </a:rPr>
                             <m:t>𝑚</m:t>
@@ -32388,14 +30363,20 @@
                       <m:f>
                         <m:fPr>
                           <m:ctrlPr>
-                            <a:rPr lang="en-GB" sz="1000" i="1">
+                            <a:rPr lang="en-US" sz="1000" i="1">
+                              <a:solidFill>
+                                <a:prstClr val="black"/>
+                              </a:solidFill>
                               <a:latin typeface="Cambria Math" panose="02040503050406030204" pitchFamily="18" charset="0"/>
                             </a:rPr>
                           </m:ctrlPr>
                         </m:fPr>
                         <m:num>
                           <m:r>
-                            <a:rPr lang="pl-PL" sz="1000" i="1">
+                            <a:rPr lang="en-US" sz="1000" i="1">
+                              <a:solidFill>
+                                <a:prstClr val="black"/>
+                              </a:solidFill>
                               <a:latin typeface="Cambria Math" panose="02040503050406030204" pitchFamily="18" charset="0"/>
                             </a:rPr>
                             <m:t>𝑐</m:t>
@@ -32403,7 +30384,10 @@
                         </m:num>
                         <m:den>
                           <m:r>
-                            <a:rPr lang="en-GB" sz="1000" i="1">
+                            <a:rPr lang="en-US" sz="1000" i="1">
+                              <a:solidFill>
+                                <a:prstClr val="black"/>
+                              </a:solidFill>
                               <a:latin typeface="Cambria Math" panose="02040503050406030204" pitchFamily="18" charset="0"/>
                               <a:ea typeface="Cambria Math" panose="02040503050406030204" pitchFamily="18" charset="0"/>
                             </a:rPr>
@@ -32414,68 +30398,186 @@
                       <m:d>
                         <m:dPr>
                           <m:ctrlPr>
-                            <a:rPr lang="en-GB" sz="1000" i="1">
-                              <a:latin typeface="Cambria Math" panose="02040503050406030204" pitchFamily="18" charset="0"/>
-                              <a:ea typeface="Cambria Math" panose="02040503050406030204" pitchFamily="18" charset="0"/>
+                            <a:rPr lang="en-US" sz="1000" i="1">
+                              <a:solidFill>
+                                <a:prstClr val="black"/>
+                              </a:solidFill>
+                              <a:latin typeface="Cambria Math" panose="02040503050406030204" pitchFamily="18" charset="0"/>
                             </a:rPr>
                           </m:ctrlPr>
                         </m:dPr>
                         <m:e>
-                          <m:d>
-                            <m:dPr>
-                              <m:ctrlPr>
-                                <a:rPr lang="pl-PL" sz="1000" i="1">
-                                  <a:latin typeface="Cambria Math" panose="02040503050406030204" pitchFamily="18" charset="0"/>
-                                </a:rPr>
-                              </m:ctrlPr>
-                            </m:dPr>
-                            <m:e>
-                              <m:r>
-                                <a:rPr lang="pl-PL" sz="1000" i="1">
-                                  <a:latin typeface="Cambria Math" panose="02040503050406030204" pitchFamily="18" charset="0"/>
-                                </a:rPr>
-                                <m:t>1−</m:t>
-                              </m:r>
-                              <m:sSub>
-                                <m:sSubPr>
-                                  <m:ctrlPr>
-                                    <a:rPr lang="pl-PL" sz="1000" i="1">
-                                      <a:solidFill>
-                                        <a:prstClr val="black"/>
-                                      </a:solidFill>
-                                      <a:latin typeface="Cambria Math" panose="02040503050406030204" pitchFamily="18" charset="0"/>
-                                    </a:rPr>
-                                  </m:ctrlPr>
-                                </m:sSubPr>
-                                <m:e>
-                                  <m:r>
-                                    <a:rPr lang="pl-PL" sz="1000" i="1">
-                                      <a:solidFill>
-                                        <a:prstClr val="black"/>
-                                      </a:solidFill>
-                                      <a:latin typeface="Cambria Math" panose="02040503050406030204" pitchFamily="18" charset="0"/>
-                                    </a:rPr>
-                                    <m:t>𝐹</m:t>
-                                  </m:r>
-                                </m:e>
-                                <m:sub>
-                                  <m:r>
-                                    <a:rPr lang="pl-PL" sz="1000" i="1">
-                                      <a:solidFill>
-                                        <a:prstClr val="black"/>
-                                      </a:solidFill>
-                                      <a:latin typeface="Cambria Math" panose="02040503050406030204" pitchFamily="18" charset="0"/>
-                                    </a:rPr>
-                                    <m:t>0</m:t>
-                                  </m:r>
-                                </m:sub>
-                              </m:sSub>
-                            </m:e>
-                          </m:d>
+                          <m:r>
+                            <a:rPr lang="en-US" sz="1000" i="1">
+                              <a:solidFill>
+                                <a:prstClr val="black"/>
+                              </a:solidFill>
+                              <a:latin typeface="Cambria Math" panose="02040503050406030204" pitchFamily="18" charset="0"/>
+                            </a:rPr>
+                            <m:t>1−</m:t>
+                          </m:r>
                           <m:sSub>
                             <m:sSubPr>
                               <m:ctrlPr>
-                                <a:rPr lang="en-GB" sz="1000" i="1">
+                                <a:rPr lang="en-US" sz="1000" i="1">
+                                  <a:solidFill>
+                                    <a:prstClr val="black"/>
+                                  </a:solidFill>
+                                  <a:latin typeface="Cambria Math" panose="02040503050406030204" pitchFamily="18" charset="0"/>
+                                </a:rPr>
+                              </m:ctrlPr>
+                            </m:sSubPr>
+                            <m:e>
+                              <m:r>
+                                <a:rPr lang="en-US" sz="1000" i="1">
+                                  <a:solidFill>
+                                    <a:prstClr val="black"/>
+                                  </a:solidFill>
+                                  <a:latin typeface="Cambria Math" panose="02040503050406030204" pitchFamily="18" charset="0"/>
+                                </a:rPr>
+                                <m:t>𝐹</m:t>
+                              </m:r>
+                            </m:e>
+                            <m:sub>
+                              <m:r>
+                                <a:rPr lang="en-US" sz="1000" i="1">
+                                  <a:solidFill>
+                                    <a:prstClr val="black"/>
+                                  </a:solidFill>
+                                  <a:latin typeface="Cambria Math" panose="02040503050406030204" pitchFamily="18" charset="0"/>
+                                </a:rPr>
+                                <m:t>0</m:t>
+                              </m:r>
+                            </m:sub>
+                          </m:sSub>
+                        </m:e>
+                      </m:d>
+                      <m:sSub>
+                        <m:sSubPr>
+                          <m:ctrlPr>
+                            <a:rPr lang="en-US" sz="1000" i="1">
+                              <a:solidFill>
+                                <a:srgbClr val="836967"/>
+                              </a:solidFill>
+                              <a:latin typeface="Cambria Math" panose="02040503050406030204" pitchFamily="18" charset="0"/>
+                            </a:rPr>
+                          </m:ctrlPr>
+                        </m:sSubPr>
+                        <m:e>
+                          <m:r>
+                            <m:rPr>
+                              <m:sty m:val="p"/>
+                            </m:rPr>
+                            <a:rPr lang="en-US" sz="1000">
+                              <a:latin typeface="Cambria Math" panose="02040503050406030204" pitchFamily="18" charset="0"/>
+                            </a:rPr>
+                            <m:t>L</m:t>
+                          </m:r>
+                        </m:e>
+                        <m:sub>
+                          <m:sSub>
+                            <m:sSubPr>
+                              <m:ctrlPr>
+                                <a:rPr lang="en-US" sz="1000" i="1">
+                                  <a:latin typeface="Cambria Math" panose="02040503050406030204" pitchFamily="18" charset="0"/>
+                                </a:rPr>
+                              </m:ctrlPr>
+                            </m:sSubPr>
+                            <m:e>
+                              <m:r>
+                                <a:rPr lang="en-US" sz="1000" i="1">
+                                  <a:latin typeface="Cambria Math" panose="02040503050406030204" pitchFamily="18" charset="0"/>
+                                </a:rPr>
+                                <m:t>𝑑</m:t>
+                              </m:r>
+                            </m:e>
+                            <m:sub>
+                              <m:r>
+                                <a:rPr lang="en-US" sz="1000" i="1">
+                                  <a:latin typeface="Cambria Math" panose="02040503050406030204" pitchFamily="18" charset="0"/>
+                                </a:rPr>
+                                <m:t>1</m:t>
+                              </m:r>
+                            </m:sub>
+                          </m:sSub>
+                        </m:sub>
+                      </m:sSub>
+                    </m:oMath>
+                    <m:oMath xmlns:m="http://schemas.openxmlformats.org/officeDocument/2006/math">
+                      <m:sSub>
+                        <m:sSubPr>
+                          <m:ctrlPr>
+                            <a:rPr lang="en-US" sz="1000" i="1">
+                              <a:solidFill>
+                                <a:srgbClr val="836967"/>
+                              </a:solidFill>
+                              <a:latin typeface="Cambria Math" panose="02040503050406030204" pitchFamily="18" charset="0"/>
+                            </a:rPr>
+                          </m:ctrlPr>
+                        </m:sSubPr>
+                        <m:e>
+                          <m:r>
+                            <m:rPr>
+                              <m:sty m:val="p"/>
+                            </m:rPr>
+                            <a:rPr lang="en-US" sz="1000">
+                              <a:solidFill>
+                                <a:prstClr val="black"/>
+                              </a:solidFill>
+                              <a:latin typeface="Cambria Math" panose="02040503050406030204" pitchFamily="18" charset="0"/>
+                            </a:rPr>
+                            <m:t>L</m:t>
+                          </m:r>
+                        </m:e>
+                        <m:sub>
+                          <m:r>
+                            <a:rPr lang="en-US" sz="1000" i="1">
+                              <a:solidFill>
+                                <a:prstClr val="black"/>
+                              </a:solidFill>
+                              <a:latin typeface="Cambria Math" panose="02040503050406030204" pitchFamily="18" charset="0"/>
+                            </a:rPr>
+                            <m:t>𝑠</m:t>
+                          </m:r>
+                        </m:sub>
+                      </m:sSub>
+                      <m:d>
+                        <m:dPr>
+                          <m:ctrlPr>
+                            <a:rPr lang="en-US" sz="1000" i="1">
+                              <a:solidFill>
+                                <a:srgbClr val="836967"/>
+                              </a:solidFill>
+                              <a:latin typeface="Cambria Math" panose="02040503050406030204" pitchFamily="18" charset="0"/>
+                            </a:rPr>
+                          </m:ctrlPr>
+                        </m:dPr>
+                        <m:e>
+                          <m:r>
+                            <m:rPr>
+                              <m:sty m:val="p"/>
+                            </m:rPr>
+                            <a:rPr lang="en-US" sz="1000">
+                              <a:solidFill>
+                                <a:prstClr val="black"/>
+                              </a:solidFill>
+                              <a:latin typeface="Cambria Math" panose="02040503050406030204" pitchFamily="18" charset="0"/>
+                            </a:rPr>
+                            <m:t>p</m:t>
+                          </m:r>
+                          <m:r>
+                            <a:rPr lang="en-US" sz="1000">
+                              <a:solidFill>
+                                <a:prstClr val="black"/>
+                              </a:solidFill>
+                              <a:latin typeface="Cambria Math" panose="02040503050406030204" pitchFamily="18" charset="0"/>
+                            </a:rPr>
+                            <m:t>, </m:t>
+                          </m:r>
+                          <m:sSub>
+                            <m:sSubPr>
+                              <m:ctrlPr>
+                                <a:rPr lang="en-US" sz="1000" i="1">
                                   <a:solidFill>
                                     <a:srgbClr val="836967"/>
                                   </a:solidFill>
@@ -32488,238 +30590,7 @@
                                 <m:rPr>
                                   <m:sty m:val="p"/>
                                 </m:rPr>
-                                <a:rPr lang="en-GB" sz="1000">
-                                  <a:latin typeface="Cambria Math" panose="02040503050406030204" pitchFamily="18" charset="0"/>
-                                </a:rPr>
-                                <m:t>L</m:t>
-                              </m:r>
-                            </m:e>
-                            <m:sub>
-                              <m:sSub>
-                                <m:sSubPr>
-                                  <m:ctrlPr>
-                                    <a:rPr lang="pl-PL" sz="1000" i="1">
-                                      <a:latin typeface="Cambria Math" panose="02040503050406030204" pitchFamily="18" charset="0"/>
-                                    </a:rPr>
-                                  </m:ctrlPr>
-                                </m:sSubPr>
-                                <m:e>
-                                  <m:r>
-                                    <a:rPr lang="pl-PL" sz="1000" i="1">
-                                      <a:latin typeface="Cambria Math" panose="02040503050406030204" pitchFamily="18" charset="0"/>
-                                    </a:rPr>
-                                    <m:t>𝑑</m:t>
-                                  </m:r>
-                                </m:e>
-                                <m:sub>
-                                  <m:r>
-                                    <a:rPr lang="pl-PL" sz="1000" i="1">
-                                      <a:latin typeface="Cambria Math" panose="02040503050406030204" pitchFamily="18" charset="0"/>
-                                    </a:rPr>
-                                    <m:t>1</m:t>
-                                  </m:r>
-                                </m:sub>
-                              </m:sSub>
-                            </m:sub>
-                          </m:sSub>
-                          <m:r>
-                            <a:rPr lang="pl-PL" sz="1000" i="1">
-                              <a:latin typeface="Cambria Math" panose="02040503050406030204" pitchFamily="18" charset="0"/>
-                            </a:rPr>
-                            <m:t>+</m:t>
-                          </m:r>
-                          <m:d>
-                            <m:dPr>
-                              <m:ctrlPr>
-                                <a:rPr lang="pl-PL" sz="1000" i="1">
-                                  <a:latin typeface="Cambria Math" panose="02040503050406030204" pitchFamily="18" charset="0"/>
-                                </a:rPr>
-                              </m:ctrlPr>
-                            </m:dPr>
-                            <m:e>
-                              <m:sSub>
-                                <m:sSubPr>
-                                  <m:ctrlPr>
-                                    <a:rPr lang="pl-PL" sz="1000" i="1">
-                                      <a:solidFill>
-                                        <a:prstClr val="black"/>
-                                      </a:solidFill>
-                                      <a:latin typeface="Cambria Math" panose="02040503050406030204" pitchFamily="18" charset="0"/>
-                                    </a:rPr>
-                                  </m:ctrlPr>
-                                </m:sSubPr>
-                                <m:e>
-                                  <m:r>
-                                    <a:rPr lang="pl-PL" sz="1000" i="1">
-                                      <a:solidFill>
-                                        <a:prstClr val="black"/>
-                                      </a:solidFill>
-                                      <a:latin typeface="Cambria Math" panose="02040503050406030204" pitchFamily="18" charset="0"/>
-                                    </a:rPr>
-                                    <m:t>𝐹</m:t>
-                                  </m:r>
-                                </m:e>
-                                <m:sub>
-                                  <m:r>
-                                    <a:rPr lang="pl-PL" sz="1000" i="1">
-                                      <a:solidFill>
-                                        <a:prstClr val="black"/>
-                                      </a:solidFill>
-                                      <a:latin typeface="Cambria Math" panose="02040503050406030204" pitchFamily="18" charset="0"/>
-                                    </a:rPr>
-                                    <m:t>0</m:t>
-                                  </m:r>
-                                </m:sub>
-                              </m:sSub>
-                              <m:r>
-                                <a:rPr lang="pl-PL" sz="1000" i="1">
-                                  <a:latin typeface="Cambria Math" panose="02040503050406030204" pitchFamily="18" charset="0"/>
-                                </a:rPr>
-                                <m:t>−1</m:t>
-                              </m:r>
-                            </m:e>
-                          </m:d>
-                          <m:sSub>
-                            <m:sSubPr>
-                              <m:ctrlPr>
-                                <a:rPr lang="en-GB" sz="1000" i="1">
-                                  <a:solidFill>
-                                    <a:srgbClr val="836967"/>
-                                  </a:solidFill>
-                                  <a:latin typeface="Cambria Math" panose="02040503050406030204" pitchFamily="18" charset="0"/>
-                                </a:rPr>
-                              </m:ctrlPr>
-                            </m:sSubPr>
-                            <m:e>
-                              <m:r>
-                                <m:rPr>
-                                  <m:sty m:val="p"/>
-                                </m:rPr>
-                                <a:rPr lang="en-GB" sz="1000">
-                                  <a:latin typeface="Cambria Math" panose="02040503050406030204" pitchFamily="18" charset="0"/>
-                                </a:rPr>
-                                <m:t>L</m:t>
-                              </m:r>
-                            </m:e>
-                            <m:sub>
-                              <m:sSub>
-                                <m:sSubPr>
-                                  <m:ctrlPr>
-                                    <a:rPr lang="pl-PL" sz="1000" i="1">
-                                      <a:latin typeface="Cambria Math" panose="02040503050406030204" pitchFamily="18" charset="0"/>
-                                    </a:rPr>
-                                  </m:ctrlPr>
-                                </m:sSubPr>
-                                <m:e>
-                                  <m:r>
-                                    <a:rPr lang="pl-PL" sz="1000" i="1">
-                                      <a:latin typeface="Cambria Math" panose="02040503050406030204" pitchFamily="18" charset="0"/>
-                                    </a:rPr>
-                                    <m:t>𝑑</m:t>
-                                  </m:r>
-                                </m:e>
-                                <m:sub>
-                                  <m:r>
-                                    <a:rPr lang="pl-PL" sz="1000" i="1">
-                                      <a:latin typeface="Cambria Math" panose="02040503050406030204" pitchFamily="18" charset="0"/>
-                                    </a:rPr>
-                                    <m:t>2</m:t>
-                                  </m:r>
-                                </m:sub>
-                              </m:sSub>
-                            </m:sub>
-                          </m:sSub>
-                        </m:e>
-                      </m:d>
-                    </m:oMath>
-                    <m:oMath xmlns:m="http://schemas.openxmlformats.org/officeDocument/2006/math">
-                      <m:sSub>
-                        <m:sSubPr>
-                          <m:ctrlPr>
-                            <a:rPr lang="en-GB" sz="1000" i="1">
-                              <a:solidFill>
-                                <a:srgbClr val="836967"/>
-                              </a:solidFill>
-                              <a:latin typeface="Cambria Math" panose="02040503050406030204" pitchFamily="18" charset="0"/>
-                            </a:rPr>
-                          </m:ctrlPr>
-                        </m:sSubPr>
-                        <m:e>
-                          <m:r>
-                            <m:rPr>
-                              <m:sty m:val="p"/>
-                            </m:rPr>
-                            <a:rPr lang="en-GB" sz="1000">
-                              <a:solidFill>
-                                <a:prstClr val="black"/>
-                              </a:solidFill>
-                              <a:latin typeface="Cambria Math" panose="02040503050406030204" pitchFamily="18" charset="0"/>
-                            </a:rPr>
-                            <m:t>L</m:t>
-                          </m:r>
-                        </m:e>
-                        <m:sub>
-                          <m:r>
-                            <a:rPr lang="pl-PL" sz="1000" i="1">
-                              <a:solidFill>
-                                <a:prstClr val="black"/>
-                              </a:solidFill>
-                              <a:latin typeface="Cambria Math" panose="02040503050406030204" pitchFamily="18" charset="0"/>
-                            </a:rPr>
-                            <m:t>𝑠</m:t>
-                          </m:r>
-                        </m:sub>
-                      </m:sSub>
-                      <m:d>
-                        <m:dPr>
-                          <m:ctrlPr>
-                            <a:rPr lang="en-GB" sz="1000" i="1">
-                              <a:solidFill>
-                                <a:srgbClr val="836967"/>
-                              </a:solidFill>
-                              <a:latin typeface="Cambria Math" panose="02040503050406030204" pitchFamily="18" charset="0"/>
-                            </a:rPr>
-                          </m:ctrlPr>
-                        </m:dPr>
-                        <m:e>
-                          <m:r>
-                            <m:rPr>
-                              <m:sty m:val="p"/>
-                            </m:rPr>
-                            <a:rPr lang="en-GB" sz="1000">
-                              <a:solidFill>
-                                <a:prstClr val="black"/>
-                              </a:solidFill>
-                              <a:latin typeface="Cambria Math" panose="02040503050406030204" pitchFamily="18" charset="0"/>
-                            </a:rPr>
-                            <m:t>p</m:t>
-                          </m:r>
-                          <m:r>
-                            <a:rPr lang="en-GB" sz="1000">
-                              <a:solidFill>
-                                <a:prstClr val="black"/>
-                              </a:solidFill>
-                              <a:latin typeface="Cambria Math" panose="02040503050406030204" pitchFamily="18" charset="0"/>
-                            </a:rPr>
-                            <m:t>, </m:t>
-                          </m:r>
-                          <m:sSub>
-                            <m:sSubPr>
-                              <m:ctrlPr>
-                                <a:rPr lang="en-GB" sz="1000" i="1">
-                                  <a:solidFill>
-                                    <a:srgbClr val="836967"/>
-                                  </a:solidFill>
-                                  <a:latin typeface="Cambria Math" panose="02040503050406030204" pitchFamily="18" charset="0"/>
-                                </a:rPr>
-                              </m:ctrlPr>
-                            </m:sSubPr>
-                            <m:e>
-                              <m:r>
-                                <m:rPr>
-                                  <m:sty m:val="p"/>
-                                </m:rPr>
-                                <a:rPr lang="en-GB" sz="1000">
+                                <a:rPr lang="en-US" sz="1000">
                                   <a:solidFill>
                                     <a:prstClr val="black"/>
                                   </a:solidFill>
@@ -32730,7 +30601,7 @@
                             </m:e>
                             <m:sub>
                               <m:r>
-                                <a:rPr lang="en-GB" sz="1000" i="1">
+                                <a:rPr lang="en-US" sz="1000" i="1">
                                   <a:solidFill>
                                     <a:prstClr val="black"/>
                                   </a:solidFill>
@@ -32743,7 +30614,7 @@
                         </m:e>
                       </m:d>
                       <m:r>
-                        <a:rPr lang="pl-PL" sz="1000" i="1">
+                        <a:rPr lang="en-US" sz="1000" i="1">
                           <a:solidFill>
                             <a:prstClr val="black"/>
                           </a:solidFill>
@@ -32755,14 +30626,14 @@
                       <m:f>
                         <m:fPr>
                           <m:ctrlPr>
-                            <a:rPr lang="pl-PL" sz="1000" i="1">
+                            <a:rPr lang="en-US" sz="1000" i="1">
                               <a:latin typeface="Cambria Math" panose="02040503050406030204" pitchFamily="18" charset="0"/>
                             </a:rPr>
                           </m:ctrlPr>
                         </m:fPr>
                         <m:num>
                           <m:r>
-                            <a:rPr lang="pl-PL" sz="1000" i="1">
+                            <a:rPr lang="en-US" sz="1000" i="1">
                               <a:latin typeface="Cambria Math" panose="02040503050406030204" pitchFamily="18" charset="0"/>
                             </a:rPr>
                             <m:t>1</m:t>
@@ -32770,7 +30641,7 @@
                         </m:num>
                         <m:den>
                           <m:r>
-                            <a:rPr lang="pl-PL" sz="1000" i="1">
+                            <a:rPr lang="en-US" sz="1000" i="1">
                               <a:latin typeface="Cambria Math" panose="02040503050406030204" pitchFamily="18" charset="0"/>
                             </a:rPr>
                             <m:t>4</m:t>
@@ -32778,7 +30649,7 @@
                           <m:d>
                             <m:dPr>
                               <m:ctrlPr>
-                                <a:rPr lang="en-GB" sz="1000" i="1">
+                                <a:rPr lang="en-US" sz="1000" i="1">
                                   <a:solidFill>
                                     <a:srgbClr val="836967"/>
                                   </a:solidFill>
@@ -32790,7 +30661,7 @@
                               <m:sSub>
                                 <m:sSubPr>
                                   <m:ctrlPr>
-                                    <a:rPr lang="en-GB" sz="1000" i="1">
+                                    <a:rPr lang="en-US" sz="1000" i="1">
                                       <a:solidFill>
                                         <a:srgbClr val="836967"/>
                                       </a:solidFill>
@@ -32803,7 +30674,7 @@
                                     <m:rPr>
                                       <m:sty m:val="p"/>
                                     </m:rPr>
-                                    <a:rPr lang="en-GB" sz="1000">
+                                    <a:rPr lang="en-US" sz="1000">
                                       <a:latin typeface="Cambria Math" panose="02040503050406030204" pitchFamily="18" charset="0"/>
                                     </a:rPr>
                                     <m:t>ω</m:t>
@@ -32811,7 +30682,7 @@
                                 </m:e>
                                 <m:sub>
                                   <m:r>
-                                    <a:rPr lang="en-GB" sz="1000" i="1">
+                                    <a:rPr lang="en-US" sz="1000" i="1">
                                       <a:latin typeface="Cambria Math" panose="02040503050406030204" pitchFamily="18" charset="0"/>
                                     </a:rPr>
                                     <m:t>𝑜</m:t>
@@ -32819,13 +30690,13 @@
                                 </m:sub>
                               </m:sSub>
                               <m:r>
-                                <a:rPr lang="en-GB" sz="1000">
+                                <a:rPr lang="en-US" sz="1000">
                                   <a:latin typeface="Cambria Math" panose="02040503050406030204" pitchFamily="18" charset="0"/>
                                 </a:rPr>
                                 <m:t>∙</m:t>
                               </m:r>
                               <m:r>
-                                <a:rPr lang="en-GB" sz="1000" i="1">
+                                <a:rPr lang="en-US" sz="1000" i="1">
                                   <a:latin typeface="Cambria Math" panose="02040503050406030204" pitchFamily="18" charset="0"/>
                                 </a:rPr>
                                 <m:t>𝑛</m:t>
@@ -32837,7 +30708,7 @@
                       <m:d>
                         <m:dPr>
                           <m:ctrlPr>
-                            <a:rPr lang="pl-PL" sz="1000" i="1">
+                            <a:rPr lang="en-US" sz="1000" i="1">
                               <a:solidFill>
                                 <a:prstClr val="black"/>
                               </a:solidFill>
@@ -32849,7 +30720,7 @@
                           <m:sSub>
                             <m:sSubPr>
                               <m:ctrlPr>
-                                <a:rPr lang="pl-PL" sz="1000" i="1">
+                                <a:rPr lang="en-US" sz="1000" i="1">
                                   <a:solidFill>
                                     <a:prstClr val="black"/>
                                   </a:solidFill>
@@ -32859,7 +30730,7 @@
                             </m:sSubPr>
                             <m:e>
                               <m:r>
-                                <a:rPr lang="pl-PL" sz="1000" i="1">
+                                <a:rPr lang="en-US" sz="1000" i="1">
                                   <a:solidFill>
                                     <a:prstClr val="black"/>
                                   </a:solidFill>
@@ -32870,7 +30741,7 @@
                             </m:e>
                             <m:sub>
                               <m:r>
-                                <a:rPr lang="pl-PL" sz="1000" i="1">
+                                <a:rPr lang="en-US" sz="1000" i="1">
                                   <a:solidFill>
                                     <a:prstClr val="black"/>
                                   </a:solidFill>
@@ -32883,7 +30754,7 @@
                           <m:sSub>
                             <m:sSubPr>
                               <m:ctrlPr>
-                                <a:rPr lang="en-GB" sz="1000" i="1">
+                                <a:rPr lang="en-US" sz="1000" i="1">
                                   <a:solidFill>
                                     <a:srgbClr val="836967"/>
                                   </a:solidFill>
@@ -32896,7 +30767,7 @@
                                 <m:rPr>
                                   <m:sty m:val="p"/>
                                 </m:rPr>
-                                <a:rPr lang="en-GB" sz="1000">
+                                <a:rPr lang="en-US" sz="1000">
                                   <a:solidFill>
                                     <a:prstClr val="black"/>
                                   </a:solidFill>
@@ -32909,7 +30780,7 @@
                               <m:sSub>
                                 <m:sSubPr>
                                   <m:ctrlPr>
-                                    <a:rPr lang="en-GB" sz="1000" i="1">
+                                    <a:rPr lang="en-US" sz="1000" i="1">
                                       <a:solidFill>
                                         <a:prstClr val="black"/>
                                       </a:solidFill>
@@ -32919,7 +30790,7 @@
                                 </m:sSubPr>
                                 <m:e>
                                   <m:r>
-                                    <a:rPr lang="pl-PL" sz="1000" i="1">
+                                    <a:rPr lang="en-US" sz="1000" i="1">
                                       <a:solidFill>
                                         <a:prstClr val="black"/>
                                       </a:solidFill>
@@ -32930,7 +30801,7 @@
                                 </m:e>
                                 <m:sub>
                                   <m:r>
-                                    <a:rPr lang="pl-PL" sz="1000" i="1">
+                                    <a:rPr lang="en-US" sz="1000" i="1">
                                       <a:solidFill>
                                         <a:prstClr val="black"/>
                                       </a:solidFill>
@@ -32943,7 +30814,7 @@
                             </m:sub>
                           </m:sSub>
                           <m:r>
-                            <a:rPr lang="pl-PL" sz="1000" i="1">
+                            <a:rPr lang="en-US" sz="1000" i="1">
                               <a:solidFill>
                                 <a:prstClr val="black"/>
                               </a:solidFill>
@@ -32952,7 +30823,7 @@
                             <m:t>+</m:t>
                           </m:r>
                           <m:r>
-                            <a:rPr lang="pl-PL" sz="1000" i="1">
+                            <a:rPr lang="en-US" sz="1000" i="1">
                               <a:latin typeface="Cambria Math" panose="02040503050406030204" pitchFamily="18" charset="0"/>
                             </a:rPr>
                             <m:t>(1−</m:t>
@@ -32960,7 +30831,7 @@
                           <m:sSub>
                             <m:sSubPr>
                               <m:ctrlPr>
-                                <a:rPr lang="pl-PL" sz="1000" i="1">
+                                <a:rPr lang="en-US" sz="1000" i="1">
                                   <a:solidFill>
                                     <a:prstClr val="black"/>
                                   </a:solidFill>
@@ -32970,7 +30841,7 @@
                             </m:sSubPr>
                             <m:e>
                               <m:r>
-                                <a:rPr lang="pl-PL" sz="1000" i="1">
+                                <a:rPr lang="en-US" sz="1000" i="1">
                                   <a:solidFill>
                                     <a:prstClr val="black"/>
                                   </a:solidFill>
@@ -32981,7 +30852,7 @@
                             </m:e>
                             <m:sub>
                               <m:r>
-                                <a:rPr lang="pl-PL" sz="1000" i="1">
+                                <a:rPr lang="en-US" sz="1000" i="1">
                                   <a:solidFill>
                                     <a:prstClr val="black"/>
                                   </a:solidFill>
@@ -32992,7 +30863,7 @@
                             </m:sub>
                           </m:sSub>
                           <m:r>
-                            <a:rPr lang="pl-PL" sz="1000" i="1">
+                            <a:rPr lang="en-US" sz="1000" i="1">
                               <a:latin typeface="Cambria Math" panose="02040503050406030204" pitchFamily="18" charset="0"/>
                             </a:rPr>
                             <m:t>)</m:t>
@@ -33000,7 +30871,7 @@
                           <m:sSub>
                             <m:sSubPr>
                               <m:ctrlPr>
-                                <a:rPr lang="en-GB" sz="1000" i="1">
+                                <a:rPr lang="en-US" sz="1000" i="1">
                                   <a:solidFill>
                                     <a:srgbClr val="836967"/>
                                   </a:solidFill>
@@ -33013,7 +30884,7 @@
                                 <m:rPr>
                                   <m:sty m:val="p"/>
                                 </m:rPr>
-                                <a:rPr lang="en-GB" sz="1000">
+                                <a:rPr lang="en-US" sz="1000">
                                   <a:solidFill>
                                     <a:prstClr val="black"/>
                                   </a:solidFill>
@@ -33026,7 +30897,7 @@
                               <m:sSub>
                                 <m:sSubPr>
                                   <m:ctrlPr>
-                                    <a:rPr lang="en-GB" sz="1000" i="1">
+                                    <a:rPr lang="en-US" sz="1000" i="1">
                                       <a:solidFill>
                                         <a:prstClr val="black"/>
                                       </a:solidFill>
@@ -33036,7 +30907,7 @@
                                 </m:sSubPr>
                                 <m:e>
                                   <m:r>
-                                    <a:rPr lang="pl-PL" sz="1000" i="1">
+                                    <a:rPr lang="en-US" sz="1000" i="1">
                                       <a:solidFill>
                                         <a:prstClr val="black"/>
                                       </a:solidFill>
@@ -33047,7 +30918,7 @@
                                 </m:e>
                                 <m:sub>
                                   <m:r>
-                                    <a:rPr lang="pl-PL" sz="1000" i="1">
+                                    <a:rPr lang="en-US" sz="1000" i="1">
                                       <a:solidFill>
                                         <a:prstClr val="black"/>
                                       </a:solidFill>
@@ -33066,7 +30937,7 @@
                       <m:sSub>
                         <m:sSubPr>
                           <m:ctrlPr>
-                            <a:rPr lang="en-GB" sz="1000" i="1">
+                            <a:rPr lang="en-US" sz="1000" i="1">
                               <a:solidFill>
                                 <a:srgbClr val="836967"/>
                               </a:solidFill>
@@ -33079,7 +30950,7 @@
                             <m:rPr>
                               <m:sty m:val="p"/>
                             </m:rPr>
-                            <a:rPr lang="en-GB" sz="1000">
+                            <a:rPr lang="en-US" sz="1000">
                               <a:latin typeface="Cambria Math" panose="02040503050406030204" pitchFamily="18" charset="0"/>
                             </a:rPr>
                             <m:t>L</m:t>
@@ -33087,7 +30958,7 @@
                         </m:e>
                         <m:sub>
                           <m:r>
-                            <a:rPr lang="en-GB" sz="1000" i="1">
+                            <a:rPr lang="en-US" sz="1000" i="1">
                               <a:latin typeface="Cambria Math" panose="02040503050406030204" pitchFamily="18" charset="0"/>
                             </a:rPr>
                             <m:t>𝑜</m:t>
@@ -33097,7 +30968,7 @@
                       <m:d>
                         <m:dPr>
                           <m:ctrlPr>
-                            <a:rPr lang="en-GB" sz="1000" i="1">
+                            <a:rPr lang="en-US" sz="1000" i="1">
                               <a:solidFill>
                                 <a:srgbClr val="836967"/>
                               </a:solidFill>
@@ -33110,13 +30981,13 @@
                             <m:rPr>
                               <m:sty m:val="p"/>
                             </m:rPr>
-                            <a:rPr lang="en-GB" sz="1000">
+                            <a:rPr lang="en-US" sz="1000">
                               <a:latin typeface="Cambria Math" panose="02040503050406030204" pitchFamily="18" charset="0"/>
                             </a:rPr>
                             <m:t>p</m:t>
                           </m:r>
                           <m:r>
-                            <a:rPr lang="en-GB" sz="1000">
+                            <a:rPr lang="en-US" sz="1000">
                               <a:latin typeface="Cambria Math" panose="02040503050406030204" pitchFamily="18" charset="0"/>
                             </a:rPr>
                             <m:t>, </m:t>
@@ -33124,7 +30995,7 @@
                           <m:sSub>
                             <m:sSubPr>
                               <m:ctrlPr>
-                                <a:rPr lang="en-GB" sz="1000" i="1">
+                                <a:rPr lang="en-US" sz="1000" i="1">
                                   <a:solidFill>
                                     <a:srgbClr val="836967"/>
                                   </a:solidFill>
@@ -33137,7 +31008,7 @@
                                 <m:rPr>
                                   <m:sty m:val="p"/>
                                 </m:rPr>
-                                <a:rPr lang="en-GB" sz="1000">
+                                <a:rPr lang="en-US" sz="1000">
                                   <a:latin typeface="Cambria Math" panose="02040503050406030204" pitchFamily="18" charset="0"/>
                                 </a:rPr>
                                 <m:t>ω</m:t>
@@ -33145,7 +31016,7 @@
                             </m:e>
                             <m:sub>
                               <m:r>
-                                <a:rPr lang="en-GB" sz="1000" i="1">
+                                <a:rPr lang="en-US" sz="1000" i="1">
                                   <a:latin typeface="Cambria Math" panose="02040503050406030204" pitchFamily="18" charset="0"/>
                                 </a:rPr>
                                 <m:t>𝑜</m:t>
@@ -33155,7 +31026,7 @@
                         </m:e>
                       </m:d>
                       <m:r>
-                        <a:rPr lang="en-GB" sz="1000">
+                        <a:rPr lang="en-US" sz="1000">
                           <a:latin typeface="Cambria Math" panose="02040503050406030204" pitchFamily="18" charset="0"/>
                         </a:rPr>
                         <m:t>=</m:t>
@@ -33163,14 +31034,14 @@
                       <m:sSub>
                         <m:sSubPr>
                           <m:ctrlPr>
-                            <a:rPr lang="en-GB" sz="1000" i="1">
+                            <a:rPr lang="en-US" sz="1000" i="1">
                               <a:latin typeface="Cambria Math" panose="02040503050406030204" pitchFamily="18" charset="0"/>
                             </a:rPr>
                           </m:ctrlPr>
                         </m:sSubPr>
                         <m:e>
                           <m:r>
-                            <a:rPr lang="pl-PL" sz="1000" i="1">
+                            <a:rPr lang="en-US" sz="1000" i="1">
                               <a:latin typeface="Cambria Math" panose="02040503050406030204" pitchFamily="18" charset="0"/>
                             </a:rPr>
                             <m:t>𝐿</m:t>
@@ -33178,7 +31049,7 @@
                         </m:e>
                         <m:sub>
                           <m:r>
-                            <a:rPr lang="pl-PL" sz="1000" i="1">
+                            <a:rPr lang="en-US" sz="1000" i="1">
                               <a:latin typeface="Cambria Math" panose="02040503050406030204" pitchFamily="18" charset="0"/>
                             </a:rPr>
                             <m:t>𝑑</m:t>
@@ -33188,7 +31059,7 @@
                       <m:d>
                         <m:dPr>
                           <m:ctrlPr>
-                            <a:rPr lang="pl-PL" sz="1000" i="1">
+                            <a:rPr lang="en-US" sz="1000" i="1">
                               <a:latin typeface="Cambria Math" panose="02040503050406030204" pitchFamily="18" charset="0"/>
                             </a:rPr>
                           </m:ctrlPr>
@@ -33198,13 +31069,13 @@
                             <m:rPr>
                               <m:sty m:val="p"/>
                             </m:rPr>
-                            <a:rPr lang="en-GB" sz="1000">
+                            <a:rPr lang="en-US" sz="1000">
                               <a:latin typeface="Cambria Math" panose="02040503050406030204" pitchFamily="18" charset="0"/>
                             </a:rPr>
                             <m:t>p</m:t>
                           </m:r>
                           <m:r>
-                            <a:rPr lang="en-GB" sz="1000">
+                            <a:rPr lang="en-US" sz="1000">
                               <a:latin typeface="Cambria Math" panose="02040503050406030204" pitchFamily="18" charset="0"/>
                             </a:rPr>
                             <m:t>, </m:t>
@@ -33212,7 +31083,7 @@
                           <m:sSub>
                             <m:sSubPr>
                               <m:ctrlPr>
-                                <a:rPr lang="en-GB" sz="1000" i="1">
+                                <a:rPr lang="en-US" sz="1000" i="1">
                                   <a:solidFill>
                                     <a:srgbClr val="836967"/>
                                   </a:solidFill>
@@ -33225,7 +31096,7 @@
                                 <m:rPr>
                                   <m:sty m:val="p"/>
                                 </m:rPr>
-                                <a:rPr lang="en-GB" sz="1000">
+                                <a:rPr lang="en-US" sz="1000">
                                   <a:latin typeface="Cambria Math" panose="02040503050406030204" pitchFamily="18" charset="0"/>
                                 </a:rPr>
                                 <m:t>ω</m:t>
@@ -33233,7 +31104,7 @@
                             </m:e>
                             <m:sub>
                               <m:r>
-                                <a:rPr lang="en-GB" sz="1000" i="1">
+                                <a:rPr lang="en-US" sz="1000" i="1">
                                   <a:latin typeface="Cambria Math" panose="02040503050406030204" pitchFamily="18" charset="0"/>
                                 </a:rPr>
                                 <m:t>𝑜</m:t>
@@ -33243,7 +31114,7 @@
                         </m:e>
                       </m:d>
                       <m:r>
-                        <a:rPr lang="pl-PL" sz="1000" i="1">
+                        <a:rPr lang="en-US" sz="1000" i="1">
                           <a:latin typeface="Cambria Math" panose="02040503050406030204" pitchFamily="18" charset="0"/>
                         </a:rPr>
                         <m:t>+</m:t>
@@ -33251,14 +31122,14 @@
                       <m:sSub>
                         <m:sSubPr>
                           <m:ctrlPr>
-                            <a:rPr lang="en-GB" sz="1000" i="1">
+                            <a:rPr lang="en-US" sz="1000" i="1">
                               <a:latin typeface="Cambria Math" panose="02040503050406030204" pitchFamily="18" charset="0"/>
                             </a:rPr>
                           </m:ctrlPr>
                         </m:sSubPr>
                         <m:e>
                           <m:r>
-                            <a:rPr lang="pl-PL" sz="1000" i="1">
+                            <a:rPr lang="en-US" sz="1000" i="1">
                               <a:latin typeface="Cambria Math" panose="02040503050406030204" pitchFamily="18" charset="0"/>
                             </a:rPr>
                             <m:t>𝐿</m:t>
@@ -33266,7 +31137,7 @@
                         </m:e>
                         <m:sub>
                           <m:r>
-                            <a:rPr lang="pl-PL" sz="1000" i="1">
+                            <a:rPr lang="en-US" sz="1000" i="1">
                               <a:latin typeface="Cambria Math" panose="02040503050406030204" pitchFamily="18" charset="0"/>
                             </a:rPr>
                             <m:t>𝑠</m:t>
@@ -33276,7 +31147,7 @@
                       <m:d>
                         <m:dPr>
                           <m:ctrlPr>
-                            <a:rPr lang="pl-PL" sz="1000" i="1">
+                            <a:rPr lang="en-US" sz="1000" i="1">
                               <a:latin typeface="Cambria Math" panose="02040503050406030204" pitchFamily="18" charset="0"/>
                             </a:rPr>
                           </m:ctrlPr>
@@ -33286,13 +31157,13 @@
                             <m:rPr>
                               <m:sty m:val="p"/>
                             </m:rPr>
-                            <a:rPr lang="en-GB" sz="1000">
+                            <a:rPr lang="en-US" sz="1000">
                               <a:latin typeface="Cambria Math" panose="02040503050406030204" pitchFamily="18" charset="0"/>
                             </a:rPr>
                             <m:t>p</m:t>
                           </m:r>
                           <m:r>
-                            <a:rPr lang="en-GB" sz="1000">
+                            <a:rPr lang="en-US" sz="1000">
                               <a:latin typeface="Cambria Math" panose="02040503050406030204" pitchFamily="18" charset="0"/>
                             </a:rPr>
                             <m:t>, </m:t>
@@ -33300,7 +31171,7 @@
                           <m:sSub>
                             <m:sSubPr>
                               <m:ctrlPr>
-                                <a:rPr lang="en-GB" sz="1000" i="1">
+                                <a:rPr lang="en-US" sz="1000" i="1">
                                   <a:solidFill>
                                     <a:srgbClr val="836967"/>
                                   </a:solidFill>
@@ -33313,7 +31184,7 @@
                                 <m:rPr>
                                   <m:sty m:val="p"/>
                                 </m:rPr>
-                                <a:rPr lang="en-GB" sz="1000">
+                                <a:rPr lang="en-US" sz="1000">
                                   <a:latin typeface="Cambria Math" panose="02040503050406030204" pitchFamily="18" charset="0"/>
                                 </a:rPr>
                                 <m:t>ω</m:t>
@@ -33321,7 +31192,7 @@
                             </m:e>
                             <m:sub>
                               <m:r>
-                                <a:rPr lang="en-GB" sz="1000" i="1">
+                                <a:rPr lang="en-US" sz="1000" i="1">
                                   <a:latin typeface="Cambria Math" panose="02040503050406030204" pitchFamily="18" charset="0"/>
                                 </a:rPr>
                                 <m:t>𝑜</m:t>
@@ -33359,8 +31230,8 @@
             </p:nvSpPr>
             <p:spPr>
               <a:xfrm>
-                <a:off x="8207396" y="371911"/>
-                <a:ext cx="3649526" cy="2678747"/>
+                <a:off x="8979274" y="295706"/>
+                <a:ext cx="2662458" cy="2305311"/>
               </a:xfrm>
               <a:prstGeom prst="rect">
                 <a:avLst/>
@@ -33368,7 +31239,7 @@
               <a:blipFill>
                 <a:blip r:embed="rId3"/>
                 <a:stretch>
-                  <a:fillRect l="-1836" t="-11845"/>
+                  <a:fillRect l="-2746" t="-13757"/>
                 </a:stretch>
               </a:blipFill>
             </p:spPr>
@@ -33387,36 +31258,6 @@
           </p:sp>
         </mc:Fallback>
       </mc:AlternateContent>
-      <p:pic>
-        <p:nvPicPr>
-          <p:cNvPr id="2" name="Picture 1">
-            <a:extLst>
-              <a:ext uri="{FF2B5EF4-FFF2-40B4-BE49-F238E27FC236}">
-                <a16:creationId xmlns:a16="http://schemas.microsoft.com/office/drawing/2014/main" id="{F197C125-CBE4-891A-9A20-CD38F44A1E2F}"/>
-              </a:ext>
-            </a:extLst>
-          </p:cNvPr>
-          <p:cNvPicPr>
-            <a:picLocks noChangeAspect="1"/>
-          </p:cNvPicPr>
-          <p:nvPr/>
-        </p:nvPicPr>
-        <p:blipFill>
-          <a:blip r:embed="rId4"/>
-          <a:stretch>
-            <a:fillRect/>
-          </a:stretch>
-        </p:blipFill>
-        <p:spPr>
-          <a:xfrm>
-            <a:off x="698415" y="3882311"/>
-            <a:ext cx="5611550" cy="1297628"/>
-          </a:xfrm>
-          <a:prstGeom prst="rect">
-            <a:avLst/>
-          </a:prstGeom>
-        </p:spPr>
-      </p:pic>
     </p:spTree>
     <p:extLst>
       <p:ext uri="{BB962C8B-B14F-4D97-AF65-F5344CB8AC3E}">
